--- a/PyWebIL - App Based Blue Green Migrations With Django.pptx
+++ b/PyWebIL - App Based Blue Green Migrations With Django.pptx
@@ -5,7 +5,7 @@
     <p:sldMasterId id="2147483648" r:id="rId1"/>
   </p:sldMasterIdLst>
   <p:notesMasterIdLst>
-    <p:notesMasterId r:id="rId52"/>
+    <p:notesMasterId r:id="rId53"/>
   </p:notesMasterIdLst>
   <p:sldIdLst>
     <p:sldId id="256" r:id="rId2"/>
@@ -43,21 +43,22 @@
     <p:sldId id="333" r:id="rId34"/>
     <p:sldId id="334" r:id="rId35"/>
     <p:sldId id="335" r:id="rId36"/>
-    <p:sldId id="300" r:id="rId37"/>
-    <p:sldId id="308" r:id="rId38"/>
+    <p:sldId id="308" r:id="rId37"/>
+    <p:sldId id="340" r:id="rId38"/>
     <p:sldId id="270" r:id="rId39"/>
     <p:sldId id="326" r:id="rId40"/>
     <p:sldId id="327" r:id="rId41"/>
     <p:sldId id="321" r:id="rId42"/>
-    <p:sldId id="322" r:id="rId43"/>
-    <p:sldId id="323" r:id="rId44"/>
-    <p:sldId id="324" r:id="rId45"/>
-    <p:sldId id="325" r:id="rId46"/>
-    <p:sldId id="336" r:id="rId47"/>
-    <p:sldId id="337" r:id="rId48"/>
-    <p:sldId id="338" r:id="rId49"/>
-    <p:sldId id="339" r:id="rId50"/>
-    <p:sldId id="258" r:id="rId51"/>
+    <p:sldId id="300" r:id="rId43"/>
+    <p:sldId id="322" r:id="rId44"/>
+    <p:sldId id="323" r:id="rId45"/>
+    <p:sldId id="324" r:id="rId46"/>
+    <p:sldId id="325" r:id="rId47"/>
+    <p:sldId id="336" r:id="rId48"/>
+    <p:sldId id="337" r:id="rId49"/>
+    <p:sldId id="338" r:id="rId50"/>
+    <p:sldId id="339" r:id="rId51"/>
+    <p:sldId id="258" r:id="rId52"/>
   </p:sldIdLst>
   <p:sldSz cx="12192000" cy="6858000"/>
   <p:notesSz cx="6858000" cy="9144000"/>
@@ -196,8 +197,8 @@
             <p14:sldId id="333"/>
             <p14:sldId id="334"/>
             <p14:sldId id="335"/>
-            <p14:sldId id="300"/>
             <p14:sldId id="308"/>
+            <p14:sldId id="340"/>
             <p14:sldId id="270"/>
             <p14:sldId id="326"/>
             <p14:sldId id="327"/>
@@ -206,6 +207,7 @@
         </p14:section>
         <p14:section name="depracated rough drafts" id="{8F533EB4-C84B-6E4D-B1E6-820172F8CA4D}">
           <p14:sldIdLst>
+            <p14:sldId id="300"/>
             <p14:sldId id="322"/>
             <p14:sldId id="323"/>
             <p14:sldId id="324"/>
@@ -1767,7 +1769,7 @@
           <a:p>
             <a:fld id="{0D77ECBE-96AF-DB40-A8BA-AEB6B0FEA58D}" type="slidenum">
               <a:rPr lang="en-US" smtClean="0"/>
-              <a:t>50</a:t>
+              <a:t>51</a:t>
             </a:fld>
             <a:endParaRPr lang="en-US"/>
           </a:p>
@@ -5512,6 +5514,63 @@
                 </a:outerShdw>
               </a:effectLst>
             </a:endParaRPr>
+          </a:p>
+        </p:txBody>
+      </p:sp>
+      <p:sp>
+        <p:nvSpPr>
+          <p:cNvPr id="3" name="TextBox 2">
+            <a:extLst>
+              <a:ext uri="{FF2B5EF4-FFF2-40B4-BE49-F238E27FC236}">
+                <a16:creationId xmlns:a16="http://schemas.microsoft.com/office/drawing/2014/main" id="{12E9258F-7613-614C-BB42-498440B4459C}"/>
+              </a:ext>
+            </a:extLst>
+          </p:cNvPr>
+          <p:cNvSpPr txBox="1"/>
+          <p:nvPr/>
+        </p:nvSpPr>
+        <p:spPr>
+          <a:xfrm>
+            <a:off x="873550" y="5435600"/>
+            <a:ext cx="9658983" cy="1200329"/>
+          </a:xfrm>
+          <a:prstGeom prst="rect">
+            <a:avLst/>
+          </a:prstGeom>
+          <a:noFill/>
+        </p:spPr>
+        <p:txBody>
+          <a:bodyPr wrap="square" rtlCol="0">
+            <a:spAutoFit/>
+          </a:bodyPr>
+          <a:lstStyle/>
+          <a:p>
+            <a:r>
+              <a:rPr lang="en-US" sz="3600" b="1" dirty="0"/>
+              <a:t>Yotam Manor, SW Eng. @ MassChallenge Inc.</a:t>
+            </a:r>
+          </a:p>
+          <a:p>
+            <a:r>
+              <a:rPr lang="en-US" sz="3600" dirty="0"/>
+              <a:t>Feb 5</a:t>
+            </a:r>
+            <a:r>
+              <a:rPr lang="en-US" sz="3600" baseline="30000" dirty="0"/>
+              <a:t>th</a:t>
+            </a:r>
+            <a:r>
+              <a:rPr lang="en-US" sz="3600" dirty="0"/>
+              <a:t>, 2018. </a:t>
+            </a:r>
+            <a:r>
+              <a:rPr lang="en-US" sz="3600" dirty="0" err="1"/>
+              <a:t>PyWeb</a:t>
+            </a:r>
+            <a:r>
+              <a:rPr lang="en-US" sz="3600" dirty="0"/>
+              <a:t>-IL #73 </a:t>
+            </a:r>
           </a:p>
         </p:txBody>
       </p:sp>
@@ -19428,18 +19487,9 @@
           <a:bodyPr/>
           <a:lstStyle/>
           <a:p>
-            <a:pPr algn="l" defTabSz="914400" rtl="1" eaLnBrk="1" latinLnBrk="0" hangingPunct="1">
-              <a:lnSpc>
-                <a:spcPct val="90000"/>
-              </a:lnSpc>
-              <a:spcBef>
-                <a:spcPct val="0"/>
-              </a:spcBef>
-              <a:buNone/>
-            </a:pPr>
             <a:r>
               <a:rPr lang="en-US" dirty="0"/>
-              <a:t>Some Thoughts</a:t>
+              <a:t>What Did We Get?</a:t>
             </a:r>
           </a:p>
         </p:txBody>
@@ -19463,46 +19513,43 @@
         <p:spPr/>
         <p:txBody>
           <a:bodyPr>
-            <a:normAutofit fontScale="92500" lnSpcReduction="10000"/>
+            <a:normAutofit/>
           </a:bodyPr>
           <a:lstStyle/>
           <a:p>
             <a:r>
               <a:rPr lang="en-US" dirty="0"/>
-              <a:t>No Silver Bullet -</a:t>
-            </a:r>
-          </a:p>
-          <a:p>
-            <a:pPr lvl="1"/>
+              <a:t>No Functionality Loss or Downtime</a:t>
+            </a:r>
+          </a:p>
+          <a:p>
             <a:r>
               <a:rPr lang="en-US" dirty="0"/>
-              <a:t>Functionality Degradation Vs. Inconsistency Vs. Cost of Implementation</a:t>
-            </a:r>
-          </a:p>
-          <a:p>
+              <a:t>One DB, Consistent Data</a:t>
+            </a:r>
+          </a:p>
+          <a:p>
+            <a:r>
+              <a:rPr lang="en-US" dirty="0"/>
+              <a:t>App&lt;</a:t>
+            </a:r>
+            <a:r>
+              <a:rPr lang="en-US" dirty="0">
+                <a:sym typeface="Wingdings" pitchFamily="2" charset="2"/>
+              </a:rPr>
+              <a:t>-&gt;DB Relationship Stays Simple</a:t>
+            </a:r>
             <a:endParaRPr lang="en-US" dirty="0"/>
           </a:p>
           <a:p>
-            <a:r>
-              <a:rPr lang="en-US" dirty="0"/>
-              <a:t>For Read-Only, there are better approaches</a:t>
-            </a:r>
-          </a:p>
-          <a:p>
             <a:endParaRPr lang="en-US" dirty="0"/>
-          </a:p>
-          <a:p>
-            <a:r>
-              <a:rPr lang="en-US" dirty="0"/>
-              <a:t>This Could Be Cost-Effective with Open-Source Some Infrastructure</a:t>
-            </a:r>
           </a:p>
         </p:txBody>
       </p:sp>
     </p:spTree>
     <p:extLst>
       <p:ext uri="{BB962C8B-B14F-4D97-AF65-F5344CB8AC3E}">
-        <p14:creationId xmlns:p14="http://schemas.microsoft.com/office/powerpoint/2010/main" val="3259725605"/>
+        <p14:creationId xmlns:p14="http://schemas.microsoft.com/office/powerpoint/2010/main" val="1615973001"/>
       </p:ext>
     </p:extLst>
   </p:cSld>
@@ -19552,7 +19599,7 @@
           <a:p>
             <a:r>
               <a:rPr lang="en-US" dirty="0"/>
-              <a:t>Summary</a:t>
+              <a:t>What Did It Cost?</a:t>
             </a:r>
           </a:p>
         </p:txBody>
@@ -19576,46 +19623,39 @@
         <p:spPr/>
         <p:txBody>
           <a:bodyPr>
-            <a:normAutofit fontScale="92500" lnSpcReduction="10000"/>
+            <a:normAutofit/>
           </a:bodyPr>
           <a:lstStyle/>
           <a:p>
             <a:r>
               <a:rPr lang="en-US" dirty="0"/>
-              <a:t>No Silver Bullet -</a:t>
-            </a:r>
-          </a:p>
-          <a:p>
-            <a:pPr lvl="1"/>
+              <a:t>Temporary Code Duplication</a:t>
+            </a:r>
+          </a:p>
+          <a:p>
             <a:r>
               <a:rPr lang="en-US" dirty="0"/>
-              <a:t>Functionality Degradation Vs. Inconsistency Vs. Cost of Implementation</a:t>
+              <a:t>Terrible Separation of Concerns</a:t>
+            </a:r>
+          </a:p>
+          <a:p>
+            <a:r>
+              <a:rPr lang="en-US" dirty="0"/>
+              <a:t>DevOps</a:t>
             </a:r>
           </a:p>
           <a:p>
             <a:endParaRPr lang="en-US" dirty="0"/>
           </a:p>
           <a:p>
-            <a:r>
-              <a:rPr lang="en-US" dirty="0"/>
-              <a:t>For Read-Only, there are better approaches</a:t>
-            </a:r>
-          </a:p>
-          <a:p>
             <a:endParaRPr lang="en-US" dirty="0"/>
-          </a:p>
-          <a:p>
-            <a:r>
-              <a:rPr lang="en-US" dirty="0"/>
-              <a:t>This Could Be Cost-Effective with Open-Source Some Infrastructure</a:t>
-            </a:r>
           </a:p>
         </p:txBody>
       </p:sp>
     </p:spTree>
     <p:extLst>
       <p:ext uri="{BB962C8B-B14F-4D97-AF65-F5344CB8AC3E}">
-        <p14:creationId xmlns:p14="http://schemas.microsoft.com/office/powerpoint/2010/main" val="1615973001"/>
+        <p14:creationId xmlns:p14="http://schemas.microsoft.com/office/powerpoint/2010/main" val="3050683768"/>
       </p:ext>
     </p:extLst>
   </p:cSld>
@@ -19678,7 +19718,7 @@
             </a:r>
             <a:r>
               <a:rPr lang="en-US" dirty="0" err="1"/>
-              <a:t>redits</a:t>
+              <a:t>redit</a:t>
             </a:r>
             <a:r>
               <a:rPr lang="en-US" dirty="0"/>
@@ -19703,7 +19743,12 @@
             <p:ph idx="1"/>
           </p:nvPr>
         </p:nvSpPr>
-        <p:spPr/>
+        <p:spPr>
+          <a:xfrm>
+            <a:off x="838199" y="1825625"/>
+            <a:ext cx="10879667" cy="4863042"/>
+          </a:xfrm>
+        </p:spPr>
         <p:txBody>
           <a:bodyPr>
             <a:normAutofit fontScale="92500" lnSpcReduction="20000"/>
@@ -19711,59 +19756,79 @@
           <a:lstStyle/>
           <a:p>
             <a:r>
+              <a:rPr lang="en-US" dirty="0"/>
+              <a:t>Heavily Researched at </a:t>
+            </a:r>
+            <a:r>
               <a:rPr lang="en-US" dirty="0">
                 <a:hlinkClick r:id="rId2"/>
               </a:rPr>
-              <a:t>https://martinfowler.com/bliki/BlueGreenDeployment.html</a:t>
+              <a:t>MassChallenge Inc.</a:t>
             </a:r>
             <a:endParaRPr lang="en-US" dirty="0"/>
           </a:p>
           <a:p>
+            <a:r>
+              <a:rPr lang="en-US" dirty="0"/>
+              <a:t>Try this at my </a:t>
+            </a:r>
             <a:r>
               <a:rPr lang="en-US" dirty="0">
                 <a:hlinkClick r:id="rId3"/>
               </a:rPr>
-              <a:t>https://d0.awsstatic.com/whitepapers/AWS_Blue_Green_Deployments.pdf</a:t>
+              <a:t>Demo App</a:t>
             </a:r>
             <a:endParaRPr lang="en-US" dirty="0"/>
           </a:p>
           <a:p>
             <a:r>
               <a:rPr lang="en-US" dirty="0"/>
-              <a:t>https://</a:t>
-            </a:r>
-            <a:r>
-              <a:rPr lang="en-US" dirty="0" err="1"/>
-              <a:t>github.com</a:t>
-            </a:r>
+              <a:t>Inspired by </a:t>
+            </a:r>
+            <a:r>
+              <a:rPr lang="en-US" dirty="0">
+                <a:hlinkClick r:id="rId4"/>
+              </a:rPr>
+              <a:t>Django-hosts</a:t>
+            </a:r>
+            <a:endParaRPr lang="en-US" dirty="0"/>
+          </a:p>
+          <a:p>
+            <a:endParaRPr lang="en-US" dirty="0"/>
+          </a:p>
+          <a:p>
             <a:r>
               <a:rPr lang="en-US" dirty="0"/>
-              <a:t>/</a:t>
-            </a:r>
-            <a:r>
-              <a:rPr lang="en-US" dirty="0" err="1"/>
-              <a:t>jazzband</a:t>
-            </a:r>
+              <a:t>Read more in </a:t>
+            </a:r>
+            <a:r>
+              <a:rPr lang="en-US" dirty="0">
+                <a:hlinkClick r:id="rId5"/>
+              </a:rPr>
+              <a:t>Martin Fowler's Blog</a:t>
+            </a:r>
+            <a:endParaRPr lang="en-US" dirty="0"/>
+          </a:p>
+          <a:p>
             <a:r>
               <a:rPr lang="en-US" dirty="0"/>
-              <a:t>/</a:t>
-            </a:r>
-            <a:r>
-              <a:rPr lang="en-US" dirty="0" err="1"/>
-              <a:t>django</a:t>
-            </a:r>
+              <a:t>And in an </a:t>
+            </a:r>
+            <a:r>
+              <a:rPr lang="en-US" dirty="0">
+                <a:hlinkClick r:id="rId6"/>
+              </a:rPr>
+              <a:t>AWS Whitepaper</a:t>
+            </a:r>
+            <a:endParaRPr lang="en-US" dirty="0"/>
+          </a:p>
+          <a:p>
+            <a:endParaRPr lang="en-US" dirty="0"/>
+          </a:p>
+          <a:p>
             <a:r>
               <a:rPr lang="en-US" dirty="0"/>
-              <a:t>-hosts/</a:t>
-            </a:r>
-          </a:p>
-          <a:p>
-            <a:endParaRPr lang="en-US" dirty="0"/>
-          </a:p>
-          <a:p>
-            <a:r>
-              <a:rPr lang="en-US" dirty="0"/>
-              <a:t>Icons By </a:t>
+              <a:t>Some Icons By </a:t>
             </a:r>
             <a:r>
               <a:rPr lang="en-US" dirty="0" err="1"/>
@@ -19779,23 +19844,17 @@
             </a:r>
             <a:r>
               <a:rPr lang="en-US" dirty="0"/>
-              <a:t> (Own work) [CC BY-SA 4.0 (https://</a:t>
-            </a:r>
-            <a:r>
-              <a:rPr lang="en-US" dirty="0" err="1"/>
-              <a:t>creativecommons.org</a:t>
+              <a:t> (Own work) </a:t>
+            </a:r>
+            <a:r>
+              <a:rPr lang="en-US" dirty="0">
+                <a:hlinkClick r:id="rId7"/>
+              </a:rPr>
+              <a:t>CC BY-SA 4.0</a:t>
             </a:r>
             <a:r>
               <a:rPr lang="en-US" dirty="0"/>
-              <a:t>/licenses/by-</a:t>
-            </a:r>
-            <a:r>
-              <a:rPr lang="en-US" dirty="0" err="1"/>
-              <a:t>sa</a:t>
-            </a:r>
-            <a:r>
-              <a:rPr lang="en-US" dirty="0"/>
-              <a:t>/4.0)], via Wikimedia Commons</a:t>
+              <a:t>, via Wikimedia Commons</a:t>
             </a:r>
           </a:p>
           <a:p>
@@ -20663,6 +20722,130 @@
           <a:chExt cx="0" cy="0"/>
         </a:xfrm>
       </p:grpSpPr>
+      <p:sp>
+        <p:nvSpPr>
+          <p:cNvPr id="2" name="Title 1">
+            <a:extLst>
+              <a:ext uri="{FF2B5EF4-FFF2-40B4-BE49-F238E27FC236}">
+                <a16:creationId xmlns:a16="http://schemas.microsoft.com/office/drawing/2014/main" id="{7B0AE009-526E-C943-83FB-19F2E00BADC7}"/>
+              </a:ext>
+            </a:extLst>
+          </p:cNvPr>
+          <p:cNvSpPr>
+            <a:spLocks noGrp="1"/>
+          </p:cNvSpPr>
+          <p:nvPr>
+            <p:ph type="title"/>
+          </p:nvPr>
+        </p:nvSpPr>
+        <p:spPr/>
+        <p:txBody>
+          <a:bodyPr/>
+          <a:lstStyle/>
+          <a:p>
+            <a:pPr rtl="1"/>
+            <a:r>
+              <a:rPr lang="en-US" dirty="0"/>
+              <a:t>No Silver Bullet</a:t>
+            </a:r>
+          </a:p>
+        </p:txBody>
+      </p:sp>
+      <p:sp>
+        <p:nvSpPr>
+          <p:cNvPr id="3" name="Content Placeholder 2">
+            <a:extLst>
+              <a:ext uri="{FF2B5EF4-FFF2-40B4-BE49-F238E27FC236}">
+                <a16:creationId xmlns:a16="http://schemas.microsoft.com/office/drawing/2014/main" id="{1D975588-89BB-E641-B0D3-34DAA00D23F6}"/>
+              </a:ext>
+            </a:extLst>
+          </p:cNvPr>
+          <p:cNvSpPr>
+            <a:spLocks noGrp="1"/>
+          </p:cNvSpPr>
+          <p:nvPr>
+            <p:ph idx="1"/>
+          </p:nvPr>
+        </p:nvSpPr>
+        <p:spPr/>
+        <p:txBody>
+          <a:bodyPr>
+            <a:normAutofit/>
+          </a:bodyPr>
+          <a:lstStyle/>
+          <a:p>
+            <a:pPr marL="0" indent="0">
+              <a:buNone/>
+            </a:pPr>
+            <a:endParaRPr lang="en-US" dirty="0"/>
+          </a:p>
+          <a:p>
+            <a:pPr marL="0" indent="0">
+              <a:buNone/>
+            </a:pPr>
+            <a:r>
+              <a:rPr lang="en-US" b="1" dirty="0"/>
+              <a:t>Functional Degradation </a:t>
+            </a:r>
+            <a:r>
+              <a:rPr lang="en-US" dirty="0"/>
+              <a:t>Vs. </a:t>
+            </a:r>
+          </a:p>
+          <a:p>
+            <a:pPr marL="0" indent="0">
+              <a:buNone/>
+            </a:pPr>
+            <a:r>
+              <a:rPr lang="en-US" b="1" dirty="0"/>
+              <a:t>Data Inconsistency</a:t>
+            </a:r>
+            <a:r>
+              <a:rPr lang="en-US" dirty="0"/>
+              <a:t> Vs. </a:t>
+            </a:r>
+          </a:p>
+          <a:p>
+            <a:pPr marL="0" indent="0">
+              <a:buNone/>
+            </a:pPr>
+            <a:r>
+              <a:rPr lang="en-US" b="1" dirty="0"/>
+              <a:t>Complexity (+Cost) of Implementation</a:t>
+            </a:r>
+          </a:p>
+        </p:txBody>
+      </p:sp>
+    </p:spTree>
+    <p:extLst>
+      <p:ext uri="{BB962C8B-B14F-4D97-AF65-F5344CB8AC3E}">
+        <p14:creationId xmlns:p14="http://schemas.microsoft.com/office/powerpoint/2010/main" val="3259725605"/>
+      </p:ext>
+    </p:extLst>
+  </p:cSld>
+  <p:clrMapOvr>
+    <a:masterClrMapping/>
+  </p:clrMapOvr>
+</p:sld>
+</file>
+
+<file path=ppt/slides/slide43.xml><?xml version="1.0" encoding="utf-8"?>
+<p:sld xmlns:a="http://schemas.openxmlformats.org/drawingml/2006/main" xmlns:r="http://schemas.openxmlformats.org/officeDocument/2006/relationships" xmlns:p="http://schemas.openxmlformats.org/presentationml/2006/main" show="0">
+  <p:cSld>
+    <p:spTree>
+      <p:nvGrpSpPr>
+        <p:cNvPr id="1" name=""/>
+        <p:cNvGrpSpPr/>
+        <p:nvPr/>
+      </p:nvGrpSpPr>
+      <p:grpSpPr>
+        <a:xfrm>
+          <a:off x="0" y="0"/>
+          <a:ext cx="0" cy="0"/>
+          <a:chOff x="0" y="0"/>
+          <a:chExt cx="0" cy="0"/>
+        </a:xfrm>
+      </p:grpSpPr>
       <p:pic>
         <p:nvPicPr>
           <p:cNvPr id="6" name="Picture 5"/>
@@ -21198,7 +21381,7 @@
 </p:sld>
 </file>
 
-<file path=ppt/slides/slide43.xml><?xml version="1.0" encoding="utf-8"?>
+<file path=ppt/slides/slide44.xml><?xml version="1.0" encoding="utf-8"?>
 <p:sld xmlns:a="http://schemas.openxmlformats.org/drawingml/2006/main" xmlns:r="http://schemas.openxmlformats.org/officeDocument/2006/relationships" xmlns:p="http://schemas.openxmlformats.org/presentationml/2006/main" show="0">
   <p:cSld>
     <p:spTree>
@@ -22016,7 +22199,7 @@
 </p:sld>
 </file>
 
-<file path=ppt/slides/slide44.xml><?xml version="1.0" encoding="utf-8"?>
+<file path=ppt/slides/slide45.xml><?xml version="1.0" encoding="utf-8"?>
 <p:sld xmlns:a="http://schemas.openxmlformats.org/drawingml/2006/main" xmlns:r="http://schemas.openxmlformats.org/officeDocument/2006/relationships" xmlns:p="http://schemas.openxmlformats.org/presentationml/2006/main" show="0">
   <p:cSld>
     <p:spTree>
@@ -23167,7 +23350,7 @@
 </p:sld>
 </file>
 
-<file path=ppt/slides/slide45.xml><?xml version="1.0" encoding="utf-8"?>
+<file path=ppt/slides/slide46.xml><?xml version="1.0" encoding="utf-8"?>
 <p:sld xmlns:a="http://schemas.openxmlformats.org/drawingml/2006/main" xmlns:r="http://schemas.openxmlformats.org/officeDocument/2006/relationships" xmlns:p="http://schemas.openxmlformats.org/presentationml/2006/main" show="0">
   <p:cSld>
     <p:spTree>
@@ -23985,94 +24168,6 @@
 </p:sld>
 </file>
 
-<file path=ppt/slides/slide46.xml><?xml version="1.0" encoding="utf-8"?>
-<p:sld xmlns:a="http://schemas.openxmlformats.org/drawingml/2006/main" xmlns:r="http://schemas.openxmlformats.org/officeDocument/2006/relationships" xmlns:p="http://schemas.openxmlformats.org/presentationml/2006/main" show="0">
-  <p:cSld>
-    <p:spTree>
-      <p:nvGrpSpPr>
-        <p:cNvPr id="1" name=""/>
-        <p:cNvGrpSpPr/>
-        <p:nvPr/>
-      </p:nvGrpSpPr>
-      <p:grpSpPr>
-        <a:xfrm>
-          <a:off x="0" y="0"/>
-          <a:ext cx="0" cy="0"/>
-          <a:chOff x="0" y="0"/>
-          <a:chExt cx="0" cy="0"/>
-        </a:xfrm>
-      </p:grpSpPr>
-      <p:sp>
-        <p:nvSpPr>
-          <p:cNvPr id="2" name="Title 1">
-            <a:extLst>
-              <a:ext uri="{FF2B5EF4-FFF2-40B4-BE49-F238E27FC236}">
-                <a16:creationId xmlns:a16="http://schemas.microsoft.com/office/drawing/2014/main" id="{8A1AC356-DE75-DF4E-98A9-1994F099F7E5}"/>
-              </a:ext>
-            </a:extLst>
-          </p:cNvPr>
-          <p:cNvSpPr>
-            <a:spLocks noGrp="1"/>
-          </p:cNvSpPr>
-          <p:nvPr>
-            <p:ph type="title"/>
-          </p:nvPr>
-        </p:nvSpPr>
-        <p:spPr/>
-        <p:txBody>
-          <a:bodyPr/>
-          <a:lstStyle/>
-          <a:p>
-            <a:r>
-              <a:rPr lang="en-US" dirty="0"/>
-              <a:t>Routing + Behavior</a:t>
-            </a:r>
-          </a:p>
-        </p:txBody>
-      </p:sp>
-      <p:pic>
-        <p:nvPicPr>
-          <p:cNvPr id="5" name="Picture 4">
-            <a:extLst>
-              <a:ext uri="{FF2B5EF4-FFF2-40B4-BE49-F238E27FC236}">
-                <a16:creationId xmlns:a16="http://schemas.microsoft.com/office/drawing/2014/main" id="{A9916334-2CC3-C145-9C14-E058D7BF85E3}"/>
-              </a:ext>
-            </a:extLst>
-          </p:cNvPr>
-          <p:cNvPicPr>
-            <a:picLocks noChangeAspect="1"/>
-          </p:cNvPicPr>
-          <p:nvPr/>
-        </p:nvPicPr>
-        <p:blipFill>
-          <a:blip r:embed="rId2"/>
-          <a:stretch>
-            <a:fillRect/>
-          </a:stretch>
-        </p:blipFill>
-        <p:spPr>
-          <a:xfrm>
-            <a:off x="838200" y="1517649"/>
-            <a:ext cx="10958206" cy="4331607"/>
-          </a:xfrm>
-          <a:prstGeom prst="rect">
-            <a:avLst/>
-          </a:prstGeom>
-        </p:spPr>
-      </p:pic>
-    </p:spTree>
-    <p:extLst>
-      <p:ext uri="{BB962C8B-B14F-4D97-AF65-F5344CB8AC3E}">
-        <p14:creationId xmlns:p14="http://schemas.microsoft.com/office/powerpoint/2010/main" val="40870681"/>
-      </p:ext>
-    </p:extLst>
-  </p:cSld>
-  <p:clrMapOvr>
-    <a:masterClrMapping/>
-  </p:clrMapOvr>
-</p:sld>
-</file>
-
 <file path=ppt/slides/slide47.xml><?xml version="1.0" encoding="utf-8"?>
 <p:sld xmlns:a="http://schemas.openxmlformats.org/drawingml/2006/main" xmlns:r="http://schemas.openxmlformats.org/officeDocument/2006/relationships" xmlns:p="http://schemas.openxmlformats.org/presentationml/2006/main" show="0">
   <p:cSld>
@@ -24095,7 +24190,7 @@
           <p:cNvPr id="2" name="Title 1">
             <a:extLst>
               <a:ext uri="{FF2B5EF4-FFF2-40B4-BE49-F238E27FC236}">
-                <a16:creationId xmlns:a16="http://schemas.microsoft.com/office/drawing/2014/main" id="{01A8CE6E-2EE6-574E-936C-92EE29BB16D7}"/>
+                <a16:creationId xmlns:a16="http://schemas.microsoft.com/office/drawing/2014/main" id="{8A1AC356-DE75-DF4E-98A9-1994F099F7E5}"/>
               </a:ext>
             </a:extLst>
           </p:cNvPr>
@@ -24120,10 +24215,10 @@
       </p:sp>
       <p:pic>
         <p:nvPicPr>
-          <p:cNvPr id="4" name="Picture 3">
+          <p:cNvPr id="5" name="Picture 4">
             <a:extLst>
               <a:ext uri="{FF2B5EF4-FFF2-40B4-BE49-F238E27FC236}">
-                <a16:creationId xmlns:a16="http://schemas.microsoft.com/office/drawing/2014/main" id="{B708E40E-05F3-7A49-B20F-F27C1B429C08}"/>
+                <a16:creationId xmlns:a16="http://schemas.microsoft.com/office/drawing/2014/main" id="{A9916334-2CC3-C145-9C14-E058D7BF85E3}"/>
               </a:ext>
             </a:extLst>
           </p:cNvPr>
@@ -24140,8 +24235,8 @@
         </p:blipFill>
         <p:spPr>
           <a:xfrm>
-            <a:off x="838200" y="2036535"/>
-            <a:ext cx="10722754" cy="2666093"/>
+            <a:off x="838200" y="1517649"/>
+            <a:ext cx="10958206" cy="4331607"/>
           </a:xfrm>
           <a:prstGeom prst="rect">
             <a:avLst/>
@@ -24151,7 +24246,7 @@
     </p:spTree>
     <p:extLst>
       <p:ext uri="{BB962C8B-B14F-4D97-AF65-F5344CB8AC3E}">
-        <p14:creationId xmlns:p14="http://schemas.microsoft.com/office/powerpoint/2010/main" val="1017878124"/>
+        <p14:creationId xmlns:p14="http://schemas.microsoft.com/office/powerpoint/2010/main" val="40870681"/>
       </p:ext>
     </p:extLst>
   </p:cSld>
@@ -24183,7 +24278,7 @@
           <p:cNvPr id="2" name="Title 1">
             <a:extLst>
               <a:ext uri="{FF2B5EF4-FFF2-40B4-BE49-F238E27FC236}">
-                <a16:creationId xmlns:a16="http://schemas.microsoft.com/office/drawing/2014/main" id="{C1C8AD85-E247-1948-8A09-77C4E5C3FF16}"/>
+                <a16:creationId xmlns:a16="http://schemas.microsoft.com/office/drawing/2014/main" id="{01A8CE6E-2EE6-574E-936C-92EE29BB16D7}"/>
               </a:ext>
             </a:extLst>
           </p:cNvPr>
@@ -24206,121 +24301,40 @@
           </a:p>
         </p:txBody>
       </p:sp>
-      <p:sp>
-        <p:nvSpPr>
-          <p:cNvPr id="3" name="Content Placeholder 2">
+      <p:pic>
+        <p:nvPicPr>
+          <p:cNvPr id="4" name="Picture 3">
             <a:extLst>
               <a:ext uri="{FF2B5EF4-FFF2-40B4-BE49-F238E27FC236}">
-                <a16:creationId xmlns:a16="http://schemas.microsoft.com/office/drawing/2014/main" id="{BBE4DBD6-CDA4-9C43-983C-C0ADBBD12FBF}"/>
+                <a16:creationId xmlns:a16="http://schemas.microsoft.com/office/drawing/2014/main" id="{B708E40E-05F3-7A49-B20F-F27C1B429C08}"/>
               </a:ext>
             </a:extLst>
           </p:cNvPr>
-          <p:cNvSpPr>
-            <a:spLocks noGrp="1"/>
-          </p:cNvSpPr>
-          <p:nvPr>
-            <p:ph idx="1"/>
-          </p:nvPr>
-        </p:nvSpPr>
+          <p:cNvPicPr>
+            <a:picLocks noChangeAspect="1"/>
+          </p:cNvPicPr>
+          <p:nvPr/>
+        </p:nvPicPr>
+        <p:blipFill>
+          <a:blip r:embed="rId2"/>
+          <a:stretch>
+            <a:fillRect/>
+          </a:stretch>
+        </p:blipFill>
         <p:spPr>
           <a:xfrm>
-            <a:off x="838200" y="1825624"/>
-            <a:ext cx="10515600" cy="4662261"/>
-          </a:xfrm>
+            <a:off x="838200" y="2036535"/>
+            <a:ext cx="10722754" cy="2666093"/>
+          </a:xfrm>
+          <a:prstGeom prst="rect">
+            <a:avLst/>
+          </a:prstGeom>
         </p:spPr>
-        <p:txBody>
-          <a:bodyPr>
-            <a:normAutofit/>
-          </a:bodyPr>
-          <a:lstStyle/>
-          <a:p>
-            <a:r>
-              <a:rPr lang="en-US" dirty="0"/>
-              <a:t>Apply code changes to </a:t>
-            </a:r>
-            <a:r>
-              <a:rPr lang="en-US" b="1" dirty="0"/>
-              <a:t>core</a:t>
-            </a:r>
-            <a:r>
-              <a:rPr lang="en-US" dirty="0"/>
-              <a:t>, </a:t>
-            </a:r>
-          </a:p>
-          <a:p>
-            <a:pPr lvl="1"/>
-            <a:r>
-              <a:rPr lang="en-US" dirty="0"/>
-              <a:t>while </a:t>
-            </a:r>
-            <a:r>
-              <a:rPr lang="en-US" b="1" dirty="0" err="1"/>
-              <a:t>core_old</a:t>
-            </a:r>
-            <a:r>
-              <a:rPr lang="en-US" dirty="0"/>
-              <a:t> serves current version</a:t>
-            </a:r>
-          </a:p>
-          <a:p>
-            <a:r>
-              <a:rPr lang="en-US" dirty="0"/>
-              <a:t>Create the </a:t>
-            </a:r>
-            <a:r>
-              <a:rPr lang="en-US" b="1" dirty="0"/>
-              <a:t>switching migration</a:t>
-            </a:r>
-            <a:r>
-              <a:rPr lang="en-US" dirty="0"/>
-              <a:t> in </a:t>
-            </a:r>
-            <a:r>
-              <a:rPr lang="en-US" b="1" dirty="0"/>
-              <a:t>core</a:t>
-            </a:r>
-            <a:endParaRPr lang="en-US" dirty="0"/>
-          </a:p>
-          <a:p>
-            <a:r>
-              <a:rPr lang="en-US" dirty="0"/>
-              <a:t>Apply </a:t>
-            </a:r>
-            <a:r>
-              <a:rPr lang="en-US" b="1" dirty="0"/>
-              <a:t>migration</a:t>
-            </a:r>
-          </a:p>
-          <a:p>
-            <a:pPr lvl="1"/>
-            <a:r>
-              <a:rPr lang="en-US" dirty="0"/>
-              <a:t>Requires restart server</a:t>
-            </a:r>
-          </a:p>
-          <a:p>
-            <a:r>
-              <a:rPr lang="en-US" dirty="0"/>
-              <a:t>Delete </a:t>
-            </a:r>
-            <a:r>
-              <a:rPr lang="en-US" b="1" dirty="0" err="1"/>
-              <a:t>core_old</a:t>
-            </a:r>
-            <a:endParaRPr lang="en-US" b="1" dirty="0"/>
-          </a:p>
-          <a:p>
-            <a:r>
-              <a:rPr lang="en-US" dirty="0"/>
-              <a:t>Profit</a:t>
-            </a:r>
-          </a:p>
-        </p:txBody>
-      </p:sp>
+      </p:pic>
     </p:spTree>
     <p:extLst>
       <p:ext uri="{BB962C8B-B14F-4D97-AF65-F5344CB8AC3E}">
-        <p14:creationId xmlns:p14="http://schemas.microsoft.com/office/powerpoint/2010/main" val="2097399329"/>
+        <p14:creationId xmlns:p14="http://schemas.microsoft.com/office/powerpoint/2010/main" val="1017878124"/>
       </p:ext>
     </p:extLst>
   </p:cSld>
@@ -24352,7 +24366,7 @@
           <p:cNvPr id="2" name="Title 1">
             <a:extLst>
               <a:ext uri="{FF2B5EF4-FFF2-40B4-BE49-F238E27FC236}">
-                <a16:creationId xmlns:a16="http://schemas.microsoft.com/office/drawing/2014/main" id="{7917330C-36ED-C249-BCD9-8538ACF1ABFF}"/>
+                <a16:creationId xmlns:a16="http://schemas.microsoft.com/office/drawing/2014/main" id="{C1C8AD85-E247-1948-8A09-77C4E5C3FF16}"/>
               </a:ext>
             </a:extLst>
           </p:cNvPr>
@@ -24370,7 +24384,7 @@
           <a:p>
             <a:r>
               <a:rPr lang="en-US" dirty="0"/>
-              <a:t>Lower-level Implementation</a:t>
+              <a:t>Routing + Behavior</a:t>
             </a:r>
           </a:p>
         </p:txBody>
@@ -24380,7 +24394,7 @@
           <p:cNvPr id="3" name="Content Placeholder 2">
             <a:extLst>
               <a:ext uri="{FF2B5EF4-FFF2-40B4-BE49-F238E27FC236}">
-                <a16:creationId xmlns:a16="http://schemas.microsoft.com/office/drawing/2014/main" id="{7B91E94D-032B-2E43-859C-34B44208C71B}"/>
+                <a16:creationId xmlns:a16="http://schemas.microsoft.com/office/drawing/2014/main" id="{BBE4DBD6-CDA4-9C43-983C-C0ADBBD12FBF}"/>
               </a:ext>
             </a:extLst>
           </p:cNvPr>
@@ -24391,19 +24405,105 @@
             <p:ph idx="1"/>
           </p:nvPr>
         </p:nvSpPr>
-        <p:spPr/>
+        <p:spPr>
+          <a:xfrm>
+            <a:off x="838200" y="1825624"/>
+            <a:ext cx="10515600" cy="4662261"/>
+          </a:xfrm>
+        </p:spPr>
         <p:txBody>
-          <a:bodyPr/>
+          <a:bodyPr>
+            <a:normAutofit/>
+          </a:bodyPr>
           <a:lstStyle/>
           <a:p>
+            <a:r>
+              <a:rPr lang="en-US" dirty="0"/>
+              <a:t>Apply code changes to </a:t>
+            </a:r>
+            <a:r>
+              <a:rPr lang="en-US" b="1" dirty="0"/>
+              <a:t>core</a:t>
+            </a:r>
+            <a:r>
+              <a:rPr lang="en-US" dirty="0"/>
+              <a:t>, </a:t>
+            </a:r>
+          </a:p>
+          <a:p>
+            <a:pPr lvl="1"/>
+            <a:r>
+              <a:rPr lang="en-US" dirty="0"/>
+              <a:t>while </a:t>
+            </a:r>
+            <a:r>
+              <a:rPr lang="en-US" b="1" dirty="0" err="1"/>
+              <a:t>core_old</a:t>
+            </a:r>
+            <a:r>
+              <a:rPr lang="en-US" dirty="0"/>
+              <a:t> serves current version</a:t>
+            </a:r>
+          </a:p>
+          <a:p>
+            <a:r>
+              <a:rPr lang="en-US" dirty="0"/>
+              <a:t>Create the </a:t>
+            </a:r>
+            <a:r>
+              <a:rPr lang="en-US" b="1" dirty="0"/>
+              <a:t>switching migration</a:t>
+            </a:r>
+            <a:r>
+              <a:rPr lang="en-US" dirty="0"/>
+              <a:t> in </a:t>
+            </a:r>
+            <a:r>
+              <a:rPr lang="en-US" b="1" dirty="0"/>
+              <a:t>core</a:t>
+            </a:r>
             <a:endParaRPr lang="en-US" dirty="0"/>
+          </a:p>
+          <a:p>
+            <a:r>
+              <a:rPr lang="en-US" dirty="0"/>
+              <a:t>Apply </a:t>
+            </a:r>
+            <a:r>
+              <a:rPr lang="en-US" b="1" dirty="0"/>
+              <a:t>migration</a:t>
+            </a:r>
+          </a:p>
+          <a:p>
+            <a:pPr lvl="1"/>
+            <a:r>
+              <a:rPr lang="en-US" dirty="0"/>
+              <a:t>Requires restart server</a:t>
+            </a:r>
+          </a:p>
+          <a:p>
+            <a:r>
+              <a:rPr lang="en-US" dirty="0"/>
+              <a:t>Delete </a:t>
+            </a:r>
+            <a:r>
+              <a:rPr lang="en-US" b="1" dirty="0" err="1"/>
+              <a:t>core_old</a:t>
+            </a:r>
+            <a:endParaRPr lang="en-US" b="1" dirty="0"/>
+          </a:p>
+          <a:p>
+            <a:r>
+              <a:rPr lang="en-US" dirty="0"/>
+              <a:t>Profit</a:t>
+            </a:r>
           </a:p>
         </p:txBody>
       </p:sp>
     </p:spTree>
     <p:extLst>
       <p:ext uri="{BB962C8B-B14F-4D97-AF65-F5344CB8AC3E}">
-        <p14:creationId xmlns:p14="http://schemas.microsoft.com/office/powerpoint/2010/main" val="2428018726"/>
+        <p14:creationId xmlns:p14="http://schemas.microsoft.com/office/powerpoint/2010/main" val="2097399329"/>
       </p:ext>
     </p:extLst>
   </p:cSld>
@@ -25334,6 +25434,89 @@
 </file>
 
 <file path=ppt/slides/slide50.xml><?xml version="1.0" encoding="utf-8"?>
+<p:sld xmlns:a="http://schemas.openxmlformats.org/drawingml/2006/main" xmlns:r="http://schemas.openxmlformats.org/officeDocument/2006/relationships" xmlns:p="http://schemas.openxmlformats.org/presentationml/2006/main" show="0">
+  <p:cSld>
+    <p:spTree>
+      <p:nvGrpSpPr>
+        <p:cNvPr id="1" name=""/>
+        <p:cNvGrpSpPr/>
+        <p:nvPr/>
+      </p:nvGrpSpPr>
+      <p:grpSpPr>
+        <a:xfrm>
+          <a:off x="0" y="0"/>
+          <a:ext cx="0" cy="0"/>
+          <a:chOff x="0" y="0"/>
+          <a:chExt cx="0" cy="0"/>
+        </a:xfrm>
+      </p:grpSpPr>
+      <p:sp>
+        <p:nvSpPr>
+          <p:cNvPr id="2" name="Title 1">
+            <a:extLst>
+              <a:ext uri="{FF2B5EF4-FFF2-40B4-BE49-F238E27FC236}">
+                <a16:creationId xmlns:a16="http://schemas.microsoft.com/office/drawing/2014/main" id="{7917330C-36ED-C249-BCD9-8538ACF1ABFF}"/>
+              </a:ext>
+            </a:extLst>
+          </p:cNvPr>
+          <p:cNvSpPr>
+            <a:spLocks noGrp="1"/>
+          </p:cNvSpPr>
+          <p:nvPr>
+            <p:ph type="title"/>
+          </p:nvPr>
+        </p:nvSpPr>
+        <p:spPr/>
+        <p:txBody>
+          <a:bodyPr/>
+          <a:lstStyle/>
+          <a:p>
+            <a:r>
+              <a:rPr lang="en-US" dirty="0"/>
+              <a:t>Lower-level Implementation</a:t>
+            </a:r>
+          </a:p>
+        </p:txBody>
+      </p:sp>
+      <p:sp>
+        <p:nvSpPr>
+          <p:cNvPr id="3" name="Content Placeholder 2">
+            <a:extLst>
+              <a:ext uri="{FF2B5EF4-FFF2-40B4-BE49-F238E27FC236}">
+                <a16:creationId xmlns:a16="http://schemas.microsoft.com/office/drawing/2014/main" id="{7B91E94D-032B-2E43-859C-34B44208C71B}"/>
+              </a:ext>
+            </a:extLst>
+          </p:cNvPr>
+          <p:cNvSpPr>
+            <a:spLocks noGrp="1"/>
+          </p:cNvSpPr>
+          <p:nvPr>
+            <p:ph idx="1"/>
+          </p:nvPr>
+        </p:nvSpPr>
+        <p:spPr/>
+        <p:txBody>
+          <a:bodyPr/>
+          <a:lstStyle/>
+          <a:p>
+            <a:endParaRPr lang="en-US" dirty="0"/>
+          </a:p>
+        </p:txBody>
+      </p:sp>
+    </p:spTree>
+    <p:extLst>
+      <p:ext uri="{BB962C8B-B14F-4D97-AF65-F5344CB8AC3E}">
+        <p14:creationId xmlns:p14="http://schemas.microsoft.com/office/powerpoint/2010/main" val="2428018726"/>
+      </p:ext>
+    </p:extLst>
+  </p:cSld>
+  <p:clrMapOvr>
+    <a:masterClrMapping/>
+  </p:clrMapOvr>
+</p:sld>
+</file>
+
+<file path=ppt/slides/slide51.xml><?xml version="1.0" encoding="utf-8"?>
 <p:sld xmlns:a="http://schemas.openxmlformats.org/drawingml/2006/main" xmlns:r="http://schemas.openxmlformats.org/officeDocument/2006/relationships" xmlns:p="http://schemas.openxmlformats.org/presentationml/2006/main" show="0">
   <p:cSld>
     <p:spTree>

--- a/PyWebIL - App Based Blue Green Migrations With Django.pptx
+++ b/PyWebIL - App Based Blue Green Migrations With Django.pptx
@@ -5,7 +5,7 @@
     <p:sldMasterId id="2147483648" r:id="rId1"/>
   </p:sldMasterIdLst>
   <p:notesMasterIdLst>
-    <p:notesMasterId r:id="rId53"/>
+    <p:notesMasterId r:id="rId55"/>
   </p:notesMasterIdLst>
   <p:sldIdLst>
     <p:sldId id="256" r:id="rId2"/>
@@ -20,45 +20,47 @@
     <p:sldId id="273" r:id="rId11"/>
     <p:sldId id="274" r:id="rId12"/>
     <p:sldId id="282" r:id="rId13"/>
-    <p:sldId id="275" r:id="rId14"/>
-    <p:sldId id="276" r:id="rId15"/>
-    <p:sldId id="278" r:id="rId16"/>
-    <p:sldId id="313" r:id="rId17"/>
+    <p:sldId id="343" r:id="rId14"/>
+    <p:sldId id="275" r:id="rId15"/>
+    <p:sldId id="276" r:id="rId16"/>
+    <p:sldId id="278" r:id="rId17"/>
     <p:sldId id="312" r:id="rId18"/>
     <p:sldId id="314" r:id="rId19"/>
     <p:sldId id="288" r:id="rId20"/>
     <p:sldId id="290" r:id="rId21"/>
     <p:sldId id="316" r:id="rId22"/>
     <p:sldId id="292" r:id="rId23"/>
-    <p:sldId id="320" r:id="rId24"/>
-    <p:sldId id="294" r:id="rId25"/>
-    <p:sldId id="295" r:id="rId26"/>
-    <p:sldId id="328" r:id="rId27"/>
-    <p:sldId id="297" r:id="rId28"/>
-    <p:sldId id="298" r:id="rId29"/>
+    <p:sldId id="344" r:id="rId24"/>
+    <p:sldId id="320" r:id="rId25"/>
+    <p:sldId id="294" r:id="rId26"/>
+    <p:sldId id="295" r:id="rId27"/>
+    <p:sldId id="328" r:id="rId28"/>
+    <p:sldId id="341" r:id="rId29"/>
     <p:sldId id="329" r:id="rId30"/>
     <p:sldId id="330" r:id="rId31"/>
     <p:sldId id="331" r:id="rId32"/>
     <p:sldId id="332" r:id="rId33"/>
-    <p:sldId id="333" r:id="rId34"/>
-    <p:sldId id="334" r:id="rId35"/>
-    <p:sldId id="335" r:id="rId36"/>
-    <p:sldId id="308" r:id="rId37"/>
-    <p:sldId id="340" r:id="rId38"/>
-    <p:sldId id="270" r:id="rId39"/>
-    <p:sldId id="326" r:id="rId40"/>
-    <p:sldId id="327" r:id="rId41"/>
-    <p:sldId id="321" r:id="rId42"/>
-    <p:sldId id="300" r:id="rId43"/>
-    <p:sldId id="322" r:id="rId44"/>
-    <p:sldId id="323" r:id="rId45"/>
-    <p:sldId id="324" r:id="rId46"/>
-    <p:sldId id="325" r:id="rId47"/>
-    <p:sldId id="336" r:id="rId48"/>
-    <p:sldId id="337" r:id="rId49"/>
-    <p:sldId id="338" r:id="rId50"/>
-    <p:sldId id="339" r:id="rId51"/>
-    <p:sldId id="258" r:id="rId52"/>
+    <p:sldId id="342" r:id="rId34"/>
+    <p:sldId id="333" r:id="rId35"/>
+    <p:sldId id="334" r:id="rId36"/>
+    <p:sldId id="345" r:id="rId37"/>
+    <p:sldId id="335" r:id="rId38"/>
+    <p:sldId id="308" r:id="rId39"/>
+    <p:sldId id="340" r:id="rId40"/>
+    <p:sldId id="270" r:id="rId41"/>
+    <p:sldId id="326" r:id="rId42"/>
+    <p:sldId id="327" r:id="rId43"/>
+    <p:sldId id="321" r:id="rId44"/>
+    <p:sldId id="300" r:id="rId45"/>
+    <p:sldId id="322" r:id="rId46"/>
+    <p:sldId id="323" r:id="rId47"/>
+    <p:sldId id="324" r:id="rId48"/>
+    <p:sldId id="325" r:id="rId49"/>
+    <p:sldId id="336" r:id="rId50"/>
+    <p:sldId id="337" r:id="rId51"/>
+    <p:sldId id="338" r:id="rId52"/>
+    <p:sldId id="339" r:id="rId53"/>
+    <p:sldId id="258" r:id="rId54"/>
   </p:sldIdLst>
   <p:sldSz cx="12192000" cy="6858000"/>
   <p:notesSz cx="6858000" cy="9144000"/>
@@ -174,28 +176,30 @@
             <p14:sldId id="273"/>
             <p14:sldId id="274"/>
             <p14:sldId id="282"/>
+            <p14:sldId id="343"/>
             <p14:sldId id="275"/>
             <p14:sldId id="276"/>
             <p14:sldId id="278"/>
-            <p14:sldId id="313"/>
             <p14:sldId id="312"/>
             <p14:sldId id="314"/>
             <p14:sldId id="288"/>
             <p14:sldId id="290"/>
             <p14:sldId id="316"/>
             <p14:sldId id="292"/>
+            <p14:sldId id="344"/>
             <p14:sldId id="320"/>
             <p14:sldId id="294"/>
             <p14:sldId id="295"/>
             <p14:sldId id="328"/>
-            <p14:sldId id="297"/>
-            <p14:sldId id="298"/>
+            <p14:sldId id="341"/>
             <p14:sldId id="329"/>
             <p14:sldId id="330"/>
             <p14:sldId id="331"/>
             <p14:sldId id="332"/>
+            <p14:sldId id="342"/>
             <p14:sldId id="333"/>
             <p14:sldId id="334"/>
+            <p14:sldId id="345"/>
             <p14:sldId id="335"/>
             <p14:sldId id="308"/>
             <p14:sldId id="340"/>
@@ -337,7 +341,7 @@
           <a:p>
             <a:fld id="{22F4C259-9815-524C-90EF-41FF191F383B}" type="datetimeFigureOut">
               <a:rPr lang="en-US" smtClean="0"/>
-              <a:t>2/3/18</a:t>
+              <a:t>2/5/18</a:t>
             </a:fld>
             <a:endParaRPr lang="en-US"/>
           </a:p>
@@ -773,7 +777,7 @@
           <a:p>
             <a:fld id="{0D77ECBE-96AF-DB40-A8BA-AEB6B0FEA58D}" type="slidenum">
               <a:rPr lang="en-US" smtClean="0"/>
-              <a:t>35</a:t>
+              <a:t>37</a:t>
             </a:fld>
             <a:endParaRPr lang="en-US"/>
           </a:p>
@@ -857,7 +861,7 @@
           <a:p>
             <a:fld id="{0D77ECBE-96AF-DB40-A8BA-AEB6B0FEA58D}" type="slidenum">
               <a:rPr lang="en-US" smtClean="0"/>
-              <a:t>40</a:t>
+              <a:t>42</a:t>
             </a:fld>
             <a:endParaRPr lang="en-US"/>
           </a:p>
@@ -1769,7 +1773,7 @@
           <a:p>
             <a:fld id="{0D77ECBE-96AF-DB40-A8BA-AEB6B0FEA58D}" type="slidenum">
               <a:rPr lang="en-US" smtClean="0"/>
-              <a:t>51</a:t>
+              <a:t>53</a:t>
             </a:fld>
             <a:endParaRPr lang="en-US"/>
           </a:p>
@@ -1854,7 +1858,7 @@
           <a:p>
             <a:fld id="{0D77ECBE-96AF-DB40-A8BA-AEB6B0FEA58D}" type="slidenum">
               <a:rPr lang="en-US" smtClean="0"/>
-              <a:t>14</a:t>
+              <a:t>15</a:t>
             </a:fld>
             <a:endParaRPr lang="en-US"/>
           </a:p>
@@ -1939,7 +1943,7 @@
           <a:p>
             <a:fld id="{0D77ECBE-96AF-DB40-A8BA-AEB6B0FEA58D}" type="slidenum">
               <a:rPr lang="en-US" smtClean="0"/>
-              <a:t>15</a:t>
+              <a:t>16</a:t>
             </a:fld>
             <a:endParaRPr lang="en-US"/>
           </a:p>
@@ -2024,7 +2028,7 @@
           <a:p>
             <a:fld id="{0D77ECBE-96AF-DB40-A8BA-AEB6B0FEA58D}" type="slidenum">
               <a:rPr lang="en-US" smtClean="0"/>
-              <a:t>16</a:t>
+              <a:t>17</a:t>
             </a:fld>
             <a:endParaRPr lang="en-US"/>
           </a:p>
@@ -2033,7 +2037,7 @@
     </p:spTree>
     <p:extLst>
       <p:ext uri="{BB962C8B-B14F-4D97-AF65-F5344CB8AC3E}">
-        <p14:creationId xmlns:p14="http://schemas.microsoft.com/office/powerpoint/2010/main" val="4029397075"/>
+        <p14:creationId xmlns:p14="http://schemas.microsoft.com/office/powerpoint/2010/main" val="3497701221"/>
       </p:ext>
     </p:extLst>
   </p:cSld>
@@ -2109,7 +2113,7 @@
           <a:p>
             <a:fld id="{0D77ECBE-96AF-DB40-A8BA-AEB6B0FEA58D}" type="slidenum">
               <a:rPr lang="en-US" smtClean="0"/>
-              <a:t>17</a:t>
+              <a:t>18</a:t>
             </a:fld>
             <a:endParaRPr lang="en-US"/>
           </a:p>
@@ -2118,7 +2122,7 @@
     </p:spTree>
     <p:extLst>
       <p:ext uri="{BB962C8B-B14F-4D97-AF65-F5344CB8AC3E}">
-        <p14:creationId xmlns:p14="http://schemas.microsoft.com/office/powerpoint/2010/main" val="3497701221"/>
+        <p14:creationId xmlns:p14="http://schemas.microsoft.com/office/powerpoint/2010/main" val="3200370785"/>
       </p:ext>
     </p:extLst>
   </p:cSld>
@@ -2172,8 +2176,22 @@
           <a:bodyPr/>
           <a:lstStyle/>
           <a:p>
-            <a:pPr marL="0" algn="r" defTabSz="914400" rtl="1" eaLnBrk="1" latinLnBrk="0" hangingPunct="1"/>
-            <a:endParaRPr lang="en-US" dirty="0"/>
+            <a:r>
+              <a:rPr lang="en-US" dirty="0"/>
+              <a:t>In this Approach we have one DB. </a:t>
+            </a:r>
+          </a:p>
+          <a:p>
+            <a:r>
+              <a:rPr lang="en-US" dirty="0"/>
+              <a:t>Data is consistent. </a:t>
+            </a:r>
+          </a:p>
+          <a:p>
+            <a:r>
+              <a:rPr lang="en-US" dirty="0"/>
+              <a:t>But Schema needs to support two versions simultaneously.</a:t>
+            </a:r>
           </a:p>
         </p:txBody>
       </p:sp>
@@ -2194,7 +2212,7 @@
           <a:p>
             <a:fld id="{0D77ECBE-96AF-DB40-A8BA-AEB6B0FEA58D}" type="slidenum">
               <a:rPr lang="en-US" smtClean="0"/>
-              <a:t>18</a:t>
+              <a:t>24</a:t>
             </a:fld>
             <a:endParaRPr lang="en-US"/>
           </a:p>
@@ -2203,7 +2221,7 @@
     </p:spTree>
     <p:extLst>
       <p:ext uri="{BB962C8B-B14F-4D97-AF65-F5344CB8AC3E}">
-        <p14:creationId xmlns:p14="http://schemas.microsoft.com/office/powerpoint/2010/main" val="3200370785"/>
+        <p14:creationId xmlns:p14="http://schemas.microsoft.com/office/powerpoint/2010/main" val="2994264327"/>
       </p:ext>
     </p:extLst>
   </p:cSld>
@@ -2257,21 +2275,63 @@
           <a:bodyPr/>
           <a:lstStyle/>
           <a:p>
+            <a:pPr marL="171450" indent="-171450">
+              <a:buFontTx/>
+              <a:buChar char="-"/>
+            </a:pPr>
             <a:r>
               <a:rPr lang="en-US" dirty="0"/>
-              <a:t>In this Approach we have one DB. </a:t>
+              <a:t>The User talks ”directly” to the app.</a:t>
             </a:r>
           </a:p>
           <a:p>
+            <a:pPr marL="171450" indent="-171450">
+              <a:buFontTx/>
+              <a:buChar char="-"/>
+            </a:pPr>
             <a:r>
               <a:rPr lang="en-US" dirty="0"/>
-              <a:t>Data is consistent. </a:t>
+              <a:t>The app deals with:</a:t>
             </a:r>
           </a:p>
           <a:p>
+            <a:pPr marL="628650" lvl="1" indent="-171450">
+              <a:buFontTx/>
+              <a:buChar char="-"/>
+            </a:pPr>
             <a:r>
               <a:rPr lang="en-US" dirty="0"/>
-              <a:t>But Schema needs to support two versions simultaneously.</a:t>
+              <a:t>Blue operations</a:t>
+            </a:r>
+          </a:p>
+          <a:p>
+            <a:pPr marL="628650" lvl="1" indent="-171450">
+              <a:buFontTx/>
+              <a:buChar char="-"/>
+            </a:pPr>
+            <a:r>
+              <a:rPr lang="en-US" dirty="0"/>
+              <a:t>Green operations</a:t>
+            </a:r>
+          </a:p>
+          <a:p>
+            <a:pPr marL="628650" lvl="1" indent="-171450">
+              <a:buFontTx/>
+              <a:buChar char="-"/>
+            </a:pPr>
+            <a:r>
+              <a:rPr lang="en-US" dirty="0"/>
+              <a:t>Routing the user request to the correct operation-color</a:t>
+            </a:r>
+          </a:p>
+          <a:p>
+            <a:pPr marL="171450" lvl="0" indent="-171450">
+              <a:buFontTx/>
+              <a:buChar char="-"/>
+            </a:pPr>
+            <a:r>
+              <a:rPr lang="en-US" dirty="0"/>
+              <a:t>The DB is gray – It changes as schema and data migrations are applied, supporting “current” version only</a:t>
             </a:r>
           </a:p>
         </p:txBody>
@@ -2293,7 +2353,7 @@
           <a:p>
             <a:fld id="{0D77ECBE-96AF-DB40-A8BA-AEB6B0FEA58D}" type="slidenum">
               <a:rPr lang="en-US" smtClean="0"/>
-              <a:t>23</a:t>
+              <a:t>25</a:t>
             </a:fld>
             <a:endParaRPr lang="en-US"/>
           </a:p>
@@ -2302,7 +2362,7 @@
     </p:spTree>
     <p:extLst>
       <p:ext uri="{BB962C8B-B14F-4D97-AF65-F5344CB8AC3E}">
-        <p14:creationId xmlns:p14="http://schemas.microsoft.com/office/powerpoint/2010/main" val="2994264327"/>
+        <p14:creationId xmlns:p14="http://schemas.microsoft.com/office/powerpoint/2010/main" val="3865017537"/>
       </p:ext>
     </p:extLst>
   </p:cSld>
@@ -2356,64 +2416,31 @@
           <a:bodyPr/>
           <a:lstStyle/>
           <a:p>
-            <a:pPr marL="171450" indent="-171450">
-              <a:buFontTx/>
-              <a:buChar char="-"/>
-            </a:pPr>
             <a:r>
               <a:rPr lang="en-US" dirty="0"/>
-              <a:t>The User talks ”directly” to the app.</a:t>
+              <a:t>A Switch</a:t>
             </a:r>
           </a:p>
           <a:p>
-            <a:pPr marL="171450" indent="-171450">
-              <a:buFontTx/>
-              <a:buChar char="-"/>
-            </a:pPr>
+            <a:endParaRPr lang="en-US" dirty="0"/>
+          </a:p>
+          <a:p>
             <a:r>
               <a:rPr lang="en-US" dirty="0"/>
-              <a:t>The app deals with:</a:t>
+              <a:t>Router</a:t>
             </a:r>
           </a:p>
           <a:p>
-            <a:pPr marL="628650" lvl="1" indent="-171450">
-              <a:buFontTx/>
-              <a:buChar char="-"/>
-            </a:pPr>
+            <a:endParaRPr lang="en-US" dirty="0"/>
+          </a:p>
+          <a:p>
             <a:r>
               <a:rPr lang="en-US" dirty="0"/>
-              <a:t>Blue operations</a:t>
+              <a:t>Blue/Green Behavior</a:t>
             </a:r>
           </a:p>
           <a:p>
-            <a:pPr marL="628650" lvl="1" indent="-171450">
-              <a:buFontTx/>
-              <a:buChar char="-"/>
-            </a:pPr>
-            <a:r>
-              <a:rPr lang="en-US" dirty="0"/>
-              <a:t>Green operations</a:t>
-            </a:r>
-          </a:p>
-          <a:p>
-            <a:pPr marL="628650" lvl="1" indent="-171450">
-              <a:buFontTx/>
-              <a:buChar char="-"/>
-            </a:pPr>
-            <a:r>
-              <a:rPr lang="en-US" dirty="0"/>
-              <a:t>Routing the user request to the correct operation-color</a:t>
-            </a:r>
-          </a:p>
-          <a:p>
-            <a:pPr marL="171450" lvl="0" indent="-171450">
-              <a:buFontTx/>
-              <a:buChar char="-"/>
-            </a:pPr>
-            <a:r>
-              <a:rPr lang="en-US" dirty="0"/>
-              <a:t>The DB is gray – It changes as schema and data migrations are applied, supporting “current” version only</a:t>
-            </a:r>
+            <a:endParaRPr lang="en-US" dirty="0"/>
           </a:p>
         </p:txBody>
       </p:sp>
@@ -2434,7 +2461,7 @@
           <a:p>
             <a:fld id="{0D77ECBE-96AF-DB40-A8BA-AEB6B0FEA58D}" type="slidenum">
               <a:rPr lang="en-US" smtClean="0"/>
-              <a:t>24</a:t>
+              <a:t>27</a:t>
             </a:fld>
             <a:endParaRPr lang="en-US"/>
           </a:p>
@@ -2443,7 +2470,7 @@
     </p:spTree>
     <p:extLst>
       <p:ext uri="{BB962C8B-B14F-4D97-AF65-F5344CB8AC3E}">
-        <p14:creationId xmlns:p14="http://schemas.microsoft.com/office/powerpoint/2010/main" val="3865017537"/>
+        <p14:creationId xmlns:p14="http://schemas.microsoft.com/office/powerpoint/2010/main" val="1634404796"/>
       </p:ext>
     </p:extLst>
   </p:cSld>
@@ -2542,7 +2569,7 @@
           <a:p>
             <a:fld id="{0D77ECBE-96AF-DB40-A8BA-AEB6B0FEA58D}" type="slidenum">
               <a:rPr lang="en-US" smtClean="0"/>
-              <a:t>26</a:t>
+              <a:t>36</a:t>
             </a:fld>
             <a:endParaRPr lang="en-US"/>
           </a:p>
@@ -2551,7 +2578,7 @@
     </p:spTree>
     <p:extLst>
       <p:ext uri="{BB962C8B-B14F-4D97-AF65-F5344CB8AC3E}">
-        <p14:creationId xmlns:p14="http://schemas.microsoft.com/office/powerpoint/2010/main" val="1634404796"/>
+        <p14:creationId xmlns:p14="http://schemas.microsoft.com/office/powerpoint/2010/main" val="3125398688"/>
       </p:ext>
     </p:extLst>
   </p:cSld>
@@ -2595,15 +2622,20 @@
           </a:xfrm>
         </p:spPr>
         <p:txBody>
-          <a:bodyPr anchor="b"/>
+          <a:bodyPr anchor="b">
+            <a:normAutofit/>
+          </a:bodyPr>
           <a:lstStyle>
             <a:lvl1pPr algn="ctr">
-              <a:defRPr sz="6000"/>
+              <a:defRPr sz="4800">
+                <a:latin typeface="Open Sans Hebrew" pitchFamily="2" charset="-79"/>
+                <a:cs typeface="Open Sans Hebrew" pitchFamily="2" charset="-79"/>
+              </a:defRPr>
             </a:lvl1pPr>
           </a:lstStyle>
           <a:p>
             <a:r>
-              <a:rPr lang="en-US"/>
+              <a:rPr lang="en-US" dirty="0"/>
               <a:t>Click to edit Master title style</a:t>
             </a:r>
           </a:p>
@@ -2626,11 +2658,16 @@
           </a:xfrm>
         </p:spPr>
         <p:txBody>
-          <a:bodyPr/>
+          <a:bodyPr>
+            <a:normAutofit/>
+          </a:bodyPr>
           <a:lstStyle>
             <a:lvl1pPr marL="0" indent="0" algn="ctr">
               <a:buNone/>
-              <a:defRPr sz="2400"/>
+              <a:defRPr sz="2200">
+                <a:latin typeface="Open Sans Hebrew" pitchFamily="2" charset="-79"/>
+                <a:cs typeface="Open Sans Hebrew" pitchFamily="2" charset="-79"/>
+              </a:defRPr>
             </a:lvl1pPr>
             <a:lvl2pPr marL="457200" indent="0" algn="ctr">
               <a:buNone/>
@@ -2667,7 +2704,7 @@
           </a:lstStyle>
           <a:p>
             <a:r>
-              <a:rPr lang="en-US"/>
+              <a:rPr lang="en-US" dirty="0"/>
               <a:t>Click to edit Master subtitle style</a:t>
             </a:r>
           </a:p>
@@ -2690,7 +2727,7 @@
           <a:p>
             <a:fld id="{9948F99E-FBBC-CA42-BF51-5BDBE1CC05B8}" type="datetimeFigureOut">
               <a:rPr lang="en-US" smtClean="0"/>
-              <a:t>2/3/18</a:t>
+              <a:t>2/5/18</a:t>
             </a:fld>
             <a:endParaRPr lang="en-US"/>
           </a:p>
@@ -2858,7 +2895,7 @@
           <a:p>
             <a:fld id="{9948F99E-FBBC-CA42-BF51-5BDBE1CC05B8}" type="datetimeFigureOut">
               <a:rPr lang="en-US" smtClean="0"/>
-              <a:t>2/3/18</a:t>
+              <a:t>2/5/18</a:t>
             </a:fld>
             <a:endParaRPr lang="en-US"/>
           </a:p>
@@ -3036,7 +3073,7 @@
           <a:p>
             <a:fld id="{9948F99E-FBBC-CA42-BF51-5BDBE1CC05B8}" type="datetimeFigureOut">
               <a:rPr lang="en-US" smtClean="0"/>
-              <a:t>2/3/18</a:t>
+              <a:t>2/5/18</a:t>
             </a:fld>
             <a:endParaRPr lang="en-US"/>
           </a:p>
@@ -3226,7 +3263,7 @@
           <a:p>
             <a:fld id="{9948F99E-FBBC-CA42-BF51-5BDBE1CC05B8}" type="datetimeFigureOut">
               <a:rPr lang="en-US" smtClean="0"/>
-              <a:t>2/3/18</a:t>
+              <a:t>2/5/18</a:t>
             </a:fld>
             <a:endParaRPr lang="en-US"/>
           </a:p>
@@ -3471,7 +3508,7 @@
           <a:p>
             <a:fld id="{9948F99E-FBBC-CA42-BF51-5BDBE1CC05B8}" type="datetimeFigureOut">
               <a:rPr lang="en-US" smtClean="0"/>
-              <a:t>2/3/18</a:t>
+              <a:t>2/5/18</a:t>
             </a:fld>
             <a:endParaRPr lang="en-US"/>
           </a:p>
@@ -3700,7 +3737,7 @@
           <a:p>
             <a:fld id="{9948F99E-FBBC-CA42-BF51-5BDBE1CC05B8}" type="datetimeFigureOut">
               <a:rPr lang="en-US" smtClean="0"/>
-              <a:t>2/3/18</a:t>
+              <a:t>2/5/18</a:t>
             </a:fld>
             <a:endParaRPr lang="en-US"/>
           </a:p>
@@ -4064,7 +4101,7 @@
           <a:p>
             <a:fld id="{9948F99E-FBBC-CA42-BF51-5BDBE1CC05B8}" type="datetimeFigureOut">
               <a:rPr lang="en-US" smtClean="0"/>
-              <a:t>2/3/18</a:t>
+              <a:t>2/5/18</a:t>
             </a:fld>
             <a:endParaRPr lang="en-US"/>
           </a:p>
@@ -4181,7 +4218,7 @@
           <a:p>
             <a:fld id="{9948F99E-FBBC-CA42-BF51-5BDBE1CC05B8}" type="datetimeFigureOut">
               <a:rPr lang="en-US" smtClean="0"/>
-              <a:t>2/3/18</a:t>
+              <a:t>2/5/18</a:t>
             </a:fld>
             <a:endParaRPr lang="en-US"/>
           </a:p>
@@ -4276,7 +4313,7 @@
           <a:p>
             <a:fld id="{9948F99E-FBBC-CA42-BF51-5BDBE1CC05B8}" type="datetimeFigureOut">
               <a:rPr lang="en-US" smtClean="0"/>
-              <a:t>2/3/18</a:t>
+              <a:t>2/5/18</a:t>
             </a:fld>
             <a:endParaRPr lang="en-US"/>
           </a:p>
@@ -4551,7 +4588,7 @@
           <a:p>
             <a:fld id="{9948F99E-FBBC-CA42-BF51-5BDBE1CC05B8}" type="datetimeFigureOut">
               <a:rPr lang="en-US" smtClean="0"/>
-              <a:t>2/3/18</a:t>
+              <a:t>2/5/18</a:t>
             </a:fld>
             <a:endParaRPr lang="en-US"/>
           </a:p>
@@ -4654,7 +4691,7 @@
           </a:lstStyle>
           <a:p>
             <a:r>
-              <a:rPr lang="en-US"/>
+              <a:rPr lang="en-US" dirty="0"/>
               <a:t>Click to edit Master title style</a:t>
             </a:r>
           </a:p>
@@ -4780,7 +4817,7 @@
           <a:p>
             <a:pPr lvl="0"/>
             <a:r>
-              <a:rPr lang="en-US"/>
+              <a:rPr lang="en-US" dirty="0"/>
               <a:t>Click to edit Master text styles</a:t>
             </a:r>
           </a:p>
@@ -4803,7 +4840,7 @@
           <a:p>
             <a:fld id="{9948F99E-FBBC-CA42-BF51-5BDBE1CC05B8}" type="datetimeFigureOut">
               <a:rPr lang="en-US" smtClean="0"/>
-              <a:t>2/3/18</a:t>
+              <a:t>2/5/18</a:t>
             </a:fld>
             <a:endParaRPr lang="en-US"/>
           </a:p>
@@ -4912,7 +4949,7 @@
           <a:lstStyle/>
           <a:p>
             <a:r>
-              <a:rPr lang="en-US"/>
+              <a:rPr lang="en-US" dirty="0"/>
               <a:t>Click to edit Master title style</a:t>
             </a:r>
           </a:p>
@@ -4945,35 +4982,35 @@
           <a:p>
             <a:pPr lvl="0"/>
             <a:r>
-              <a:rPr lang="en-US"/>
+              <a:rPr lang="en-US" dirty="0"/>
               <a:t>Click to edit Master text styles</a:t>
             </a:r>
           </a:p>
           <a:p>
             <a:pPr lvl="1"/>
             <a:r>
-              <a:rPr lang="en-US"/>
+              <a:rPr lang="en-US" dirty="0"/>
               <a:t>Second level</a:t>
             </a:r>
           </a:p>
           <a:p>
             <a:pPr lvl="2"/>
             <a:r>
-              <a:rPr lang="en-US"/>
+              <a:rPr lang="en-US" dirty="0"/>
               <a:t>Third level</a:t>
             </a:r>
           </a:p>
           <a:p>
             <a:pPr lvl="3"/>
             <a:r>
-              <a:rPr lang="en-US"/>
+              <a:rPr lang="en-US" dirty="0"/>
               <a:t>Fourth level</a:t>
             </a:r>
           </a:p>
           <a:p>
             <a:pPr lvl="4"/>
             <a:r>
-              <a:rPr lang="en-US"/>
+              <a:rPr lang="en-US" dirty="0"/>
               <a:t>Fifth level</a:t>
             </a:r>
           </a:p>
@@ -5014,7 +5051,7 @@
           <a:p>
             <a:fld id="{9948F99E-FBBC-CA42-BF51-5BDBE1CC05B8}" type="datetimeFigureOut">
               <a:rPr lang="en-US" smtClean="0"/>
-              <a:t>2/3/18</a:t>
+              <a:t>2/5/18</a:t>
             </a:fld>
             <a:endParaRPr lang="en-US"/>
           </a:p>
@@ -5129,13 +5166,13 @@
           <a:spcPct val="0"/>
         </a:spcBef>
         <a:buNone/>
-        <a:defRPr sz="4400" kern="1200">
+        <a:defRPr sz="3600" kern="1200">
           <a:solidFill>
             <a:schemeClr val="tx1"/>
           </a:solidFill>
-          <a:latin typeface="+mj-lt"/>
+          <a:latin typeface="Open Sans Hebrew" pitchFamily="2" charset="-79"/>
           <a:ea typeface="+mj-ea"/>
-          <a:cs typeface="+mj-cs"/>
+          <a:cs typeface="Open Sans Hebrew" pitchFamily="2" charset="-79"/>
         </a:defRPr>
       </a:lvl1pPr>
     </p:titleStyle>
@@ -5149,13 +5186,13 @@
         </a:spcBef>
         <a:buFont typeface="Arial"/>
         <a:buChar char="•"/>
-        <a:defRPr sz="2800" kern="1200">
+        <a:defRPr sz="2400" kern="1200">
           <a:solidFill>
             <a:schemeClr val="tx1"/>
           </a:solidFill>
-          <a:latin typeface="+mn-lt"/>
+          <a:latin typeface="Open Sans Hebrew" pitchFamily="2" charset="-79"/>
           <a:ea typeface="+mn-ea"/>
-          <a:cs typeface="+mn-cs"/>
+          <a:cs typeface="Open Sans Hebrew" pitchFamily="2" charset="-79"/>
         </a:defRPr>
       </a:lvl1pPr>
       <a:lvl2pPr marL="685800" indent="-228600" algn="l" defTabSz="914400" rtl="0" eaLnBrk="1" latinLnBrk="0" hangingPunct="1">
@@ -5167,13 +5204,13 @@
         </a:spcBef>
         <a:buFont typeface="Arial"/>
         <a:buChar char="•"/>
-        <a:defRPr sz="2400" kern="1200">
+        <a:defRPr sz="2200" kern="1200">
           <a:solidFill>
             <a:schemeClr val="tx1"/>
           </a:solidFill>
-          <a:latin typeface="+mn-lt"/>
+          <a:latin typeface="Open Sans Hebrew" pitchFamily="2" charset="-79"/>
           <a:ea typeface="+mn-ea"/>
-          <a:cs typeface="+mn-cs"/>
+          <a:cs typeface="Open Sans Hebrew" pitchFamily="2" charset="-79"/>
         </a:defRPr>
       </a:lvl2pPr>
       <a:lvl3pPr marL="1143000" indent="-228600" algn="l" defTabSz="914400" rtl="0" eaLnBrk="1" latinLnBrk="0" hangingPunct="1">
@@ -5189,9 +5226,9 @@
           <a:solidFill>
             <a:schemeClr val="tx1"/>
           </a:solidFill>
-          <a:latin typeface="+mn-lt"/>
+          <a:latin typeface="Open Sans Hebrew" pitchFamily="2" charset="-79"/>
           <a:ea typeface="+mn-ea"/>
-          <a:cs typeface="+mn-cs"/>
+          <a:cs typeface="Open Sans Hebrew" pitchFamily="2" charset="-79"/>
         </a:defRPr>
       </a:lvl3pPr>
       <a:lvl4pPr marL="1600200" indent="-228600" algn="l" defTabSz="914400" rtl="0" eaLnBrk="1" latinLnBrk="0" hangingPunct="1">
@@ -5207,9 +5244,9 @@
           <a:solidFill>
             <a:schemeClr val="tx1"/>
           </a:solidFill>
-          <a:latin typeface="+mn-lt"/>
+          <a:latin typeface="Open Sans Hebrew" pitchFamily="2" charset="-79"/>
           <a:ea typeface="+mn-ea"/>
-          <a:cs typeface="+mn-cs"/>
+          <a:cs typeface="Open Sans Hebrew" pitchFamily="2" charset="-79"/>
         </a:defRPr>
       </a:lvl4pPr>
       <a:lvl5pPr marL="2057400" indent="-228600" algn="l" defTabSz="914400" rtl="0" eaLnBrk="1" latinLnBrk="0" hangingPunct="1">
@@ -5225,9 +5262,9 @@
           <a:solidFill>
             <a:schemeClr val="tx1"/>
           </a:solidFill>
-          <a:latin typeface="+mn-lt"/>
+          <a:latin typeface="Open Sans Hebrew" pitchFamily="2" charset="-79"/>
           <a:ea typeface="+mn-ea"/>
-          <a:cs typeface="+mn-cs"/>
+          <a:cs typeface="Open Sans Hebrew" pitchFamily="2" charset="-79"/>
         </a:defRPr>
       </a:lvl5pPr>
       <a:lvl6pPr marL="2514600" indent="-228600" algn="l" defTabSz="914400" rtl="0" eaLnBrk="1" latinLnBrk="0" hangingPunct="1">
@@ -5433,8 +5470,8 @@
         </p:nvSpPr>
         <p:spPr>
           <a:xfrm>
-            <a:off x="873551" y="2967335"/>
-            <a:ext cx="10444911" cy="1754326"/>
+            <a:off x="873550" y="2391602"/>
+            <a:ext cx="10374956" cy="1569660"/>
           </a:xfrm>
           <a:prstGeom prst="rect">
             <a:avLst/>
@@ -5449,24 +5486,17 @@
           <a:p>
             <a:pPr algn="ctr"/>
             <a:r>
-              <a:rPr lang="en-US" sz="5400" b="1" cap="none" spc="0" dirty="0">
-                <a:ln w="9525">
-                  <a:solidFill>
-                    <a:schemeClr val="bg1"/>
-                  </a:solidFill>
-                  <a:prstDash val="solid"/>
-                </a:ln>
-                <a:solidFill>
-                  <a:schemeClr val="accent5"/>
-                </a:solidFill>
+              <a:rPr lang="en-US" sz="4800" dirty="0">
+                <a:ln w="0"/>
                 <a:effectLst>
-                  <a:outerShdw blurRad="12700" dist="38100" dir="2700000" algn="tl" rotWithShape="0">
-                    <a:schemeClr val="accent5">
-                      <a:lumMod val="60000"/>
-                      <a:lumOff val="40000"/>
+                  <a:outerShdw blurRad="38100" dist="19050" dir="2700000" algn="tl" rotWithShape="0">
+                    <a:schemeClr val="dk1">
+                      <a:alpha val="40000"/>
                     </a:schemeClr>
                   </a:outerShdw>
                 </a:effectLst>
+                <a:latin typeface="Open Sans Hebrew" pitchFamily="2" charset="-79"/>
+                <a:cs typeface="Open Sans Hebrew" pitchFamily="2" charset="-79"/>
               </a:rPr>
               <a:t>App-based Blue/Green Deployment</a:t>
             </a:r>
@@ -5474,46 +5504,20 @@
           <a:p>
             <a:pPr algn="ctr"/>
             <a:r>
-              <a:rPr lang="en-US" sz="5400" b="1" dirty="0">
-                <a:ln w="9525">
-                  <a:solidFill>
-                    <a:schemeClr val="bg1"/>
-                  </a:solidFill>
-                  <a:prstDash val="solid"/>
-                </a:ln>
-                <a:solidFill>
-                  <a:schemeClr val="accent5"/>
-                </a:solidFill>
+              <a:rPr lang="en-US" sz="4800" dirty="0">
+                <a:ln w="0"/>
                 <a:effectLst>
-                  <a:outerShdw blurRad="12700" dist="38100" dir="2700000" algn="tl" rotWithShape="0">
-                    <a:schemeClr val="accent5">
-                      <a:lumMod val="60000"/>
-                      <a:lumOff val="40000"/>
+                  <a:outerShdw blurRad="38100" dist="19050" dir="2700000" algn="tl" rotWithShape="0">
+                    <a:schemeClr val="dk1">
+                      <a:alpha val="40000"/>
                     </a:schemeClr>
                   </a:outerShdw>
                 </a:effectLst>
+                <a:latin typeface="Open Sans Hebrew" pitchFamily="2" charset="-79"/>
+                <a:cs typeface="Open Sans Hebrew" pitchFamily="2" charset="-79"/>
               </a:rPr>
               <a:t>W. Django</a:t>
             </a:r>
-            <a:endParaRPr lang="en-US" sz="5400" b="1" cap="none" spc="0" dirty="0">
-              <a:ln w="9525">
-                <a:solidFill>
-                  <a:schemeClr val="bg1"/>
-                </a:solidFill>
-                <a:prstDash val="solid"/>
-              </a:ln>
-              <a:solidFill>
-                <a:schemeClr val="accent5"/>
-              </a:solidFill>
-              <a:effectLst>
-                <a:outerShdw blurRad="12700" dist="38100" dir="2700000" algn="tl" rotWithShape="0">
-                  <a:schemeClr val="accent5">
-                    <a:lumMod val="60000"/>
-                    <a:lumOff val="40000"/>
-                  </a:schemeClr>
-                </a:outerShdw>
-              </a:effectLst>
-            </a:endParaRPr>
           </a:p>
         </p:txBody>
       </p:sp>
@@ -5531,8 +5535,8 @@
         </p:nvSpPr>
         <p:spPr>
           <a:xfrm>
-            <a:off x="873550" y="5435600"/>
-            <a:ext cx="9658983" cy="1200329"/>
+            <a:off x="873550" y="5198533"/>
+            <a:ext cx="9658983" cy="1077218"/>
           </a:xfrm>
           <a:prstGeom prst="rect">
             <a:avLst/>
@@ -5546,29 +5550,47 @@
           <a:lstStyle/>
           <a:p>
             <a:r>
-              <a:rPr lang="en-US" sz="3600" b="1" dirty="0"/>
+              <a:rPr lang="en-US" sz="3200" b="1" dirty="0">
+                <a:latin typeface="Open Sans Hebrew" pitchFamily="2" charset="-79"/>
+                <a:cs typeface="Open Sans Hebrew" pitchFamily="2" charset="-79"/>
+              </a:rPr>
               <a:t>Yotam Manor, SW Eng. @ MassChallenge Inc.</a:t>
             </a:r>
           </a:p>
           <a:p>
             <a:r>
-              <a:rPr lang="en-US" sz="3600" dirty="0"/>
+              <a:rPr lang="en-US" sz="3200" dirty="0">
+                <a:latin typeface="Open Sans Hebrew" pitchFamily="2" charset="-79"/>
+                <a:cs typeface="Open Sans Hebrew" pitchFamily="2" charset="-79"/>
+              </a:rPr>
               <a:t>Feb 5</a:t>
             </a:r>
             <a:r>
-              <a:rPr lang="en-US" sz="3600" baseline="30000" dirty="0"/>
+              <a:rPr lang="en-US" sz="3200" baseline="30000" dirty="0">
+                <a:latin typeface="Open Sans Hebrew" pitchFamily="2" charset="-79"/>
+                <a:cs typeface="Open Sans Hebrew" pitchFamily="2" charset="-79"/>
+              </a:rPr>
               <a:t>th</a:t>
             </a:r>
             <a:r>
-              <a:rPr lang="en-US" sz="3600" dirty="0"/>
-              <a:t>, 2018. </a:t>
+              <a:rPr lang="en-US" sz="3200" dirty="0">
+                <a:latin typeface="Open Sans Hebrew" pitchFamily="2" charset="-79"/>
+                <a:cs typeface="Open Sans Hebrew" pitchFamily="2" charset="-79"/>
+              </a:rPr>
+              <a:t>, 2018. 	</a:t>
             </a:r>
             <a:r>
-              <a:rPr lang="en-US" sz="3600" dirty="0" err="1"/>
+              <a:rPr lang="en-US" sz="3200" dirty="0" err="1">
+                <a:latin typeface="Open Sans Hebrew" pitchFamily="2" charset="-79"/>
+                <a:cs typeface="Open Sans Hebrew" pitchFamily="2" charset="-79"/>
+              </a:rPr>
               <a:t>PyWeb</a:t>
             </a:r>
             <a:r>
-              <a:rPr lang="en-US" sz="3600" dirty="0"/>
+              <a:rPr lang="en-US" sz="3200" dirty="0">
+                <a:latin typeface="Open Sans Hebrew" pitchFamily="2" charset="-79"/>
+                <a:cs typeface="Open Sans Hebrew" pitchFamily="2" charset="-79"/>
+              </a:rPr>
               <a:t>-IL #73 </a:t>
             </a:r>
           </a:p>
@@ -6128,43 +6150,6 @@
           </a:p>
         </p:txBody>
       </p:sp>
-      <p:sp>
-        <p:nvSpPr>
-          <p:cNvPr id="16" name="TextBox 15">
-            <a:extLst>
-              <a:ext uri="{FF2B5EF4-FFF2-40B4-BE49-F238E27FC236}">
-                <a16:creationId xmlns:a16="http://schemas.microsoft.com/office/drawing/2014/main" id="{112D57B6-595E-E142-AE81-316B5B6CEA7E}"/>
-              </a:ext>
-            </a:extLst>
-          </p:cNvPr>
-          <p:cNvSpPr txBox="1"/>
-          <p:nvPr/>
-        </p:nvSpPr>
-        <p:spPr>
-          <a:xfrm>
-            <a:off x="8671567" y="4112537"/>
-            <a:ext cx="1130780" cy="461665"/>
-          </a:xfrm>
-          <a:prstGeom prst="rect">
-            <a:avLst/>
-          </a:prstGeom>
-          <a:noFill/>
-        </p:spPr>
-        <p:txBody>
-          <a:bodyPr wrap="square" rtlCol="0">
-            <a:spAutoFit/>
-          </a:bodyPr>
-          <a:lstStyle/>
-          <a:p>
-            <a:pPr algn="ctr"/>
-            <a:r>
-              <a:rPr lang="en-US" sz="2400" b="1" dirty="0"/>
-              <a:t>V1.0</a:t>
-            </a:r>
-            <a:endParaRPr lang="en-US" b="1" dirty="0"/>
-          </a:p>
-        </p:txBody>
-      </p:sp>
       <p:pic>
         <p:nvPicPr>
           <p:cNvPr id="17" name="Picture 16">
@@ -6198,6 +6183,43 @@
           </a:prstGeom>
         </p:spPr>
       </p:pic>
+      <p:sp>
+        <p:nvSpPr>
+          <p:cNvPr id="24" name="TextBox 23">
+            <a:extLst>
+              <a:ext uri="{FF2B5EF4-FFF2-40B4-BE49-F238E27FC236}">
+                <a16:creationId xmlns:a16="http://schemas.microsoft.com/office/drawing/2014/main" id="{BA94BF57-6BC1-3D4F-8544-29B828CFB080}"/>
+              </a:ext>
+            </a:extLst>
+          </p:cNvPr>
+          <p:cNvSpPr txBox="1"/>
+          <p:nvPr/>
+        </p:nvSpPr>
+        <p:spPr>
+          <a:xfrm>
+            <a:off x="8670516" y="4122409"/>
+            <a:ext cx="1130780" cy="461665"/>
+          </a:xfrm>
+          <a:prstGeom prst="rect">
+            <a:avLst/>
+          </a:prstGeom>
+          <a:noFill/>
+        </p:spPr>
+        <p:txBody>
+          <a:bodyPr wrap="square" rtlCol="0">
+            <a:spAutoFit/>
+          </a:bodyPr>
+          <a:lstStyle/>
+          <a:p>
+            <a:pPr algn="ctr"/>
+            <a:r>
+              <a:rPr lang="en-US" sz="2400" b="1" dirty="0"/>
+              <a:t>V1.0</a:t>
+            </a:r>
+            <a:endParaRPr lang="en-US" b="1" dirty="0"/>
+          </a:p>
+        </p:txBody>
+      </p:sp>
     </p:spTree>
     <p:extLst>
       <p:ext uri="{BB962C8B-B14F-4D97-AF65-F5344CB8AC3E}">
@@ -6447,52 +6469,6 @@
           </p:txBody>
         </p:sp>
       </p:grpSp>
-      <p:sp>
-        <p:nvSpPr>
-          <p:cNvPr id="14" name="Smiley Face 13">
-            <a:extLst>
-              <a:ext uri="{FF2B5EF4-FFF2-40B4-BE49-F238E27FC236}">
-                <a16:creationId xmlns:a16="http://schemas.microsoft.com/office/drawing/2014/main" id="{0F5C6A3E-D40E-5849-9500-D59683AD48FC}"/>
-              </a:ext>
-            </a:extLst>
-          </p:cNvPr>
-          <p:cNvSpPr/>
-          <p:nvPr/>
-        </p:nvSpPr>
-        <p:spPr>
-          <a:xfrm>
-            <a:off x="143611" y="2244436"/>
-            <a:ext cx="2014878" cy="2013738"/>
-          </a:xfrm>
-          <a:prstGeom prst="smileyFace">
-            <a:avLst/>
-          </a:prstGeom>
-        </p:spPr>
-        <p:style>
-          <a:lnRef idx="2">
-            <a:schemeClr val="accent2">
-              <a:shade val="50000"/>
-            </a:schemeClr>
-          </a:lnRef>
-          <a:fillRef idx="1">
-            <a:schemeClr val="accent2"/>
-          </a:fillRef>
-          <a:effectRef idx="0">
-            <a:schemeClr val="accent2"/>
-          </a:effectRef>
-          <a:fontRef idx="minor">
-            <a:schemeClr val="lt1"/>
-          </a:fontRef>
-        </p:style>
-        <p:txBody>
-          <a:bodyPr rtlCol="0" anchor="ctr"/>
-          <a:lstStyle/>
-          <a:p>
-            <a:pPr algn="ctr"/>
-            <a:endParaRPr lang="en-US"/>
-          </a:p>
-        </p:txBody>
-      </p:sp>
       <p:grpSp>
         <p:nvGrpSpPr>
           <p:cNvPr id="18" name="Group 17">
@@ -7089,6 +7065,53 @@
           </a:prstGeom>
         </p:spPr>
       </p:pic>
+      <p:sp>
+        <p:nvSpPr>
+          <p:cNvPr id="29" name="Smiley Face 28">
+            <a:extLst>
+              <a:ext uri="{FF2B5EF4-FFF2-40B4-BE49-F238E27FC236}">
+                <a16:creationId xmlns:a16="http://schemas.microsoft.com/office/drawing/2014/main" id="{C0842679-86EF-C94C-9760-7D3B2908E179}"/>
+              </a:ext>
+            </a:extLst>
+          </p:cNvPr>
+          <p:cNvSpPr/>
+          <p:nvPr/>
+        </p:nvSpPr>
+        <p:spPr>
+          <a:xfrm>
+            <a:off x="143611" y="2244436"/>
+            <a:ext cx="2014878" cy="2013738"/>
+          </a:xfrm>
+          <a:prstGeom prst="smileyFace">
+            <a:avLst/>
+          </a:prstGeom>
+          <a:ln w="57150"/>
+        </p:spPr>
+        <p:style>
+          <a:lnRef idx="2">
+            <a:schemeClr val="accent2">
+              <a:shade val="50000"/>
+            </a:schemeClr>
+          </a:lnRef>
+          <a:fillRef idx="1">
+            <a:schemeClr val="accent2"/>
+          </a:fillRef>
+          <a:effectRef idx="0">
+            <a:schemeClr val="accent2"/>
+          </a:effectRef>
+          <a:fontRef idx="minor">
+            <a:schemeClr val="lt1"/>
+          </a:fontRef>
+        </p:style>
+        <p:txBody>
+          <a:bodyPr rtlCol="0" anchor="ctr"/>
+          <a:lstStyle/>
+          <a:p>
+            <a:pPr algn="ctr"/>
+            <a:endParaRPr lang="en-US" dirty="0"/>
+          </a:p>
+        </p:txBody>
+      </p:sp>
     </p:spTree>
     <p:extLst>
       <p:ext uri="{BB962C8B-B14F-4D97-AF65-F5344CB8AC3E}">
@@ -8760,12 +8783,53 @@
           </p:txBody>
         </p:sp>
       </p:grpSp>
+      <p:pic>
+        <p:nvPicPr>
+          <p:cNvPr id="26" name="Picture 25">
+            <a:extLst>
+              <a:ext uri="{FF2B5EF4-FFF2-40B4-BE49-F238E27FC236}">
+                <a16:creationId xmlns:a16="http://schemas.microsoft.com/office/drawing/2014/main" id="{AAB13111-A0D5-CC40-BC9F-EED6246FD869}"/>
+              </a:ext>
+            </a:extLst>
+          </p:cNvPr>
+          <p:cNvPicPr>
+            <a:picLocks noChangeAspect="1"/>
+          </p:cNvPicPr>
+          <p:nvPr/>
+        </p:nvPicPr>
+        <p:blipFill>
+          <a:blip r:embed="rId4">
+            <a:clrChange>
+              <a:clrFrom>
+                <a:srgbClr val="FFFFFF"/>
+              </a:clrFrom>
+              <a:clrTo>
+                <a:srgbClr val="FFFFFF">
+                  <a:alpha val="0"/>
+                </a:srgbClr>
+              </a:clrTo>
+            </a:clrChange>
+          </a:blip>
+          <a:stretch>
+            <a:fillRect/>
+          </a:stretch>
+        </p:blipFill>
+        <p:spPr>
+          <a:xfrm>
+            <a:off x="7429207" y="54312"/>
+            <a:ext cx="3768378" cy="2483704"/>
+          </a:xfrm>
+          <a:prstGeom prst="rect">
+            <a:avLst/>
+          </a:prstGeom>
+        </p:spPr>
+      </p:pic>
       <p:sp>
         <p:nvSpPr>
-          <p:cNvPr id="26" name="Smiley Face 25">
+          <p:cNvPr id="27" name="Smiley Face 26">
             <a:extLst>
               <a:ext uri="{FF2B5EF4-FFF2-40B4-BE49-F238E27FC236}">
-                <a16:creationId xmlns:a16="http://schemas.microsoft.com/office/drawing/2014/main" id="{80BE7E48-C4C5-994F-A179-B7703B34841A}"/>
+                <a16:creationId xmlns:a16="http://schemas.microsoft.com/office/drawing/2014/main" id="{BE5C1E2E-075B-8049-9744-0AF789B9569B}"/>
               </a:ext>
             </a:extLst>
           </p:cNvPr>
@@ -8809,10 +8873,10 @@
       </p:sp>
       <p:sp>
         <p:nvSpPr>
-          <p:cNvPr id="27" name="TextBox 26">
+          <p:cNvPr id="28" name="TextBox 27">
             <a:extLst>
               <a:ext uri="{FF2B5EF4-FFF2-40B4-BE49-F238E27FC236}">
-                <a16:creationId xmlns:a16="http://schemas.microsoft.com/office/drawing/2014/main" id="{516C907E-5A78-1346-907B-73D4A1CD53A6}"/>
+                <a16:creationId xmlns:a16="http://schemas.microsoft.com/office/drawing/2014/main" id="{CA61D5E0-77EB-734E-9BB0-D7E95C2797A1}"/>
               </a:ext>
             </a:extLst>
           </p:cNvPr>
@@ -8846,10 +8910,10 @@
       </p:sp>
       <p:sp>
         <p:nvSpPr>
-          <p:cNvPr id="28" name="TextBox 27">
+          <p:cNvPr id="29" name="TextBox 28">
             <a:extLst>
               <a:ext uri="{FF2B5EF4-FFF2-40B4-BE49-F238E27FC236}">
-                <a16:creationId xmlns:a16="http://schemas.microsoft.com/office/drawing/2014/main" id="{1FB2F9AB-622E-9A47-9AB0-88C6AE43FDBC}"/>
+                <a16:creationId xmlns:a16="http://schemas.microsoft.com/office/drawing/2014/main" id="{DEFC8843-F8D0-5242-8F2D-8A6F4F21DC00}"/>
               </a:ext>
             </a:extLst>
           </p:cNvPr>
@@ -8883,11 +8947,11 @@
       </p:sp>
       <p:pic>
         <p:nvPicPr>
-          <p:cNvPr id="29" name="Picture 28">
-            <a:hlinkClick r:id="rId4" action="ppaction://hlinksldjump"/>
+          <p:cNvPr id="30" name="Picture 29">
+            <a:hlinkClick r:id="rId5" action="ppaction://hlinksldjump"/>
             <a:extLst>
               <a:ext uri="{FF2B5EF4-FFF2-40B4-BE49-F238E27FC236}">
-                <a16:creationId xmlns:a16="http://schemas.microsoft.com/office/drawing/2014/main" id="{21534278-A179-D94A-A9E1-24C852383A49}"/>
+                <a16:creationId xmlns:a16="http://schemas.microsoft.com/office/drawing/2014/main" id="{F78AAEBD-9C88-3246-B518-E9E63006F9E7}"/>
               </a:ext>
             </a:extLst>
           </p:cNvPr>
@@ -8897,7 +8961,7 @@
           <p:nvPr/>
         </p:nvPicPr>
         <p:blipFill>
-          <a:blip r:embed="rId5">
+          <a:blip r:embed="rId6">
             <a:grayscl/>
           </a:blip>
           <a:stretch>
@@ -8917,7 +8981,7 @@
     </p:spTree>
     <p:extLst>
       <p:ext uri="{BB962C8B-B14F-4D97-AF65-F5344CB8AC3E}">
-        <p14:creationId xmlns:p14="http://schemas.microsoft.com/office/powerpoint/2010/main" val="1195074428"/>
+        <p14:creationId xmlns:p14="http://schemas.microsoft.com/office/powerpoint/2010/main" val="1657654818"/>
       </p:ext>
     </p:extLst>
   </p:cSld>
@@ -8953,7 +9017,7 @@
           <p:nvPr/>
         </p:nvPicPr>
         <p:blipFill>
-          <a:blip r:embed="rId3">
+          <a:blip r:embed="rId2">
             <a:clrChange>
               <a:clrFrom>
                 <a:srgbClr val="FFFFFF"/>
@@ -8995,7 +9059,7 @@
           <p:nvPr/>
         </p:nvPicPr>
         <p:blipFill>
-          <a:blip r:embed="rId4">
+          <a:blip r:embed="rId3">
             <a:clrChange>
               <a:clrFrom>
                 <a:srgbClr val="FFFFFE"/>
@@ -9176,8 +9240,8 @@
           <p:nvPr/>
         </p:nvGrpSpPr>
         <p:grpSpPr>
-          <a:xfrm rot="18861712">
-            <a:off x="5177193" y="1633521"/>
+          <a:xfrm rot="2362447">
+            <a:off x="5169146" y="4068573"/>
             <a:ext cx="1011201" cy="930658"/>
             <a:chOff x="7125209" y="3479470"/>
             <a:chExt cx="1614303" cy="930658"/>
@@ -9436,7 +9500,7 @@
           <p:nvPr/>
         </p:nvPicPr>
         <p:blipFill>
-          <a:blip r:embed="rId3">
+          <a:blip r:embed="rId2">
             <a:clrChange>
               <a:clrFrom>
                 <a:srgbClr val="FFFFFF"/>
@@ -9484,7 +9548,7 @@
           <p:nvPr/>
         </p:nvPicPr>
         <p:blipFill>
-          <a:blip r:embed="rId4">
+          <a:blip r:embed="rId3">
             <a:clrChange>
               <a:clrFrom>
                 <a:srgbClr val="FFFFFE"/>
@@ -9657,7 +9721,7 @@
           <p:cNvPr id="26" name="Smiley Face 25">
             <a:extLst>
               <a:ext uri="{FF2B5EF4-FFF2-40B4-BE49-F238E27FC236}">
-                <a16:creationId xmlns:a16="http://schemas.microsoft.com/office/drawing/2014/main" id="{872483FE-9146-B94E-9FBE-50A55F29EA9C}"/>
+                <a16:creationId xmlns:a16="http://schemas.microsoft.com/office/drawing/2014/main" id="{80BE7E48-C4C5-994F-A179-B7703B34841A}"/>
               </a:ext>
             </a:extLst>
           </p:cNvPr>
@@ -9701,10 +9765,10 @@
       </p:sp>
       <p:sp>
         <p:nvSpPr>
-          <p:cNvPr id="29" name="TextBox 28">
+          <p:cNvPr id="27" name="TextBox 26">
             <a:extLst>
               <a:ext uri="{FF2B5EF4-FFF2-40B4-BE49-F238E27FC236}">
-                <a16:creationId xmlns:a16="http://schemas.microsoft.com/office/drawing/2014/main" id="{AC62B8C5-8690-3044-BD7D-7193A4342429}"/>
+                <a16:creationId xmlns:a16="http://schemas.microsoft.com/office/drawing/2014/main" id="{516C907E-5A78-1346-907B-73D4A1CD53A6}"/>
               </a:ext>
             </a:extLst>
           </p:cNvPr>
@@ -9738,10 +9802,10 @@
       </p:sp>
       <p:sp>
         <p:nvSpPr>
-          <p:cNvPr id="30" name="TextBox 29">
+          <p:cNvPr id="28" name="TextBox 27">
             <a:extLst>
               <a:ext uri="{FF2B5EF4-FFF2-40B4-BE49-F238E27FC236}">
-                <a16:creationId xmlns:a16="http://schemas.microsoft.com/office/drawing/2014/main" id="{09AC30B6-CE55-9C41-BEA4-5D36EB479FFA}"/>
+                <a16:creationId xmlns:a16="http://schemas.microsoft.com/office/drawing/2014/main" id="{1FB2F9AB-622E-9A47-9AB0-88C6AE43FDBC}"/>
               </a:ext>
             </a:extLst>
           </p:cNvPr>
@@ -9775,11 +9839,11 @@
       </p:sp>
       <p:pic>
         <p:nvPicPr>
-          <p:cNvPr id="31" name="Picture 30">
-            <a:hlinkClick r:id="rId5" action="ppaction://hlinksldjump"/>
+          <p:cNvPr id="29" name="Picture 28">
+            <a:hlinkClick r:id="rId4" action="ppaction://hlinksldjump"/>
             <a:extLst>
               <a:ext uri="{FF2B5EF4-FFF2-40B4-BE49-F238E27FC236}">
-                <a16:creationId xmlns:a16="http://schemas.microsoft.com/office/drawing/2014/main" id="{8F1CDED3-62FC-BA48-AFE5-D1302A402E44}"/>
+                <a16:creationId xmlns:a16="http://schemas.microsoft.com/office/drawing/2014/main" id="{21534278-A179-D94A-A9E1-24C852383A49}"/>
               </a:ext>
             </a:extLst>
           </p:cNvPr>
@@ -9789,7 +9853,7 @@
           <p:nvPr/>
         </p:nvPicPr>
         <p:blipFill>
-          <a:blip r:embed="rId6">
+          <a:blip r:embed="rId5">
             <a:grayscl/>
           </a:blip>
           <a:stretch>
@@ -9809,7 +9873,7 @@
     </p:spTree>
     <p:extLst>
       <p:ext uri="{BB962C8B-B14F-4D97-AF65-F5344CB8AC3E}">
-        <p14:creationId xmlns:p14="http://schemas.microsoft.com/office/powerpoint/2010/main" val="893289475"/>
+        <p14:creationId xmlns:p14="http://schemas.microsoft.com/office/powerpoint/2010/main" val="1195074428"/>
       </p:ext>
     </p:extLst>
   </p:cSld>
@@ -9836,6 +9900,225 @@
           <a:chExt cx="0" cy="0"/>
         </a:xfrm>
       </p:grpSpPr>
+      <p:pic>
+        <p:nvPicPr>
+          <p:cNvPr id="6" name="Picture 5"/>
+          <p:cNvPicPr>
+            <a:picLocks noChangeAspect="1"/>
+          </p:cNvPicPr>
+          <p:nvPr/>
+        </p:nvPicPr>
+        <p:blipFill>
+          <a:blip r:embed="rId3">
+            <a:clrChange>
+              <a:clrFrom>
+                <a:srgbClr val="FFFFFF"/>
+              </a:clrFrom>
+              <a:clrTo>
+                <a:srgbClr val="FFFFFF">
+                  <a:alpha val="0"/>
+                </a:srgbClr>
+              </a:clrTo>
+            </a:clrChange>
+            <a:duotone>
+              <a:schemeClr val="accent6">
+                <a:shade val="45000"/>
+                <a:satMod val="135000"/>
+              </a:schemeClr>
+              <a:prstClr val="white"/>
+            </a:duotone>
+          </a:blip>
+          <a:stretch>
+            <a:fillRect/>
+          </a:stretch>
+        </p:blipFill>
+        <p:spPr>
+          <a:xfrm>
+            <a:off x="9505276" y="4087703"/>
+            <a:ext cx="2686724" cy="2639663"/>
+          </a:xfrm>
+          <a:prstGeom prst="rect">
+            <a:avLst/>
+          </a:prstGeom>
+        </p:spPr>
+      </p:pic>
+      <p:pic>
+        <p:nvPicPr>
+          <p:cNvPr id="7" name="Picture 6"/>
+          <p:cNvPicPr>
+            <a:picLocks noChangeAspect="1"/>
+          </p:cNvPicPr>
+          <p:nvPr/>
+        </p:nvPicPr>
+        <p:blipFill>
+          <a:blip r:embed="rId4">
+            <a:clrChange>
+              <a:clrFrom>
+                <a:srgbClr val="FFFFFE"/>
+              </a:clrFrom>
+              <a:clrTo>
+                <a:srgbClr val="FFFFFE">
+                  <a:alpha val="0"/>
+                </a:srgbClr>
+              </a:clrTo>
+            </a:clrChange>
+            <a:duotone>
+              <a:schemeClr val="accent6">
+                <a:shade val="45000"/>
+                <a:satMod val="135000"/>
+              </a:schemeClr>
+              <a:prstClr val="white"/>
+            </a:duotone>
+            <a:extLst>
+              <a:ext uri="{28A0092B-C50C-407E-A947-70E740481C1C}">
+                <a14:useLocalDpi xmlns:a14="http://schemas.microsoft.com/office/drawing/2010/main" val="0"/>
+              </a:ext>
+            </a:extLst>
+          </a:blip>
+          <a:stretch>
+            <a:fillRect/>
+          </a:stretch>
+        </p:blipFill>
+        <p:spPr>
+          <a:xfrm>
+            <a:off x="6471299" y="4143350"/>
+            <a:ext cx="2190221" cy="2190221"/>
+          </a:xfrm>
+          <a:prstGeom prst="rect">
+            <a:avLst/>
+          </a:prstGeom>
+        </p:spPr>
+      </p:pic>
+      <p:grpSp>
+        <p:nvGrpSpPr>
+          <p:cNvPr id="9" name="Group 8">
+            <a:extLst>
+              <a:ext uri="{FF2B5EF4-FFF2-40B4-BE49-F238E27FC236}">
+                <a16:creationId xmlns:a16="http://schemas.microsoft.com/office/drawing/2014/main" id="{56BDE87A-1BEB-AF40-B957-A7FC844D6C98}"/>
+              </a:ext>
+            </a:extLst>
+          </p:cNvPr>
+          <p:cNvGrpSpPr/>
+          <p:nvPr/>
+        </p:nvGrpSpPr>
+        <p:grpSpPr>
+          <a:xfrm>
+            <a:off x="8772038" y="4773759"/>
+            <a:ext cx="1011201" cy="930658"/>
+            <a:chOff x="7125209" y="3479470"/>
+            <a:chExt cx="1614303" cy="930658"/>
+          </a:xfrm>
+          <a:solidFill>
+            <a:schemeClr val="accent6"/>
+          </a:solidFill>
+        </p:grpSpPr>
+        <p:sp>
+          <p:nvSpPr>
+            <p:cNvPr id="5" name="Right Arrow 4">
+              <a:extLst>
+                <a:ext uri="{FF2B5EF4-FFF2-40B4-BE49-F238E27FC236}">
+                  <a16:creationId xmlns:a16="http://schemas.microsoft.com/office/drawing/2014/main" id="{2BC9292B-A7BF-F349-86D1-FEE519925DE6}"/>
+                </a:ext>
+              </a:extLst>
+            </p:cNvPr>
+            <p:cNvSpPr/>
+            <p:nvPr/>
+          </p:nvSpPr>
+          <p:spPr>
+            <a:xfrm>
+              <a:off x="7255097" y="3479470"/>
+              <a:ext cx="1484415" cy="296883"/>
+            </a:xfrm>
+            <a:prstGeom prst="rightArrow">
+              <a:avLst>
+                <a:gd name="adj1" fmla="val 42000"/>
+                <a:gd name="adj2" fmla="val 118000"/>
+              </a:avLst>
+            </a:prstGeom>
+            <a:grpFill/>
+            <a:ln>
+              <a:noFill/>
+            </a:ln>
+          </p:spPr>
+          <p:style>
+            <a:lnRef idx="2">
+              <a:schemeClr val="dk1">
+                <a:shade val="50000"/>
+              </a:schemeClr>
+            </a:lnRef>
+            <a:fillRef idx="1">
+              <a:schemeClr val="dk1"/>
+            </a:fillRef>
+            <a:effectRef idx="0">
+              <a:schemeClr val="dk1"/>
+            </a:effectRef>
+            <a:fontRef idx="minor">
+              <a:schemeClr val="lt1"/>
+            </a:fontRef>
+          </p:style>
+          <p:txBody>
+            <a:bodyPr rtlCol="0" anchor="ctr"/>
+            <a:lstStyle/>
+            <a:p>
+              <a:pPr algn="ctr"/>
+              <a:endParaRPr lang="en-US"/>
+            </a:p>
+          </p:txBody>
+        </p:sp>
+        <p:sp>
+          <p:nvSpPr>
+            <p:cNvPr id="8" name="Right Arrow 7">
+              <a:extLst>
+                <a:ext uri="{FF2B5EF4-FFF2-40B4-BE49-F238E27FC236}">
+                  <a16:creationId xmlns:a16="http://schemas.microsoft.com/office/drawing/2014/main" id="{FDEE9988-274F-8141-B73A-D84E27B20B7D}"/>
+                </a:ext>
+              </a:extLst>
+            </p:cNvPr>
+            <p:cNvSpPr/>
+            <p:nvPr/>
+          </p:nvSpPr>
+          <p:spPr>
+            <a:xfrm flipH="1">
+              <a:off x="7125209" y="4113245"/>
+              <a:ext cx="1484415" cy="296883"/>
+            </a:xfrm>
+            <a:prstGeom prst="rightArrow">
+              <a:avLst>
+                <a:gd name="adj1" fmla="val 42000"/>
+                <a:gd name="adj2" fmla="val 118000"/>
+              </a:avLst>
+            </a:prstGeom>
+            <a:grpFill/>
+            <a:ln>
+              <a:noFill/>
+            </a:ln>
+          </p:spPr>
+          <p:style>
+            <a:lnRef idx="2">
+              <a:schemeClr val="dk1">
+                <a:shade val="50000"/>
+              </a:schemeClr>
+            </a:lnRef>
+            <a:fillRef idx="1">
+              <a:schemeClr val="dk1"/>
+            </a:fillRef>
+            <a:effectRef idx="0">
+              <a:schemeClr val="dk1"/>
+            </a:effectRef>
+            <a:fontRef idx="minor">
+              <a:schemeClr val="lt1"/>
+            </a:fontRef>
+          </p:style>
+          <p:txBody>
+            <a:bodyPr rtlCol="0" anchor="ctr"/>
+            <a:lstStyle/>
+            <a:p>
+              <a:pPr algn="ctr"/>
+              <a:endParaRPr lang="en-US" dirty="0"/>
+            </a:p>
+          </p:txBody>
+        </p:sp>
+      </p:grpSp>
       <p:grpSp>
         <p:nvGrpSpPr>
           <p:cNvPr id="18" name="Group 17">
@@ -10330,7 +10613,7 @@
           <p:cNvPr id="26" name="Smiley Face 25">
             <a:extLst>
               <a:ext uri="{FF2B5EF4-FFF2-40B4-BE49-F238E27FC236}">
-                <a16:creationId xmlns:a16="http://schemas.microsoft.com/office/drawing/2014/main" id="{BDF631E4-AB57-D745-9E53-64E8F0E55206}"/>
+                <a16:creationId xmlns:a16="http://schemas.microsoft.com/office/drawing/2014/main" id="{872483FE-9146-B94E-9FBE-50A55F29EA9C}"/>
               </a:ext>
             </a:extLst>
           </p:cNvPr>
@@ -10374,10 +10657,10 @@
       </p:sp>
       <p:sp>
         <p:nvSpPr>
-          <p:cNvPr id="28" name="TextBox 27">
+          <p:cNvPr id="29" name="TextBox 28">
             <a:extLst>
               <a:ext uri="{FF2B5EF4-FFF2-40B4-BE49-F238E27FC236}">
-                <a16:creationId xmlns:a16="http://schemas.microsoft.com/office/drawing/2014/main" id="{685BB087-974A-214B-A959-6DCAFC1583A3}"/>
+                <a16:creationId xmlns:a16="http://schemas.microsoft.com/office/drawing/2014/main" id="{AC62B8C5-8690-3044-BD7D-7193A4342429}"/>
               </a:ext>
             </a:extLst>
           </p:cNvPr>
@@ -10386,7 +10669,7 @@
         </p:nvSpPr>
         <p:spPr>
           <a:xfrm>
-            <a:off x="8652459" y="314606"/>
+            <a:off x="8670516" y="4122409"/>
             <a:ext cx="1130780" cy="461665"/>
           </a:xfrm>
           <a:prstGeom prst="rect">
@@ -10403,6 +10686,43 @@
             <a:pPr algn="ctr"/>
             <a:r>
               <a:rPr lang="en-US" sz="2400" b="1" dirty="0"/>
+              <a:t>V1.0</a:t>
+            </a:r>
+            <a:endParaRPr lang="en-US" b="1" dirty="0"/>
+          </a:p>
+        </p:txBody>
+      </p:sp>
+      <p:sp>
+        <p:nvSpPr>
+          <p:cNvPr id="30" name="TextBox 29">
+            <a:extLst>
+              <a:ext uri="{FF2B5EF4-FFF2-40B4-BE49-F238E27FC236}">
+                <a16:creationId xmlns:a16="http://schemas.microsoft.com/office/drawing/2014/main" id="{09AC30B6-CE55-9C41-BEA4-5D36EB479FFA}"/>
+              </a:ext>
+            </a:extLst>
+          </p:cNvPr>
+          <p:cNvSpPr txBox="1"/>
+          <p:nvPr/>
+        </p:nvSpPr>
+        <p:spPr>
+          <a:xfrm>
+            <a:off x="8652459" y="314606"/>
+            <a:ext cx="1130780" cy="461665"/>
+          </a:xfrm>
+          <a:prstGeom prst="rect">
+            <a:avLst/>
+          </a:prstGeom>
+          <a:noFill/>
+        </p:spPr>
+        <p:txBody>
+          <a:bodyPr wrap="square" rtlCol="0">
+            <a:spAutoFit/>
+          </a:bodyPr>
+          <a:lstStyle/>
+          <a:p>
+            <a:pPr algn="ctr"/>
+            <a:r>
+              <a:rPr lang="en-US" sz="2400" b="1" dirty="0"/>
               <a:t>V1.1</a:t>
             </a:r>
             <a:endParaRPr lang="en-US" b="1" dirty="0"/>
@@ -10411,11 +10731,11 @@
       </p:sp>
       <p:pic>
         <p:nvPicPr>
-          <p:cNvPr id="29" name="Picture 28">
+          <p:cNvPr id="31" name="Picture 30">
             <a:hlinkClick r:id="rId5" action="ppaction://hlinksldjump"/>
             <a:extLst>
               <a:ext uri="{FF2B5EF4-FFF2-40B4-BE49-F238E27FC236}">
-                <a16:creationId xmlns:a16="http://schemas.microsoft.com/office/drawing/2014/main" id="{ED9F4DC4-5AB8-F24E-99DA-35A3DB2CAC1C}"/>
+                <a16:creationId xmlns:a16="http://schemas.microsoft.com/office/drawing/2014/main" id="{8F1CDED3-62FC-BA48-AFE5-D1302A402E44}"/>
               </a:ext>
             </a:extLst>
           </p:cNvPr>
@@ -10445,7 +10765,7 @@
     </p:spTree>
     <p:extLst>
       <p:ext uri="{BB962C8B-B14F-4D97-AF65-F5344CB8AC3E}">
-        <p14:creationId xmlns:p14="http://schemas.microsoft.com/office/powerpoint/2010/main" val="533331594"/>
+        <p14:creationId xmlns:p14="http://schemas.microsoft.com/office/powerpoint/2010/main" val="893289475"/>
       </p:ext>
     </p:extLst>
   </p:cSld>
@@ -10472,225 +10792,6 @@
           <a:chExt cx="0" cy="0"/>
         </a:xfrm>
       </p:grpSpPr>
-      <p:pic>
-        <p:nvPicPr>
-          <p:cNvPr id="6" name="Picture 5"/>
-          <p:cNvPicPr>
-            <a:picLocks noChangeAspect="1"/>
-          </p:cNvPicPr>
-          <p:nvPr/>
-        </p:nvPicPr>
-        <p:blipFill>
-          <a:blip r:embed="rId3">
-            <a:clrChange>
-              <a:clrFrom>
-                <a:srgbClr val="FFFFFF"/>
-              </a:clrFrom>
-              <a:clrTo>
-                <a:srgbClr val="FFFFFF">
-                  <a:alpha val="0"/>
-                </a:srgbClr>
-              </a:clrTo>
-            </a:clrChange>
-            <a:duotone>
-              <a:schemeClr val="accent6">
-                <a:shade val="45000"/>
-                <a:satMod val="135000"/>
-              </a:schemeClr>
-              <a:prstClr val="white"/>
-            </a:duotone>
-          </a:blip>
-          <a:stretch>
-            <a:fillRect/>
-          </a:stretch>
-        </p:blipFill>
-        <p:spPr>
-          <a:xfrm>
-            <a:off x="9505276" y="4087703"/>
-            <a:ext cx="2686724" cy="2639663"/>
-          </a:xfrm>
-          <a:prstGeom prst="rect">
-            <a:avLst/>
-          </a:prstGeom>
-        </p:spPr>
-      </p:pic>
-      <p:pic>
-        <p:nvPicPr>
-          <p:cNvPr id="7" name="Picture 6"/>
-          <p:cNvPicPr>
-            <a:picLocks noChangeAspect="1"/>
-          </p:cNvPicPr>
-          <p:nvPr/>
-        </p:nvPicPr>
-        <p:blipFill>
-          <a:blip r:embed="rId4">
-            <a:clrChange>
-              <a:clrFrom>
-                <a:srgbClr val="FFFFFE"/>
-              </a:clrFrom>
-              <a:clrTo>
-                <a:srgbClr val="FFFFFE">
-                  <a:alpha val="0"/>
-                </a:srgbClr>
-              </a:clrTo>
-            </a:clrChange>
-            <a:duotone>
-              <a:schemeClr val="accent6">
-                <a:shade val="45000"/>
-                <a:satMod val="135000"/>
-              </a:schemeClr>
-              <a:prstClr val="white"/>
-            </a:duotone>
-            <a:extLst>
-              <a:ext uri="{28A0092B-C50C-407E-A947-70E740481C1C}">
-                <a14:useLocalDpi xmlns:a14="http://schemas.microsoft.com/office/drawing/2010/main" val="0"/>
-              </a:ext>
-            </a:extLst>
-          </a:blip>
-          <a:stretch>
-            <a:fillRect/>
-          </a:stretch>
-        </p:blipFill>
-        <p:spPr>
-          <a:xfrm>
-            <a:off x="6471299" y="4143350"/>
-            <a:ext cx="2190221" cy="2190221"/>
-          </a:xfrm>
-          <a:prstGeom prst="rect">
-            <a:avLst/>
-          </a:prstGeom>
-        </p:spPr>
-      </p:pic>
-      <p:grpSp>
-        <p:nvGrpSpPr>
-          <p:cNvPr id="9" name="Group 8">
-            <a:extLst>
-              <a:ext uri="{FF2B5EF4-FFF2-40B4-BE49-F238E27FC236}">
-                <a16:creationId xmlns:a16="http://schemas.microsoft.com/office/drawing/2014/main" id="{56BDE87A-1BEB-AF40-B957-A7FC844D6C98}"/>
-              </a:ext>
-            </a:extLst>
-          </p:cNvPr>
-          <p:cNvGrpSpPr/>
-          <p:nvPr/>
-        </p:nvGrpSpPr>
-        <p:grpSpPr>
-          <a:xfrm>
-            <a:off x="8772038" y="4773759"/>
-            <a:ext cx="1011201" cy="930658"/>
-            <a:chOff x="7125209" y="3479470"/>
-            <a:chExt cx="1614303" cy="930658"/>
-          </a:xfrm>
-          <a:solidFill>
-            <a:schemeClr val="accent6"/>
-          </a:solidFill>
-        </p:grpSpPr>
-        <p:sp>
-          <p:nvSpPr>
-            <p:cNvPr id="5" name="Right Arrow 4">
-              <a:extLst>
-                <a:ext uri="{FF2B5EF4-FFF2-40B4-BE49-F238E27FC236}">
-                  <a16:creationId xmlns:a16="http://schemas.microsoft.com/office/drawing/2014/main" id="{2BC9292B-A7BF-F349-86D1-FEE519925DE6}"/>
-                </a:ext>
-              </a:extLst>
-            </p:cNvPr>
-            <p:cNvSpPr/>
-            <p:nvPr/>
-          </p:nvSpPr>
-          <p:spPr>
-            <a:xfrm>
-              <a:off x="7255097" y="3479470"/>
-              <a:ext cx="1484415" cy="296883"/>
-            </a:xfrm>
-            <a:prstGeom prst="rightArrow">
-              <a:avLst>
-                <a:gd name="adj1" fmla="val 42000"/>
-                <a:gd name="adj2" fmla="val 118000"/>
-              </a:avLst>
-            </a:prstGeom>
-            <a:grpFill/>
-            <a:ln>
-              <a:noFill/>
-            </a:ln>
-          </p:spPr>
-          <p:style>
-            <a:lnRef idx="2">
-              <a:schemeClr val="dk1">
-                <a:shade val="50000"/>
-              </a:schemeClr>
-            </a:lnRef>
-            <a:fillRef idx="1">
-              <a:schemeClr val="dk1"/>
-            </a:fillRef>
-            <a:effectRef idx="0">
-              <a:schemeClr val="dk1"/>
-            </a:effectRef>
-            <a:fontRef idx="minor">
-              <a:schemeClr val="lt1"/>
-            </a:fontRef>
-          </p:style>
-          <p:txBody>
-            <a:bodyPr rtlCol="0" anchor="ctr"/>
-            <a:lstStyle/>
-            <a:p>
-              <a:pPr algn="ctr"/>
-              <a:endParaRPr lang="en-US"/>
-            </a:p>
-          </p:txBody>
-        </p:sp>
-        <p:sp>
-          <p:nvSpPr>
-            <p:cNvPr id="8" name="Right Arrow 7">
-              <a:extLst>
-                <a:ext uri="{FF2B5EF4-FFF2-40B4-BE49-F238E27FC236}">
-                  <a16:creationId xmlns:a16="http://schemas.microsoft.com/office/drawing/2014/main" id="{FDEE9988-274F-8141-B73A-D84E27B20B7D}"/>
-                </a:ext>
-              </a:extLst>
-            </p:cNvPr>
-            <p:cNvSpPr/>
-            <p:nvPr/>
-          </p:nvSpPr>
-          <p:spPr>
-            <a:xfrm flipH="1">
-              <a:off x="7125209" y="4113245"/>
-              <a:ext cx="1484415" cy="296883"/>
-            </a:xfrm>
-            <a:prstGeom prst="rightArrow">
-              <a:avLst>
-                <a:gd name="adj1" fmla="val 42000"/>
-                <a:gd name="adj2" fmla="val 118000"/>
-              </a:avLst>
-            </a:prstGeom>
-            <a:grpFill/>
-            <a:ln>
-              <a:noFill/>
-            </a:ln>
-          </p:spPr>
-          <p:style>
-            <a:lnRef idx="2">
-              <a:schemeClr val="dk1">
-                <a:shade val="50000"/>
-              </a:schemeClr>
-            </a:lnRef>
-            <a:fillRef idx="1">
-              <a:schemeClr val="dk1"/>
-            </a:fillRef>
-            <a:effectRef idx="0">
-              <a:schemeClr val="dk1"/>
-            </a:effectRef>
-            <a:fontRef idx="minor">
-              <a:schemeClr val="lt1"/>
-            </a:fontRef>
-          </p:style>
-          <p:txBody>
-            <a:bodyPr rtlCol="0" anchor="ctr"/>
-            <a:lstStyle/>
-            <a:p>
-              <a:pPr algn="ctr"/>
-              <a:endParaRPr lang="en-US" dirty="0"/>
-            </a:p>
-          </p:txBody>
-        </p:sp>
-      </p:grpSp>
       <p:grpSp>
         <p:nvGrpSpPr>
           <p:cNvPr id="18" name="Group 17">
@@ -11185,7 +11286,7 @@
           <p:cNvPr id="26" name="Smiley Face 25">
             <a:extLst>
               <a:ext uri="{FF2B5EF4-FFF2-40B4-BE49-F238E27FC236}">
-                <a16:creationId xmlns:a16="http://schemas.microsoft.com/office/drawing/2014/main" id="{872483FE-9146-B94E-9FBE-50A55F29EA9C}"/>
+                <a16:creationId xmlns:a16="http://schemas.microsoft.com/office/drawing/2014/main" id="{BDF631E4-AB57-D745-9E53-64E8F0E55206}"/>
               </a:ext>
             </a:extLst>
           </p:cNvPr>
@@ -11229,10 +11330,10 @@
       </p:sp>
       <p:sp>
         <p:nvSpPr>
-          <p:cNvPr id="29" name="TextBox 28">
+          <p:cNvPr id="28" name="TextBox 27">
             <a:extLst>
               <a:ext uri="{FF2B5EF4-FFF2-40B4-BE49-F238E27FC236}">
-                <a16:creationId xmlns:a16="http://schemas.microsoft.com/office/drawing/2014/main" id="{AC62B8C5-8690-3044-BD7D-7193A4342429}"/>
+                <a16:creationId xmlns:a16="http://schemas.microsoft.com/office/drawing/2014/main" id="{685BB087-974A-214B-A959-6DCAFC1583A3}"/>
               </a:ext>
             </a:extLst>
           </p:cNvPr>
@@ -11241,7 +11342,7 @@
         </p:nvSpPr>
         <p:spPr>
           <a:xfrm>
-            <a:off x="8670516" y="4122409"/>
+            <a:off x="8652459" y="314606"/>
             <a:ext cx="1130780" cy="461665"/>
           </a:xfrm>
           <a:prstGeom prst="rect">
@@ -11258,43 +11359,6 @@
             <a:pPr algn="ctr"/>
             <a:r>
               <a:rPr lang="en-US" sz="2400" b="1" dirty="0"/>
-              <a:t>V1.0</a:t>
-            </a:r>
-            <a:endParaRPr lang="en-US" b="1" dirty="0"/>
-          </a:p>
-        </p:txBody>
-      </p:sp>
-      <p:sp>
-        <p:nvSpPr>
-          <p:cNvPr id="30" name="TextBox 29">
-            <a:extLst>
-              <a:ext uri="{FF2B5EF4-FFF2-40B4-BE49-F238E27FC236}">
-                <a16:creationId xmlns:a16="http://schemas.microsoft.com/office/drawing/2014/main" id="{09AC30B6-CE55-9C41-BEA4-5D36EB479FFA}"/>
-              </a:ext>
-            </a:extLst>
-          </p:cNvPr>
-          <p:cNvSpPr txBox="1"/>
-          <p:nvPr/>
-        </p:nvSpPr>
-        <p:spPr>
-          <a:xfrm>
-            <a:off x="8652459" y="314606"/>
-            <a:ext cx="1130780" cy="461665"/>
-          </a:xfrm>
-          <a:prstGeom prst="rect">
-            <a:avLst/>
-          </a:prstGeom>
-          <a:noFill/>
-        </p:spPr>
-        <p:txBody>
-          <a:bodyPr wrap="square" rtlCol="0">
-            <a:spAutoFit/>
-          </a:bodyPr>
-          <a:lstStyle/>
-          <a:p>
-            <a:pPr algn="ctr"/>
-            <a:r>
-              <a:rPr lang="en-US" sz="2400" b="1" dirty="0"/>
               <a:t>V1.1</a:t>
             </a:r>
             <a:endParaRPr lang="en-US" b="1" dirty="0"/>
@@ -11303,11 +11367,11 @@
       </p:sp>
       <p:pic>
         <p:nvPicPr>
-          <p:cNvPr id="27" name="Picture 26">
+          <p:cNvPr id="29" name="Picture 28">
             <a:hlinkClick r:id="rId5" action="ppaction://hlinksldjump"/>
             <a:extLst>
               <a:ext uri="{FF2B5EF4-FFF2-40B4-BE49-F238E27FC236}">
-                <a16:creationId xmlns:a16="http://schemas.microsoft.com/office/drawing/2014/main" id="{0BBDCC6F-D1F0-C842-AA6C-0DAAB3837F8A}"/>
+                <a16:creationId xmlns:a16="http://schemas.microsoft.com/office/drawing/2014/main" id="{ED9F4DC4-5AB8-F24E-99DA-35A3DB2CAC1C}"/>
               </a:ext>
             </a:extLst>
           </p:cNvPr>
@@ -11337,7 +11401,7 @@
     </p:spTree>
     <p:extLst>
       <p:ext uri="{BB962C8B-B14F-4D97-AF65-F5344CB8AC3E}">
-        <p14:creationId xmlns:p14="http://schemas.microsoft.com/office/powerpoint/2010/main" val="2124433855"/>
+        <p14:creationId xmlns:p14="http://schemas.microsoft.com/office/powerpoint/2010/main" val="533331594"/>
       </p:ext>
     </p:extLst>
   </p:cSld>
@@ -11364,225 +11428,6 @@
           <a:chExt cx="0" cy="0"/>
         </a:xfrm>
       </p:grpSpPr>
-      <p:pic>
-        <p:nvPicPr>
-          <p:cNvPr id="6" name="Picture 5"/>
-          <p:cNvPicPr>
-            <a:picLocks noChangeAspect="1"/>
-          </p:cNvPicPr>
-          <p:nvPr/>
-        </p:nvPicPr>
-        <p:blipFill>
-          <a:blip r:embed="rId3">
-            <a:clrChange>
-              <a:clrFrom>
-                <a:srgbClr val="FFFFFF"/>
-              </a:clrFrom>
-              <a:clrTo>
-                <a:srgbClr val="FFFFFF">
-                  <a:alpha val="0"/>
-                </a:srgbClr>
-              </a:clrTo>
-            </a:clrChange>
-            <a:duotone>
-              <a:schemeClr val="accent6">
-                <a:shade val="45000"/>
-                <a:satMod val="135000"/>
-              </a:schemeClr>
-              <a:prstClr val="white"/>
-            </a:duotone>
-          </a:blip>
-          <a:stretch>
-            <a:fillRect/>
-          </a:stretch>
-        </p:blipFill>
-        <p:spPr>
-          <a:xfrm>
-            <a:off x="9505276" y="4087703"/>
-            <a:ext cx="2686724" cy="2639663"/>
-          </a:xfrm>
-          <a:prstGeom prst="rect">
-            <a:avLst/>
-          </a:prstGeom>
-        </p:spPr>
-      </p:pic>
-      <p:pic>
-        <p:nvPicPr>
-          <p:cNvPr id="7" name="Picture 6"/>
-          <p:cNvPicPr>
-            <a:picLocks noChangeAspect="1"/>
-          </p:cNvPicPr>
-          <p:nvPr/>
-        </p:nvPicPr>
-        <p:blipFill>
-          <a:blip r:embed="rId4">
-            <a:clrChange>
-              <a:clrFrom>
-                <a:srgbClr val="FFFFFE"/>
-              </a:clrFrom>
-              <a:clrTo>
-                <a:srgbClr val="FFFFFE">
-                  <a:alpha val="0"/>
-                </a:srgbClr>
-              </a:clrTo>
-            </a:clrChange>
-            <a:duotone>
-              <a:schemeClr val="accent6">
-                <a:shade val="45000"/>
-                <a:satMod val="135000"/>
-              </a:schemeClr>
-              <a:prstClr val="white"/>
-            </a:duotone>
-            <a:extLst>
-              <a:ext uri="{28A0092B-C50C-407E-A947-70E740481C1C}">
-                <a14:useLocalDpi xmlns:a14="http://schemas.microsoft.com/office/drawing/2010/main" val="0"/>
-              </a:ext>
-            </a:extLst>
-          </a:blip>
-          <a:stretch>
-            <a:fillRect/>
-          </a:stretch>
-        </p:blipFill>
-        <p:spPr>
-          <a:xfrm>
-            <a:off x="6471299" y="4143350"/>
-            <a:ext cx="2190221" cy="2190221"/>
-          </a:xfrm>
-          <a:prstGeom prst="rect">
-            <a:avLst/>
-          </a:prstGeom>
-        </p:spPr>
-      </p:pic>
-      <p:grpSp>
-        <p:nvGrpSpPr>
-          <p:cNvPr id="9" name="Group 8">
-            <a:extLst>
-              <a:ext uri="{FF2B5EF4-FFF2-40B4-BE49-F238E27FC236}">
-                <a16:creationId xmlns:a16="http://schemas.microsoft.com/office/drawing/2014/main" id="{56BDE87A-1BEB-AF40-B957-A7FC844D6C98}"/>
-              </a:ext>
-            </a:extLst>
-          </p:cNvPr>
-          <p:cNvGrpSpPr/>
-          <p:nvPr/>
-        </p:nvGrpSpPr>
-        <p:grpSpPr>
-          <a:xfrm>
-            <a:off x="8772038" y="4773759"/>
-            <a:ext cx="1011201" cy="930658"/>
-            <a:chOff x="7125209" y="3479470"/>
-            <a:chExt cx="1614303" cy="930658"/>
-          </a:xfrm>
-          <a:solidFill>
-            <a:schemeClr val="accent6"/>
-          </a:solidFill>
-        </p:grpSpPr>
-        <p:sp>
-          <p:nvSpPr>
-            <p:cNvPr id="5" name="Right Arrow 4">
-              <a:extLst>
-                <a:ext uri="{FF2B5EF4-FFF2-40B4-BE49-F238E27FC236}">
-                  <a16:creationId xmlns:a16="http://schemas.microsoft.com/office/drawing/2014/main" id="{2BC9292B-A7BF-F349-86D1-FEE519925DE6}"/>
-                </a:ext>
-              </a:extLst>
-            </p:cNvPr>
-            <p:cNvSpPr/>
-            <p:nvPr/>
-          </p:nvSpPr>
-          <p:spPr>
-            <a:xfrm>
-              <a:off x="7255097" y="3479470"/>
-              <a:ext cx="1484415" cy="296883"/>
-            </a:xfrm>
-            <a:prstGeom prst="rightArrow">
-              <a:avLst>
-                <a:gd name="adj1" fmla="val 42000"/>
-                <a:gd name="adj2" fmla="val 118000"/>
-              </a:avLst>
-            </a:prstGeom>
-            <a:grpFill/>
-            <a:ln>
-              <a:noFill/>
-            </a:ln>
-          </p:spPr>
-          <p:style>
-            <a:lnRef idx="2">
-              <a:schemeClr val="dk1">
-                <a:shade val="50000"/>
-              </a:schemeClr>
-            </a:lnRef>
-            <a:fillRef idx="1">
-              <a:schemeClr val="dk1"/>
-            </a:fillRef>
-            <a:effectRef idx="0">
-              <a:schemeClr val="dk1"/>
-            </a:effectRef>
-            <a:fontRef idx="minor">
-              <a:schemeClr val="lt1"/>
-            </a:fontRef>
-          </p:style>
-          <p:txBody>
-            <a:bodyPr rtlCol="0" anchor="ctr"/>
-            <a:lstStyle/>
-            <a:p>
-              <a:pPr algn="ctr"/>
-              <a:endParaRPr lang="en-US"/>
-            </a:p>
-          </p:txBody>
-        </p:sp>
-        <p:sp>
-          <p:nvSpPr>
-            <p:cNvPr id="8" name="Right Arrow 7">
-              <a:extLst>
-                <a:ext uri="{FF2B5EF4-FFF2-40B4-BE49-F238E27FC236}">
-                  <a16:creationId xmlns:a16="http://schemas.microsoft.com/office/drawing/2014/main" id="{FDEE9988-274F-8141-B73A-D84E27B20B7D}"/>
-                </a:ext>
-              </a:extLst>
-            </p:cNvPr>
-            <p:cNvSpPr/>
-            <p:nvPr/>
-          </p:nvSpPr>
-          <p:spPr>
-            <a:xfrm flipH="1">
-              <a:off x="7125209" y="4113245"/>
-              <a:ext cx="1484415" cy="296883"/>
-            </a:xfrm>
-            <a:prstGeom prst="rightArrow">
-              <a:avLst>
-                <a:gd name="adj1" fmla="val 42000"/>
-                <a:gd name="adj2" fmla="val 118000"/>
-              </a:avLst>
-            </a:prstGeom>
-            <a:grpFill/>
-            <a:ln>
-              <a:noFill/>
-            </a:ln>
-          </p:spPr>
-          <p:style>
-            <a:lnRef idx="2">
-              <a:schemeClr val="dk1">
-                <a:shade val="50000"/>
-              </a:schemeClr>
-            </a:lnRef>
-            <a:fillRef idx="1">
-              <a:schemeClr val="dk1"/>
-            </a:fillRef>
-            <a:effectRef idx="0">
-              <a:schemeClr val="dk1"/>
-            </a:effectRef>
-            <a:fontRef idx="minor">
-              <a:schemeClr val="lt1"/>
-            </a:fontRef>
-          </p:style>
-          <p:txBody>
-            <a:bodyPr rtlCol="0" anchor="ctr"/>
-            <a:lstStyle/>
-            <a:p>
-              <a:pPr algn="ctr"/>
-              <a:endParaRPr lang="en-US" dirty="0"/>
-            </a:p>
-          </p:txBody>
-        </p:sp>
-      </p:grpSp>
       <p:grpSp>
         <p:nvGrpSpPr>
           <p:cNvPr id="18" name="Group 17">
@@ -12116,43 +11961,6 @@
           <a:p>
             <a:pPr algn="ctr"/>
             <a:endParaRPr lang="en-US" dirty="0"/>
-          </a:p>
-        </p:txBody>
-      </p:sp>
-      <p:sp>
-        <p:nvSpPr>
-          <p:cNvPr id="29" name="TextBox 28">
-            <a:extLst>
-              <a:ext uri="{FF2B5EF4-FFF2-40B4-BE49-F238E27FC236}">
-                <a16:creationId xmlns:a16="http://schemas.microsoft.com/office/drawing/2014/main" id="{AC62B8C5-8690-3044-BD7D-7193A4342429}"/>
-              </a:ext>
-            </a:extLst>
-          </p:cNvPr>
-          <p:cNvSpPr txBox="1"/>
-          <p:nvPr/>
-        </p:nvSpPr>
-        <p:spPr>
-          <a:xfrm>
-            <a:off x="8670516" y="4122409"/>
-            <a:ext cx="1130780" cy="461665"/>
-          </a:xfrm>
-          <a:prstGeom prst="rect">
-            <a:avLst/>
-          </a:prstGeom>
-          <a:noFill/>
-        </p:spPr>
-        <p:txBody>
-          <a:bodyPr wrap="square" rtlCol="0">
-            <a:spAutoFit/>
-          </a:bodyPr>
-          <a:lstStyle/>
-          <a:p>
-            <a:pPr algn="ctr"/>
-            <a:r>
-              <a:rPr lang="en-US" sz="2400" b="1" dirty="0"/>
-              <a:t>V1.0</a:t>
-            </a:r>
-            <a:endParaRPr lang="en-US" b="1" dirty="0"/>
           </a:p>
         </p:txBody>
       </p:sp>
@@ -13713,7 +13521,7 @@
           <a:p>
             <a:pPr algn="ctr"/>
             <a:r>
-              <a:rPr lang="en-US" sz="8000" b="1" dirty="0"/>
+              <a:rPr lang="en-US" sz="6600" b="1" dirty="0"/>
               <a:t>What’s The Problem Then?</a:t>
             </a:r>
           </a:p>
@@ -13911,7 +13719,7 @@
         <p:spPr>
           <a:xfrm>
             <a:off x="3686628" y="4838352"/>
-            <a:ext cx="4818743" cy="830997"/>
+            <a:ext cx="4818743" cy="769441"/>
           </a:xfrm>
           <a:prstGeom prst="rect">
             <a:avLst/>
@@ -13926,12 +13734,14 @@
           <a:p>
             <a:pPr algn="ctr"/>
             <a:r>
-              <a:rPr lang="en-US" sz="4800" b="1" dirty="0">
+              <a:rPr lang="en-US" sz="4400" b="1" dirty="0">
                 <a:solidFill>
                   <a:schemeClr val="bg2">
                     <a:lumMod val="75000"/>
                   </a:schemeClr>
                 </a:solidFill>
+                <a:latin typeface="Open Sans Hebrew" pitchFamily="2" charset="-79"/>
+                <a:cs typeface="Open Sans Hebrew" pitchFamily="2" charset="-79"/>
               </a:rPr>
               <a:t>Structure + Data</a:t>
             </a:r>
@@ -14073,7 +13883,7 @@
         <p:spPr>
           <a:xfrm>
             <a:off x="1170784" y="5157667"/>
-            <a:ext cx="4818743" cy="830997"/>
+            <a:ext cx="4818743" cy="707886"/>
           </a:xfrm>
           <a:prstGeom prst="rect">
             <a:avLst/>
@@ -14088,10 +13898,12 @@
           <a:p>
             <a:pPr algn="ctr"/>
             <a:r>
-              <a:rPr lang="en-US" sz="4800" b="1" dirty="0">
+              <a:rPr lang="en-US" sz="4000" b="1" dirty="0">
                 <a:solidFill>
                   <a:schemeClr val="accent6"/>
                 </a:solidFill>
+                <a:latin typeface="Open Sans Hebrew" pitchFamily="2" charset="-79"/>
+                <a:cs typeface="Open Sans Hebrew" pitchFamily="2" charset="-79"/>
               </a:rPr>
               <a:t>Structure + Data</a:t>
             </a:r>
@@ -14113,7 +13925,7 @@
         <p:spPr>
           <a:xfrm>
             <a:off x="6271422" y="5157666"/>
-            <a:ext cx="4818743" cy="830997"/>
+            <a:ext cx="4818743" cy="707886"/>
           </a:xfrm>
           <a:prstGeom prst="rect">
             <a:avLst/>
@@ -14128,10 +13940,12 @@
           <a:p>
             <a:pPr algn="ctr"/>
             <a:r>
-              <a:rPr lang="en-US" sz="4800" b="1" dirty="0">
+              <a:rPr lang="en-US" sz="4000" b="1" dirty="0">
                 <a:solidFill>
                   <a:schemeClr val="accent1"/>
                 </a:solidFill>
+                <a:latin typeface="Open Sans Hebrew" pitchFamily="2" charset="-79"/>
+                <a:cs typeface="Open Sans Hebrew" pitchFamily="2" charset="-79"/>
               </a:rPr>
               <a:t>Structure + Data</a:t>
             </a:r>
@@ -14152,7 +13966,7 @@
         </p:nvSpPr>
         <p:spPr>
           <a:xfrm>
-            <a:off x="9702312" y="5157666"/>
+            <a:off x="9668445" y="5034455"/>
             <a:ext cx="949933" cy="920442"/>
           </a:xfrm>
           <a:prstGeom prst="mathMultiply">
@@ -14222,7 +14036,7 @@
         </p:blipFill>
         <p:spPr>
           <a:xfrm>
-            <a:off x="3472504" y="4601029"/>
+            <a:off x="3512423" y="4477818"/>
             <a:ext cx="3085638" cy="2033716"/>
           </a:xfrm>
           <a:prstGeom prst="rect">
@@ -14230,6 +14044,131 @@
           </a:prstGeom>
         </p:spPr>
       </p:pic>
+      <p:grpSp>
+        <p:nvGrpSpPr>
+          <p:cNvPr id="2" name="Group 1">
+            <a:extLst>
+              <a:ext uri="{FF2B5EF4-FFF2-40B4-BE49-F238E27FC236}">
+                <a16:creationId xmlns:a16="http://schemas.microsoft.com/office/drawing/2014/main" id="{8D1DE478-4059-2E45-918D-D23A87EC4DA3}"/>
+              </a:ext>
+            </a:extLst>
+          </p:cNvPr>
+          <p:cNvGrpSpPr/>
+          <p:nvPr/>
+        </p:nvGrpSpPr>
+        <p:grpSpPr>
+          <a:xfrm>
+            <a:off x="4590322" y="401121"/>
+            <a:ext cx="2291531" cy="2013296"/>
+            <a:chOff x="4590322" y="401121"/>
+            <a:chExt cx="2291531" cy="2013296"/>
+          </a:xfrm>
+        </p:grpSpPr>
+        <p:sp>
+          <p:nvSpPr>
+            <p:cNvPr id="11" name="Smiley Face 10">
+              <a:extLst>
+                <a:ext uri="{FF2B5EF4-FFF2-40B4-BE49-F238E27FC236}">
+                  <a16:creationId xmlns:a16="http://schemas.microsoft.com/office/drawing/2014/main" id="{49308CE4-43F1-224E-B547-4322512DE933}"/>
+                </a:ext>
+              </a:extLst>
+            </p:cNvPr>
+            <p:cNvSpPr/>
+            <p:nvPr/>
+          </p:nvSpPr>
+          <p:spPr>
+            <a:xfrm>
+              <a:off x="5370705" y="401121"/>
+              <a:ext cx="1511148" cy="1500250"/>
+            </a:xfrm>
+            <a:prstGeom prst="smileyFace">
+              <a:avLst/>
+            </a:prstGeom>
+            <a:ln w="57150"/>
+          </p:spPr>
+          <p:style>
+            <a:lnRef idx="2">
+              <a:schemeClr val="accent2">
+                <a:shade val="50000"/>
+              </a:schemeClr>
+            </a:lnRef>
+            <a:fillRef idx="1">
+              <a:schemeClr val="accent2"/>
+            </a:fillRef>
+            <a:effectRef idx="0">
+              <a:schemeClr val="accent2"/>
+            </a:effectRef>
+            <a:fontRef idx="minor">
+              <a:schemeClr val="lt1"/>
+            </a:fontRef>
+          </p:style>
+          <p:txBody>
+            <a:bodyPr rtlCol="0" anchor="ctr"/>
+            <a:lstStyle/>
+            <a:p>
+              <a:pPr algn="ctr"/>
+              <a:endParaRPr lang="en-US" dirty="0"/>
+            </a:p>
+          </p:txBody>
+        </p:sp>
+        <p:sp>
+          <p:nvSpPr>
+            <p:cNvPr id="14" name="Right Arrow 13">
+              <a:extLst>
+                <a:ext uri="{FF2B5EF4-FFF2-40B4-BE49-F238E27FC236}">
+                  <a16:creationId xmlns:a16="http://schemas.microsoft.com/office/drawing/2014/main" id="{106A6D9A-2E65-224E-A528-8266405BC5BF}"/>
+                </a:ext>
+              </a:extLst>
+            </p:cNvPr>
+            <p:cNvSpPr/>
+            <p:nvPr/>
+          </p:nvSpPr>
+          <p:spPr>
+            <a:xfrm rot="18948899" flipH="1">
+              <a:off x="4590322" y="2117534"/>
+              <a:ext cx="929839" cy="296883"/>
+            </a:xfrm>
+            <a:prstGeom prst="rightArrow">
+              <a:avLst>
+                <a:gd name="adj1" fmla="val 42000"/>
+                <a:gd name="adj2" fmla="val 118000"/>
+              </a:avLst>
+            </a:prstGeom>
+            <a:solidFill>
+              <a:schemeClr val="bg2">
+                <a:lumMod val="75000"/>
+              </a:schemeClr>
+            </a:solidFill>
+            <a:ln>
+              <a:noFill/>
+            </a:ln>
+          </p:spPr>
+          <p:style>
+            <a:lnRef idx="2">
+              <a:schemeClr val="dk1">
+                <a:shade val="50000"/>
+              </a:schemeClr>
+            </a:lnRef>
+            <a:fillRef idx="1">
+              <a:schemeClr val="dk1"/>
+            </a:fillRef>
+            <a:effectRef idx="0">
+              <a:schemeClr val="dk1"/>
+            </a:effectRef>
+            <a:fontRef idx="minor">
+              <a:schemeClr val="lt1"/>
+            </a:fontRef>
+          </p:style>
+          <p:txBody>
+            <a:bodyPr rtlCol="0" anchor="ctr"/>
+            <a:lstStyle/>
+            <a:p>
+              <a:pPr algn="ctr"/>
+              <a:endParaRPr lang="en-US" dirty="0"/>
+            </a:p>
+          </p:txBody>
+        </p:sp>
+      </p:grpSp>
     </p:spTree>
     <p:extLst>
       <p:ext uri="{BB962C8B-B14F-4D97-AF65-F5344CB8AC3E}">
@@ -14314,6 +14253,33 @@
                                   </p:childTnLst>
                                 </p:cTn>
                               </p:par>
+                              <p:par>
+                                <p:cTn id="9" presetID="1" presetClass="entr" presetSubtype="0" fill="hold" nodeType="withEffect">
+                                  <p:stCondLst>
+                                    <p:cond delay="0"/>
+                                  </p:stCondLst>
+                                  <p:childTnLst>
+                                    <p:set>
+                                      <p:cBhvr>
+                                        <p:cTn id="10" dur="1" fill="hold">
+                                          <p:stCondLst>
+                                            <p:cond delay="0"/>
+                                          </p:stCondLst>
+                                        </p:cTn>
+                                        <p:tgtEl>
+                                          <p:spTgt spid="2"/>
+                                        </p:tgtEl>
+                                        <p:attrNameLst>
+                                          <p:attrName>style.visibility</p:attrName>
+                                        </p:attrNameLst>
+                                      </p:cBhvr>
+                                      <p:to>
+                                        <p:strVal val="visible"/>
+                                      </p:to>
+                                    </p:set>
+                                  </p:childTnLst>
+                                </p:cTn>
+                              </p:par>
                             </p:childTnLst>
                           </p:cTn>
                         </p:par>
@@ -14349,6 +14315,110 @@
 </file>
 
 <file path=ppt/slides/slide23.xml><?xml version="1.0" encoding="utf-8"?>
+<p:sld xmlns:a="http://schemas.openxmlformats.org/drawingml/2006/main" xmlns:r="http://schemas.openxmlformats.org/officeDocument/2006/relationships" xmlns:p="http://schemas.openxmlformats.org/presentationml/2006/main">
+  <p:cSld>
+    <p:spTree>
+      <p:nvGrpSpPr>
+        <p:cNvPr id="1" name=""/>
+        <p:cNvGrpSpPr/>
+        <p:nvPr/>
+      </p:nvGrpSpPr>
+      <p:grpSpPr>
+        <a:xfrm>
+          <a:off x="0" y="0"/>
+          <a:ext cx="0" cy="0"/>
+          <a:chOff x="0" y="0"/>
+          <a:chExt cx="0" cy="0"/>
+        </a:xfrm>
+      </p:grpSpPr>
+      <p:sp>
+        <p:nvSpPr>
+          <p:cNvPr id="2" name="Title 1">
+            <a:extLst>
+              <a:ext uri="{FF2B5EF4-FFF2-40B4-BE49-F238E27FC236}">
+                <a16:creationId xmlns:a16="http://schemas.microsoft.com/office/drawing/2014/main" id="{C196C949-19D5-CD44-BB4D-8A1C472E9906}"/>
+              </a:ext>
+            </a:extLst>
+          </p:cNvPr>
+          <p:cNvSpPr>
+            <a:spLocks noGrp="1"/>
+          </p:cNvSpPr>
+          <p:nvPr>
+            <p:ph type="title"/>
+          </p:nvPr>
+        </p:nvSpPr>
+        <p:spPr>
+          <a:xfrm>
+            <a:off x="0" y="2364407"/>
+            <a:ext cx="12191999" cy="2378075"/>
+          </a:xfrm>
+        </p:spPr>
+        <p:txBody>
+          <a:bodyPr>
+            <a:normAutofit/>
+          </a:bodyPr>
+          <a:lstStyle/>
+          <a:p>
+            <a:pPr algn="ctr"/>
+            <a:r>
+              <a:rPr lang="en-US" sz="8000" b="1" dirty="0"/>
+              <a:t>Solution!</a:t>
+            </a:r>
+          </a:p>
+        </p:txBody>
+      </p:sp>
+      <p:sp>
+        <p:nvSpPr>
+          <p:cNvPr id="3" name="Rectangle 2">
+            <a:extLst>
+              <a:ext uri="{FF2B5EF4-FFF2-40B4-BE49-F238E27FC236}">
+                <a16:creationId xmlns:a16="http://schemas.microsoft.com/office/drawing/2014/main" id="{1495ED36-78CD-3D42-9C71-DA945EA98247}"/>
+              </a:ext>
+            </a:extLst>
+          </p:cNvPr>
+          <p:cNvSpPr/>
+          <p:nvPr/>
+        </p:nvSpPr>
+        <p:spPr>
+          <a:xfrm>
+            <a:off x="0" y="4236226"/>
+            <a:ext cx="12191999" cy="707886"/>
+          </a:xfrm>
+          <a:prstGeom prst="rect">
+            <a:avLst/>
+          </a:prstGeom>
+        </p:spPr>
+        <p:txBody>
+          <a:bodyPr wrap="square">
+            <a:spAutoFit/>
+          </a:bodyPr>
+          <a:lstStyle/>
+          <a:p>
+            <a:pPr algn="ctr"/>
+            <a:r>
+              <a:rPr lang="en-US" sz="4000" dirty="0">
+                <a:latin typeface="Open Sans Hebrew" pitchFamily="2" charset="-79"/>
+                <a:cs typeface="Open Sans Hebrew" pitchFamily="2" charset="-79"/>
+              </a:rPr>
+              <a:t>One Database</a:t>
+            </a:r>
+          </a:p>
+        </p:txBody>
+      </p:sp>
+    </p:spTree>
+    <p:extLst>
+      <p:ext uri="{BB962C8B-B14F-4D97-AF65-F5344CB8AC3E}">
+        <p14:creationId xmlns:p14="http://schemas.microsoft.com/office/powerpoint/2010/main" val="795710092"/>
+      </p:ext>
+    </p:extLst>
+  </p:cSld>
+  <p:clrMapOvr>
+    <a:masterClrMapping/>
+  </p:clrMapOvr>
+</p:sld>
+</file>
+
+<file path=ppt/slides/slide24.xml><?xml version="1.0" encoding="utf-8"?>
 <p:sld xmlns:a="http://schemas.openxmlformats.org/drawingml/2006/main" xmlns:r="http://schemas.openxmlformats.org/officeDocument/2006/relationships" xmlns:p="http://schemas.openxmlformats.org/presentationml/2006/main">
   <p:cSld>
     <p:spTree>
@@ -15235,7 +15305,7 @@
 </p:sld>
 </file>
 
-<file path=ppt/slides/slide24.xml><?xml version="1.0" encoding="utf-8"?>
+<file path=ppt/slides/slide25.xml><?xml version="1.0" encoding="utf-8"?>
 <p:sld xmlns:a="http://schemas.openxmlformats.org/drawingml/2006/main" xmlns:r="http://schemas.openxmlformats.org/officeDocument/2006/relationships" xmlns:p="http://schemas.openxmlformats.org/presentationml/2006/main">
   <p:cSld>
     <p:spTree>
@@ -15254,7 +15324,13 @@
       </p:grpSpPr>
       <p:pic>
         <p:nvPicPr>
-          <p:cNvPr id="6" name="Picture 5"/>
+          <p:cNvPr id="20" name="Picture 19">
+            <a:extLst>
+              <a:ext uri="{FF2B5EF4-FFF2-40B4-BE49-F238E27FC236}">
+                <a16:creationId xmlns:a16="http://schemas.microsoft.com/office/drawing/2014/main" id="{3656ED50-FE09-AC44-8ED2-D2C5DABC39F5}"/>
+              </a:ext>
+            </a:extLst>
+          </p:cNvPr>
           <p:cNvPicPr>
             <a:picLocks noChangeAspect="1"/>
           </p:cNvPicPr>
@@ -15286,7 +15362,7 @@
         </p:blipFill>
         <p:spPr>
           <a:xfrm>
-            <a:off x="9308789" y="2052920"/>
+            <a:off x="9701877" y="2084771"/>
             <a:ext cx="2686724" cy="2639663"/>
           </a:xfrm>
           <a:prstGeom prst="rect">
@@ -15308,7 +15384,7 @@
         </p:nvGrpSpPr>
         <p:grpSpPr>
           <a:xfrm>
-            <a:off x="7505220" y="2907422"/>
+            <a:off x="7911004" y="2873050"/>
             <a:ext cx="1614303" cy="930658"/>
             <a:chOff x="7125209" y="3479470"/>
             <a:chExt cx="1614303" cy="930658"/>
@@ -15800,7 +15876,7 @@
         </p:nvSpPr>
         <p:spPr>
           <a:xfrm>
-            <a:off x="9845112" y="2360765"/>
+            <a:off x="10238200" y="2361968"/>
             <a:ext cx="1614078" cy="461665"/>
           </a:xfrm>
           <a:prstGeom prst="rect">
@@ -15836,7 +15912,7 @@
 </p:sld>
 </file>
 
-<file path=ppt/slides/slide25.xml><?xml version="1.0" encoding="utf-8"?>
+<file path=ppt/slides/slide26.xml><?xml version="1.0" encoding="utf-8"?>
 <p:sld xmlns:a="http://schemas.openxmlformats.org/drawingml/2006/main" xmlns:r="http://schemas.openxmlformats.org/officeDocument/2006/relationships" xmlns:p="http://schemas.openxmlformats.org/presentationml/2006/main">
   <p:cSld>
     <p:spTree>
@@ -15901,33 +15977,35 @@
         </p:nvSpPr>
         <p:spPr/>
         <p:txBody>
-          <a:bodyPr/>
+          <a:bodyPr>
+            <a:normAutofit/>
+          </a:bodyPr>
           <a:lstStyle/>
           <a:p>
             <a:r>
-              <a:rPr lang="en-US" dirty="0"/>
+              <a:rPr lang="en-US" sz="3200" dirty="0"/>
               <a:t>Customized Transition-related logic</a:t>
             </a:r>
           </a:p>
           <a:p>
-            <a:endParaRPr lang="en-US" dirty="0"/>
+            <a:endParaRPr lang="en-US" sz="3200" dirty="0"/>
           </a:p>
           <a:p>
             <a:r>
-              <a:rPr lang="en-US" dirty="0"/>
+              <a:rPr lang="en-US" sz="3200" dirty="0"/>
               <a:t>You(=team/org) suck at Ops, great at Dev</a:t>
             </a:r>
           </a:p>
           <a:p>
-            <a:endParaRPr lang="en-US" dirty="0"/>
+            <a:endParaRPr lang="en-US" sz="3200" dirty="0"/>
           </a:p>
           <a:p>
             <a:r>
-              <a:rPr lang="en-US" dirty="0"/>
+              <a:rPr lang="en-US" sz="3200" dirty="0"/>
               <a:t>Less Computing Resources</a:t>
             </a:r>
             <a:r>
-              <a:rPr lang="en-US" dirty="0">
+              <a:rPr lang="en-US" sz="3200" dirty="0">
                 <a:solidFill>
                   <a:srgbClr val="FF0000"/>
                 </a:solidFill>
@@ -15935,20 +16013,20 @@
               <a:t> – </a:t>
             </a:r>
             <a:r>
-              <a:rPr lang="en-US" i="1" dirty="0">
+              <a:rPr lang="en-US" sz="3200" i="1" dirty="0">
                 <a:solidFill>
                   <a:srgbClr val="FF0000"/>
                 </a:solidFill>
               </a:rPr>
               <a:t>Bad motivation, it’s cheap</a:t>
             </a:r>
-            <a:endParaRPr lang="en-US" i="1" dirty="0"/>
+            <a:endParaRPr lang="en-US" sz="3200" i="1" dirty="0"/>
           </a:p>
           <a:p>
             <a:pPr marL="0" indent="0">
               <a:buNone/>
             </a:pPr>
-            <a:endParaRPr lang="en-US" dirty="0"/>
+            <a:endParaRPr lang="en-US" sz="3200" dirty="0"/>
           </a:p>
         </p:txBody>
       </p:sp>
@@ -15965,7 +16043,7 @@
 </p:sld>
 </file>
 
-<file path=ppt/slides/slide26.xml><?xml version="1.0" encoding="utf-8"?>
+<file path=ppt/slides/slide27.xml><?xml version="1.0" encoding="utf-8"?>
 <p:sld xmlns:a="http://schemas.openxmlformats.org/drawingml/2006/main" xmlns:r="http://schemas.openxmlformats.org/officeDocument/2006/relationships" xmlns:p="http://schemas.openxmlformats.org/presentationml/2006/main">
   <p:cSld>
     <p:spTree>
@@ -16484,7 +16562,10 @@
           <a:p>
             <a:pPr algn="ctr"/>
             <a:r>
-              <a:rPr lang="en-US" sz="3600" b="1" dirty="0"/>
+              <a:rPr lang="en-US" sz="3600" b="1" dirty="0">
+                <a:latin typeface="Open Sans Hebrew" pitchFamily="2" charset="-79"/>
+                <a:cs typeface="Open Sans Hebrew" pitchFamily="2" charset="-79"/>
+              </a:rPr>
               <a:t>Blue Behavior</a:t>
             </a:r>
           </a:p>
@@ -16541,7 +16622,10 @@
           <a:p>
             <a:pPr algn="ctr"/>
             <a:r>
-              <a:rPr lang="en-US" sz="3600" b="1" dirty="0"/>
+              <a:rPr lang="en-US" sz="3600" b="1" dirty="0">
+                <a:latin typeface="Open Sans Hebrew" pitchFamily="2" charset="-79"/>
+                <a:cs typeface="Open Sans Hebrew" pitchFamily="2" charset="-79"/>
+              </a:rPr>
               <a:t>Green Behavior</a:t>
             </a:r>
           </a:p>
@@ -16598,7 +16682,10 @@
           <a:p>
             <a:pPr algn="ctr"/>
             <a:r>
-              <a:rPr lang="en-US" sz="3600" b="1" dirty="0"/>
+              <a:rPr lang="en-US" sz="3600" b="1" dirty="0">
+                <a:latin typeface="Open Sans Hebrew" pitchFamily="2" charset="-79"/>
+                <a:cs typeface="Open Sans Hebrew" pitchFamily="2" charset="-79"/>
+              </a:rPr>
               <a:t>Router</a:t>
             </a:r>
           </a:p>
@@ -16714,7 +16801,10 @@
           <a:p>
             <a:pPr algn="ctr"/>
             <a:r>
-              <a:rPr lang="en-US" sz="3600" b="1" dirty="0"/>
+              <a:rPr lang="en-US" sz="3600" b="1" dirty="0">
+                <a:latin typeface="Open Sans Hebrew" pitchFamily="2" charset="-79"/>
+                <a:cs typeface="Open Sans Hebrew" pitchFamily="2" charset="-79"/>
+              </a:rPr>
               <a:t>Switch</a:t>
             </a:r>
           </a:p>
@@ -17373,159 +17463,6 @@
 </p:sld>
 </file>
 
-<file path=ppt/slides/slide27.xml><?xml version="1.0" encoding="utf-8"?>
-<p:sld xmlns:a="http://schemas.openxmlformats.org/drawingml/2006/main" xmlns:r="http://schemas.openxmlformats.org/officeDocument/2006/relationships" xmlns:p="http://schemas.openxmlformats.org/presentationml/2006/main">
-  <p:cSld>
-    <p:spTree>
-      <p:nvGrpSpPr>
-        <p:cNvPr id="1" name=""/>
-        <p:cNvGrpSpPr/>
-        <p:nvPr/>
-      </p:nvGrpSpPr>
-      <p:grpSpPr>
-        <a:xfrm>
-          <a:off x="0" y="0"/>
-          <a:ext cx="0" cy="0"/>
-          <a:chOff x="0" y="0"/>
-          <a:chExt cx="0" cy="0"/>
-        </a:xfrm>
-      </p:grpSpPr>
-      <p:sp>
-        <p:nvSpPr>
-          <p:cNvPr id="2" name="Title 1">
-            <a:extLst>
-              <a:ext uri="{FF2B5EF4-FFF2-40B4-BE49-F238E27FC236}">
-                <a16:creationId xmlns:a16="http://schemas.microsoft.com/office/drawing/2014/main" id="{7B0AE009-526E-C943-83FB-19F2E00BADC7}"/>
-              </a:ext>
-            </a:extLst>
-          </p:cNvPr>
-          <p:cNvSpPr>
-            <a:spLocks noGrp="1"/>
-          </p:cNvSpPr>
-          <p:nvPr>
-            <p:ph type="title"/>
-          </p:nvPr>
-        </p:nvSpPr>
-        <p:spPr/>
-        <p:txBody>
-          <a:bodyPr/>
-          <a:lstStyle/>
-          <a:p>
-            <a:r>
-              <a:rPr lang="en-US" dirty="0"/>
-              <a:t>Switch</a:t>
-            </a:r>
-          </a:p>
-        </p:txBody>
-      </p:sp>
-      <p:sp>
-        <p:nvSpPr>
-          <p:cNvPr id="7" name="Content Placeholder 2">
-            <a:extLst>
-              <a:ext uri="{FF2B5EF4-FFF2-40B4-BE49-F238E27FC236}">
-                <a16:creationId xmlns:a16="http://schemas.microsoft.com/office/drawing/2014/main" id="{C21FDD58-CC6D-304B-923B-D00E68CF0779}"/>
-              </a:ext>
-            </a:extLst>
-          </p:cNvPr>
-          <p:cNvSpPr>
-            <a:spLocks noGrp="1"/>
-          </p:cNvSpPr>
-          <p:nvPr>
-            <p:ph idx="1"/>
-          </p:nvPr>
-        </p:nvSpPr>
-        <p:spPr>
-          <a:xfrm>
-            <a:off x="838200" y="1825625"/>
-            <a:ext cx="10515600" cy="4351338"/>
-          </a:xfrm>
-        </p:spPr>
-        <p:txBody>
-          <a:bodyPr>
-            <a:normAutofit/>
-          </a:bodyPr>
-          <a:lstStyle/>
-          <a:p>
-            <a:r>
-              <a:rPr lang="en-US" dirty="0"/>
-              <a:t>Inspect Applied Migrations:</a:t>
-            </a:r>
-          </a:p>
-          <a:p>
-            <a:endParaRPr lang="en-US" dirty="0"/>
-          </a:p>
-          <a:p>
-            <a:endParaRPr lang="en-US" dirty="0"/>
-          </a:p>
-          <a:p>
-            <a:r>
-              <a:rPr lang="en-US" dirty="0"/>
-              <a:t>Flip Switch Manually:</a:t>
-            </a:r>
-          </a:p>
-          <a:p>
-            <a:pPr lvl="1"/>
-            <a:r>
-              <a:rPr lang="en-US" dirty="0"/>
-              <a:t>Feature Flipper (Django-Waffle)</a:t>
-            </a:r>
-          </a:p>
-          <a:p>
-            <a:pPr lvl="1"/>
-            <a:r>
-              <a:rPr lang="en-US" dirty="0"/>
-              <a:t>Your own Model</a:t>
-            </a:r>
-          </a:p>
-        </p:txBody>
-      </p:sp>
-      <p:pic>
-        <p:nvPicPr>
-          <p:cNvPr id="6" name="Content Placeholder 3">
-            <a:extLst>
-              <a:ext uri="{FF2B5EF4-FFF2-40B4-BE49-F238E27FC236}">
-                <a16:creationId xmlns:a16="http://schemas.microsoft.com/office/drawing/2014/main" id="{161A4B6D-E6C2-0D4F-B524-9E7BCC87C28F}"/>
-              </a:ext>
-            </a:extLst>
-          </p:cNvPr>
-          <p:cNvPicPr>
-            <a:picLocks noChangeAspect="1"/>
-          </p:cNvPicPr>
-          <p:nvPr/>
-        </p:nvPicPr>
-        <p:blipFill rotWithShape="1">
-          <a:blip r:embed="rId2"/>
-          <a:srcRect l="49424" t="498" r="15559" b="94440"/>
-          <a:stretch/>
-        </p:blipFill>
-        <p:spPr>
-          <a:xfrm>
-            <a:off x="1549831" y="2805193"/>
-            <a:ext cx="7463790" cy="619932"/>
-          </a:xfrm>
-          <a:prstGeom prst="rect">
-            <a:avLst/>
-          </a:prstGeom>
-          <a:ln>
-            <a:solidFill>
-              <a:schemeClr val="accent1"/>
-            </a:solidFill>
-          </a:ln>
-        </p:spPr>
-      </p:pic>
-    </p:spTree>
-    <p:extLst>
-      <p:ext uri="{BB962C8B-B14F-4D97-AF65-F5344CB8AC3E}">
-        <p14:creationId xmlns:p14="http://schemas.microsoft.com/office/powerpoint/2010/main" val="100352367"/>
-      </p:ext>
-    </p:extLst>
-  </p:cSld>
-  <p:clrMapOvr>
-    <a:masterClrMapping/>
-  </p:clrMapOvr>
-</p:sld>
-</file>
-
 <file path=ppt/slides/slide28.xml><?xml version="1.0" encoding="utf-8"?>
 <p:sld xmlns:a="http://schemas.openxmlformats.org/drawingml/2006/main" xmlns:r="http://schemas.openxmlformats.org/officeDocument/2006/relationships" xmlns:p="http://schemas.openxmlformats.org/presentationml/2006/main">
   <p:cSld>
@@ -17545,10 +17482,10 @@
       </p:grpSpPr>
       <p:sp>
         <p:nvSpPr>
-          <p:cNvPr id="2" name="Title 1">
+          <p:cNvPr id="5" name="Title 1">
             <a:extLst>
               <a:ext uri="{FF2B5EF4-FFF2-40B4-BE49-F238E27FC236}">
-                <a16:creationId xmlns:a16="http://schemas.microsoft.com/office/drawing/2014/main" id="{7B0AE009-526E-C943-83FB-19F2E00BADC7}"/>
+                <a16:creationId xmlns:a16="http://schemas.microsoft.com/office/drawing/2014/main" id="{229558FE-D94F-5E4D-9947-6605E292D328}"/>
               </a:ext>
             </a:extLst>
           </p:cNvPr>
@@ -17559,52 +17496,28 @@
             <p:ph type="title"/>
           </p:nvPr>
         </p:nvSpPr>
-        <p:spPr/>
+        <p:spPr>
+          <a:xfrm>
+            <a:off x="753533" y="2549525"/>
+            <a:ext cx="10515600" cy="1325563"/>
+          </a:xfrm>
+        </p:spPr>
         <p:txBody>
           <a:bodyPr/>
           <a:lstStyle/>
           <a:p>
+            <a:pPr algn="ctr"/>
             <a:r>
               <a:rPr lang="en-US" dirty="0"/>
-              <a:t>Routing + Behavior</a:t>
+              <a:t>Walk Through</a:t>
             </a:r>
           </a:p>
         </p:txBody>
       </p:sp>
-      <p:pic>
-        <p:nvPicPr>
-          <p:cNvPr id="4" name="Picture 3">
-            <a:extLst>
-              <a:ext uri="{FF2B5EF4-FFF2-40B4-BE49-F238E27FC236}">
-                <a16:creationId xmlns:a16="http://schemas.microsoft.com/office/drawing/2014/main" id="{500D2E04-960B-8C42-A54D-CCCDBBA561AA}"/>
-              </a:ext>
-            </a:extLst>
-          </p:cNvPr>
-          <p:cNvPicPr>
-            <a:picLocks noChangeAspect="1"/>
-          </p:cNvPicPr>
-          <p:nvPr/>
-        </p:nvPicPr>
-        <p:blipFill>
-          <a:blip r:embed="rId2"/>
-          <a:stretch>
-            <a:fillRect/>
-          </a:stretch>
-        </p:blipFill>
-        <p:spPr>
-          <a:xfrm>
-            <a:off x="838200" y="1485210"/>
-            <a:ext cx="5718628" cy="4874550"/>
-          </a:xfrm>
-          <a:prstGeom prst="rect">
-            <a:avLst/>
-          </a:prstGeom>
-        </p:spPr>
-      </p:pic>
     </p:spTree>
     <p:extLst>
       <p:ext uri="{BB962C8B-B14F-4D97-AF65-F5344CB8AC3E}">
-        <p14:creationId xmlns:p14="http://schemas.microsoft.com/office/powerpoint/2010/main" val="199645032"/>
+        <p14:creationId xmlns:p14="http://schemas.microsoft.com/office/powerpoint/2010/main" val="2008576777"/>
       </p:ext>
     </p:extLst>
   </p:cSld>
@@ -17645,22 +17558,54 @@
           </p:cNvPicPr>
           <p:nvPr/>
         </p:nvPicPr>
-        <p:blipFill>
+        <p:blipFill rotWithShape="1">
           <a:blip r:embed="rId2"/>
-          <a:stretch>
-            <a:fillRect/>
-          </a:stretch>
+          <a:srcRect l="387" r="53305"/>
+          <a:stretch/>
         </p:blipFill>
         <p:spPr>
           <a:xfrm>
-            <a:off x="932189" y="1332100"/>
-            <a:ext cx="11259811" cy="3720347"/>
+            <a:off x="6125028" y="1835828"/>
+            <a:ext cx="5214257" cy="3720347"/>
           </a:xfrm>
           <a:prstGeom prst="rect">
             <a:avLst/>
           </a:prstGeom>
         </p:spPr>
       </p:pic>
+      <p:sp>
+        <p:nvSpPr>
+          <p:cNvPr id="3" name="Title 1">
+            <a:extLst>
+              <a:ext uri="{FF2B5EF4-FFF2-40B4-BE49-F238E27FC236}">
+                <a16:creationId xmlns:a16="http://schemas.microsoft.com/office/drawing/2014/main" id="{051333B9-D35F-014D-9C7E-B3EE402D99BE}"/>
+              </a:ext>
+            </a:extLst>
+          </p:cNvPr>
+          <p:cNvSpPr>
+            <a:spLocks noGrp="1"/>
+          </p:cNvSpPr>
+          <p:nvPr>
+            <p:ph type="title"/>
+          </p:nvPr>
+        </p:nvSpPr>
+        <p:spPr>
+          <a:xfrm>
+            <a:off x="838200" y="365125"/>
+            <a:ext cx="10515600" cy="1325563"/>
+          </a:xfrm>
+        </p:spPr>
+        <p:txBody>
+          <a:bodyPr/>
+          <a:lstStyle/>
+          <a:p>
+            <a:r>
+              <a:rPr lang="en-US" dirty="0"/>
+              <a:t>Initial Project Structure</a:t>
+            </a:r>
+          </a:p>
+        </p:txBody>
+      </p:sp>
     </p:spTree>
     <p:extLst>
       <p:ext uri="{BB962C8B-B14F-4D97-AF65-F5344CB8AC3E}">
@@ -18171,7 +18116,7 @@
         </p:blipFill>
         <p:spPr>
           <a:xfrm>
-            <a:off x="341607" y="1921791"/>
+            <a:off x="6100519" y="1887924"/>
             <a:ext cx="5253281" cy="2588217"/>
           </a:xfrm>
           <a:prstGeom prst="rect">
@@ -18179,6 +18124,145 @@
           </a:prstGeom>
         </p:spPr>
       </p:pic>
+      <p:grpSp>
+        <p:nvGrpSpPr>
+          <p:cNvPr id="4" name="Group 3">
+            <a:extLst>
+              <a:ext uri="{FF2B5EF4-FFF2-40B4-BE49-F238E27FC236}">
+                <a16:creationId xmlns:a16="http://schemas.microsoft.com/office/drawing/2014/main" id="{A809D798-D960-094C-8C39-C908CF871D84}"/>
+              </a:ext>
+            </a:extLst>
+          </p:cNvPr>
+          <p:cNvGrpSpPr/>
+          <p:nvPr/>
+        </p:nvGrpSpPr>
+        <p:grpSpPr>
+          <a:xfrm>
+            <a:off x="-100021" y="3701226"/>
+            <a:ext cx="6493001" cy="774915"/>
+            <a:chOff x="-1693121" y="1568789"/>
+            <a:chExt cx="6493001" cy="774915"/>
+          </a:xfrm>
+        </p:grpSpPr>
+        <p:sp>
+          <p:nvSpPr>
+            <p:cNvPr id="5" name="TextBox 4">
+              <a:extLst>
+                <a:ext uri="{FF2B5EF4-FFF2-40B4-BE49-F238E27FC236}">
+                  <a16:creationId xmlns:a16="http://schemas.microsoft.com/office/drawing/2014/main" id="{45406DB1-3980-854E-8023-354FDC155F32}"/>
+                </a:ext>
+              </a:extLst>
+            </p:cNvPr>
+            <p:cNvSpPr txBox="1"/>
+            <p:nvPr/>
+          </p:nvSpPr>
+          <p:spPr>
+            <a:xfrm>
+              <a:off x="-1693121" y="1694636"/>
+              <a:ext cx="4058403" cy="523220"/>
+            </a:xfrm>
+            <a:prstGeom prst="rect">
+              <a:avLst/>
+            </a:prstGeom>
+            <a:noFill/>
+          </p:spPr>
+          <p:txBody>
+            <a:bodyPr wrap="square" rtlCol="0">
+              <a:spAutoFit/>
+            </a:bodyPr>
+            <a:lstStyle/>
+            <a:p>
+              <a:pPr algn="r"/>
+              <a:r>
+                <a:rPr lang="en-US" sz="2800" b="1" dirty="0">
+                  <a:latin typeface="Open Sans Hebrew" pitchFamily="2" charset="-79"/>
+                  <a:cs typeface="Open Sans Hebrew" pitchFamily="2" charset="-79"/>
+                </a:rPr>
+                <a:t>Add Routing App</a:t>
+              </a:r>
+            </a:p>
+          </p:txBody>
+        </p:sp>
+        <p:sp>
+          <p:nvSpPr>
+            <p:cNvPr id="7" name="Right Arrow 6">
+              <a:extLst>
+                <a:ext uri="{FF2B5EF4-FFF2-40B4-BE49-F238E27FC236}">
+                  <a16:creationId xmlns:a16="http://schemas.microsoft.com/office/drawing/2014/main" id="{9C46528B-7443-5C49-8F29-8976D29509E4}"/>
+                </a:ext>
+              </a:extLst>
+            </p:cNvPr>
+            <p:cNvSpPr/>
+            <p:nvPr/>
+          </p:nvSpPr>
+          <p:spPr>
+            <a:xfrm>
+              <a:off x="2599121" y="1568789"/>
+              <a:ext cx="2200759" cy="774915"/>
+            </a:xfrm>
+            <a:prstGeom prst="rightArrow">
+              <a:avLst/>
+            </a:prstGeom>
+          </p:spPr>
+          <p:style>
+            <a:lnRef idx="2">
+              <a:schemeClr val="accent2">
+                <a:shade val="50000"/>
+              </a:schemeClr>
+            </a:lnRef>
+            <a:fillRef idx="1">
+              <a:schemeClr val="accent2"/>
+            </a:fillRef>
+            <a:effectRef idx="0">
+              <a:schemeClr val="accent2"/>
+            </a:effectRef>
+            <a:fontRef idx="minor">
+              <a:schemeClr val="lt1"/>
+            </a:fontRef>
+          </p:style>
+          <p:txBody>
+            <a:bodyPr rtlCol="0" anchor="ctr"/>
+            <a:lstStyle/>
+            <a:p>
+              <a:pPr algn="ctr"/>
+              <a:endParaRPr lang="en-US"/>
+            </a:p>
+          </p:txBody>
+        </p:sp>
+      </p:grpSp>
+      <p:sp>
+        <p:nvSpPr>
+          <p:cNvPr id="9" name="Title 1">
+            <a:extLst>
+              <a:ext uri="{FF2B5EF4-FFF2-40B4-BE49-F238E27FC236}">
+                <a16:creationId xmlns:a16="http://schemas.microsoft.com/office/drawing/2014/main" id="{3550BB24-1D41-D445-9518-D9FEF7366A63}"/>
+              </a:ext>
+            </a:extLst>
+          </p:cNvPr>
+          <p:cNvSpPr>
+            <a:spLocks noGrp="1"/>
+          </p:cNvSpPr>
+          <p:nvPr>
+            <p:ph type="title"/>
+          </p:nvPr>
+        </p:nvSpPr>
+        <p:spPr>
+          <a:xfrm>
+            <a:off x="838200" y="365125"/>
+            <a:ext cx="10515600" cy="1325563"/>
+          </a:xfrm>
+        </p:spPr>
+        <p:txBody>
+          <a:bodyPr/>
+          <a:lstStyle/>
+          <a:p>
+            <a:r>
+              <a:rPr lang="en-US" dirty="0"/>
+              <a:t>Add Routing App</a:t>
+            </a:r>
+          </a:p>
+        </p:txBody>
+      </p:sp>
     </p:spTree>
     <p:extLst>
       <p:ext uri="{BB962C8B-B14F-4D97-AF65-F5344CB8AC3E}">
@@ -18209,12 +18293,44 @@
           <a:chExt cx="0" cy="0"/>
         </a:xfrm>
       </p:grpSpPr>
+      <p:pic>
+        <p:nvPicPr>
+          <p:cNvPr id="6" name="Picture">
+            <a:extLst>
+              <a:ext uri="{FF2B5EF4-FFF2-40B4-BE49-F238E27FC236}">
+                <a16:creationId xmlns:a16="http://schemas.microsoft.com/office/drawing/2014/main" id="{B5BE3016-5C6B-7C40-86A6-B874E6D456D1}"/>
+              </a:ext>
+            </a:extLst>
+          </p:cNvPr>
+          <p:cNvPicPr>
+            <a:picLocks noChangeAspect="1"/>
+          </p:cNvPicPr>
+          <p:nvPr/>
+        </p:nvPicPr>
+        <p:blipFill>
+          <a:blip r:embed="rId2">
+            <a:alphaModFix/>
+          </a:blip>
+          <a:stretch>
+            <a:fillRect/>
+          </a:stretch>
+        </p:blipFill>
+        <p:spPr>
+          <a:xfrm>
+            <a:off x="4211666" y="30454"/>
+            <a:ext cx="8540629" cy="6793682"/>
+          </a:xfrm>
+          <a:prstGeom prst="rect">
+            <a:avLst/>
+          </a:prstGeom>
+        </p:spPr>
+      </p:pic>
       <p:grpSp>
         <p:nvGrpSpPr>
-          <p:cNvPr id="5" name="Green">
+          <p:cNvPr id="2" name="Green">
             <a:extLst>
               <a:ext uri="{FF2B5EF4-FFF2-40B4-BE49-F238E27FC236}">
-                <a16:creationId xmlns:a16="http://schemas.microsoft.com/office/drawing/2014/main" id="{930DDF47-559D-3243-B334-5A6490C0D697}"/>
+                <a16:creationId xmlns:a16="http://schemas.microsoft.com/office/drawing/2014/main" id="{E351A365-41E4-D342-B6C1-AB3B05C6CE43}"/>
               </a:ext>
             </a:extLst>
           </p:cNvPr>
@@ -18223,244 +18339,18 @@
         </p:nvGrpSpPr>
         <p:grpSpPr>
           <a:xfrm>
-            <a:off x="447657" y="64320"/>
-            <a:ext cx="11156559" cy="6082768"/>
-            <a:chOff x="447657" y="369118"/>
-            <a:chExt cx="11156559" cy="6082768"/>
+            <a:off x="433303" y="3039837"/>
+            <a:ext cx="6493001" cy="895288"/>
+            <a:chOff x="372748" y="3023045"/>
+            <a:chExt cx="6493001" cy="895288"/>
           </a:xfrm>
         </p:grpSpPr>
-        <p:pic>
-          <p:nvPicPr>
-            <p:cNvPr id="4" name="Picture 3">
+        <p:sp>
+          <p:nvSpPr>
+            <p:cNvPr id="7" name="Right Arrow 6">
               <a:extLst>
                 <a:ext uri="{FF2B5EF4-FFF2-40B4-BE49-F238E27FC236}">
-                  <a16:creationId xmlns:a16="http://schemas.microsoft.com/office/drawing/2014/main" id="{7EB742C9-6387-7E4D-B50C-B6EDC75E1BFE}"/>
-                </a:ext>
-              </a:extLst>
-            </p:cNvPr>
-            <p:cNvPicPr>
-              <a:picLocks noChangeAspect="1"/>
-            </p:cNvPicPr>
-            <p:nvPr/>
-          </p:nvPicPr>
-          <p:blipFill rotWithShape="1">
-            <a:blip r:embed="rId2"/>
-            <a:srcRect t="1905"/>
-            <a:stretch/>
-          </p:blipFill>
-          <p:spPr>
-            <a:xfrm>
-              <a:off x="4539927" y="369118"/>
-              <a:ext cx="7064289" cy="6082768"/>
-            </a:xfrm>
-            <a:prstGeom prst="rect">
-              <a:avLst/>
-            </a:prstGeom>
-          </p:spPr>
-        </p:pic>
-        <p:grpSp>
-          <p:nvGrpSpPr>
-            <p:cNvPr id="2" name="Group 1">
-              <a:extLst>
-                <a:ext uri="{FF2B5EF4-FFF2-40B4-BE49-F238E27FC236}">
-                  <a16:creationId xmlns:a16="http://schemas.microsoft.com/office/drawing/2014/main" id="{E351A365-41E4-D342-B6C1-AB3B05C6CE43}"/>
-                </a:ext>
-              </a:extLst>
-            </p:cNvPr>
-            <p:cNvGrpSpPr/>
-            <p:nvPr/>
-          </p:nvGrpSpPr>
-          <p:grpSpPr>
-            <a:xfrm>
-              <a:off x="447657" y="2635587"/>
-              <a:ext cx="6384225" cy="774915"/>
-              <a:chOff x="481524" y="3023045"/>
-              <a:chExt cx="6384225" cy="774915"/>
-            </a:xfrm>
-          </p:grpSpPr>
-          <p:sp>
-            <p:nvSpPr>
-              <p:cNvPr id="7" name="Right Arrow 6">
-                <a:extLst>
-                  <a:ext uri="{FF2B5EF4-FFF2-40B4-BE49-F238E27FC236}">
-                    <a16:creationId xmlns:a16="http://schemas.microsoft.com/office/drawing/2014/main" id="{54CA757A-E2C8-2C42-9A4D-5A48E81978CA}"/>
-                  </a:ext>
-                </a:extLst>
-              </p:cNvPr>
-              <p:cNvSpPr/>
-              <p:nvPr/>
-            </p:nvSpPr>
-            <p:spPr>
-              <a:xfrm>
-                <a:off x="4664990" y="3023045"/>
-                <a:ext cx="2200759" cy="774915"/>
-              </a:xfrm>
-              <a:prstGeom prst="rightArrow">
-                <a:avLst/>
-              </a:prstGeom>
-            </p:spPr>
-            <p:style>
-              <a:lnRef idx="2">
-                <a:schemeClr val="accent2">
-                  <a:shade val="50000"/>
-                </a:schemeClr>
-              </a:lnRef>
-              <a:fillRef idx="1">
-                <a:schemeClr val="accent2"/>
-              </a:fillRef>
-              <a:effectRef idx="0">
-                <a:schemeClr val="accent2"/>
-              </a:effectRef>
-              <a:fontRef idx="minor">
-                <a:schemeClr val="lt1"/>
-              </a:fontRef>
-            </p:style>
-            <p:txBody>
-              <a:bodyPr rtlCol="0" anchor="ctr"/>
-              <a:lstStyle/>
-              <a:p>
-                <a:pPr algn="ctr"/>
-                <a:endParaRPr lang="en-US"/>
-              </a:p>
-            </p:txBody>
-          </p:sp>
-          <p:sp>
-            <p:nvSpPr>
-              <p:cNvPr id="8" name="TextBox 7">
-                <a:extLst>
-                  <a:ext uri="{FF2B5EF4-FFF2-40B4-BE49-F238E27FC236}">
-                    <a16:creationId xmlns:a16="http://schemas.microsoft.com/office/drawing/2014/main" id="{BEF828C0-264B-824E-8D63-D90F1F9D2BC4}"/>
-                  </a:ext>
-                </a:extLst>
-              </p:cNvPr>
-              <p:cNvSpPr txBox="1"/>
-              <p:nvPr/>
-            </p:nvSpPr>
-            <p:spPr>
-              <a:xfrm>
-                <a:off x="481524" y="3148892"/>
-                <a:ext cx="4058403" cy="523220"/>
-              </a:xfrm>
-              <a:prstGeom prst="rect">
-                <a:avLst/>
-              </a:prstGeom>
-              <a:noFill/>
-            </p:spPr>
-            <p:txBody>
-              <a:bodyPr wrap="square" rtlCol="0">
-                <a:spAutoFit/>
-              </a:bodyPr>
-              <a:lstStyle/>
-              <a:p>
-                <a:pPr algn="r"/>
-                <a:r>
-                  <a:rPr lang="en-US" sz="2800" b="1" dirty="0"/>
-                  <a:t>Same as ROOT_URLCONF</a:t>
-                </a:r>
-              </a:p>
-            </p:txBody>
-          </p:sp>
-        </p:grpSp>
-      </p:grpSp>
-      <p:grpSp>
-        <p:nvGrpSpPr>
-          <p:cNvPr id="14" name="Blue">
-            <a:extLst>
-              <a:ext uri="{FF2B5EF4-FFF2-40B4-BE49-F238E27FC236}">
-                <a16:creationId xmlns:a16="http://schemas.microsoft.com/office/drawing/2014/main" id="{CE9EC66C-8C55-124E-9CAB-A9C19C9F5AA4}"/>
-              </a:ext>
-            </a:extLst>
-          </p:cNvPr>
-          <p:cNvGrpSpPr/>
-          <p:nvPr/>
-        </p:nvGrpSpPr>
-        <p:grpSpPr>
-          <a:xfrm>
-            <a:off x="542079" y="30454"/>
-            <a:ext cx="12210216" cy="6793682"/>
-            <a:chOff x="542079" y="283458"/>
-            <a:chExt cx="12210216" cy="6793682"/>
-          </a:xfrm>
-        </p:grpSpPr>
-        <p:pic>
-          <p:nvPicPr>
-            <p:cNvPr id="6" name="Content Placeholder 3">
-              <a:extLst>
-                <a:ext uri="{FF2B5EF4-FFF2-40B4-BE49-F238E27FC236}">
-                  <a16:creationId xmlns:a16="http://schemas.microsoft.com/office/drawing/2014/main" id="{B5BE3016-5C6B-7C40-86A6-B874E6D456D1}"/>
-                </a:ext>
-              </a:extLst>
-            </p:cNvPr>
-            <p:cNvPicPr>
-              <a:picLocks noChangeAspect="1"/>
-            </p:cNvPicPr>
-            <p:nvPr/>
-          </p:nvPicPr>
-          <p:blipFill>
-            <a:blip r:embed="rId3">
-              <a:alphaModFix/>
-            </a:blip>
-            <a:stretch>
-              <a:fillRect/>
-            </a:stretch>
-          </p:blipFill>
-          <p:spPr>
-            <a:xfrm>
-              <a:off x="4211666" y="283458"/>
-              <a:ext cx="8540629" cy="6793682"/>
-            </a:xfrm>
-            <a:prstGeom prst="rect">
-              <a:avLst/>
-            </a:prstGeom>
-          </p:spPr>
-        </p:pic>
-        <p:sp>
-          <p:nvSpPr>
-            <p:cNvPr id="12" name="TextBox 11">
-              <a:extLst>
-                <a:ext uri="{FF2B5EF4-FFF2-40B4-BE49-F238E27FC236}">
-                  <a16:creationId xmlns:a16="http://schemas.microsoft.com/office/drawing/2014/main" id="{B52223F1-1EEC-1B44-A03C-78BFB4CEF92F}"/>
-                </a:ext>
-              </a:extLst>
-            </p:cNvPr>
-            <p:cNvSpPr txBox="1"/>
-            <p:nvPr/>
-          </p:nvSpPr>
-          <p:spPr>
-            <a:xfrm>
-              <a:off x="542079" y="2709640"/>
-              <a:ext cx="4058403" cy="523220"/>
-            </a:xfrm>
-            <a:prstGeom prst="rect">
-              <a:avLst/>
-            </a:prstGeom>
-            <a:noFill/>
-          </p:spPr>
-          <p:txBody>
-            <a:bodyPr wrap="square" rtlCol="0">
-              <a:spAutoFit/>
-            </a:bodyPr>
-            <a:lstStyle/>
-            <a:p>
-              <a:pPr algn="r"/>
-              <a:r>
-                <a:rPr lang="en-US" sz="2800" b="1" dirty="0"/>
-                <a:t>Include </a:t>
-              </a:r>
-              <a:r>
-                <a:rPr lang="en-US" sz="2800" b="1" dirty="0" err="1"/>
-                <a:t>blue.urls</a:t>
-              </a:r>
-              <a:endParaRPr lang="en-US" sz="2800" b="1" dirty="0"/>
-            </a:p>
-          </p:txBody>
-        </p:sp>
-        <p:sp>
-          <p:nvSpPr>
-            <p:cNvPr id="13" name="Right Arrow 12">
-              <a:extLst>
-                <a:ext uri="{FF2B5EF4-FFF2-40B4-BE49-F238E27FC236}">
-                  <a16:creationId xmlns:a16="http://schemas.microsoft.com/office/drawing/2014/main" id="{8BA10F38-CB60-5A47-B824-9EA7DBBEDFB2}"/>
+                  <a16:creationId xmlns:a16="http://schemas.microsoft.com/office/drawing/2014/main" id="{54CA757A-E2C8-2C42-9A4D-5A48E81978CA}"/>
                 </a:ext>
               </a:extLst>
             </p:cNvPr>
@@ -18469,7 +18359,7 @@
           </p:nvSpPr>
           <p:spPr>
             <a:xfrm>
-              <a:off x="4834321" y="2583793"/>
+              <a:off x="4664990" y="3023045"/>
               <a:ext cx="2200759" cy="774915"/>
             </a:xfrm>
             <a:prstGeom prst="rightArrow">
@@ -18498,6 +18388,368 @@
             <a:p>
               <a:pPr algn="ctr"/>
               <a:endParaRPr lang="en-US"/>
+            </a:p>
+          </p:txBody>
+        </p:sp>
+        <p:sp>
+          <p:nvSpPr>
+            <p:cNvPr id="8" name="TextBox 7">
+              <a:extLst>
+                <a:ext uri="{FF2B5EF4-FFF2-40B4-BE49-F238E27FC236}">
+                  <a16:creationId xmlns:a16="http://schemas.microsoft.com/office/drawing/2014/main" id="{BEF828C0-264B-824E-8D63-D90F1F9D2BC4}"/>
+                </a:ext>
+              </a:extLst>
+            </p:cNvPr>
+            <p:cNvSpPr txBox="1"/>
+            <p:nvPr/>
+          </p:nvSpPr>
+          <p:spPr>
+            <a:xfrm>
+              <a:off x="372748" y="3148892"/>
+              <a:ext cx="4167179" cy="769441"/>
+            </a:xfrm>
+            <a:prstGeom prst="rect">
+              <a:avLst/>
+            </a:prstGeom>
+            <a:noFill/>
+          </p:spPr>
+          <p:txBody>
+            <a:bodyPr wrap="square" rtlCol="0">
+              <a:spAutoFit/>
+            </a:bodyPr>
+            <a:lstStyle/>
+            <a:p>
+              <a:pPr algn="r"/>
+              <a:r>
+                <a:rPr lang="en-US" sz="2400" b="1" dirty="0">
+                  <a:latin typeface="Open Sans Hebrew" pitchFamily="2" charset="-79"/>
+                  <a:cs typeface="Open Sans Hebrew" pitchFamily="2" charset="-79"/>
+                </a:rPr>
+                <a:t>Include </a:t>
+              </a:r>
+              <a:r>
+                <a:rPr lang="en-US" sz="2400" b="1" dirty="0" err="1">
+                  <a:latin typeface="Open Sans Hebrew" pitchFamily="2" charset="-79"/>
+                  <a:cs typeface="Open Sans Hebrew" pitchFamily="2" charset="-79"/>
+                </a:rPr>
+                <a:t>green.urls</a:t>
+              </a:r>
+              <a:endParaRPr lang="en-US" sz="2400" b="1" dirty="0">
+                <a:latin typeface="Open Sans Hebrew" pitchFamily="2" charset="-79"/>
+                <a:cs typeface="Open Sans Hebrew" pitchFamily="2" charset="-79"/>
+              </a:endParaRPr>
+            </a:p>
+            <a:p>
+              <a:pPr algn="r"/>
+              <a:r>
+                <a:rPr lang="en-US" sz="2000" b="1" dirty="0">
+                  <a:latin typeface="Open Sans Hebrew" pitchFamily="2" charset="-79"/>
+                  <a:cs typeface="Open Sans Hebrew" pitchFamily="2" charset="-79"/>
+                </a:rPr>
+                <a:t>(same as ROOT_URLCONF)</a:t>
+              </a:r>
+            </a:p>
+          </p:txBody>
+        </p:sp>
+      </p:grpSp>
+      <p:grpSp>
+        <p:nvGrpSpPr>
+          <p:cNvPr id="3" name="Blue">
+            <a:extLst>
+              <a:ext uri="{FF2B5EF4-FFF2-40B4-BE49-F238E27FC236}">
+                <a16:creationId xmlns:a16="http://schemas.microsoft.com/office/drawing/2014/main" id="{3F8DABC4-7E44-0E40-84AA-CDC0ECBF7CE1}"/>
+              </a:ext>
+            </a:extLst>
+          </p:cNvPr>
+          <p:cNvGrpSpPr/>
+          <p:nvPr/>
+        </p:nvGrpSpPr>
+        <p:grpSpPr>
+          <a:xfrm>
+            <a:off x="433303" y="2264922"/>
+            <a:ext cx="6493001" cy="774915"/>
+            <a:chOff x="542079" y="2330789"/>
+            <a:chExt cx="6493001" cy="774915"/>
+          </a:xfrm>
+        </p:grpSpPr>
+        <p:sp>
+          <p:nvSpPr>
+            <p:cNvPr id="12" name="TextBox 11">
+              <a:extLst>
+                <a:ext uri="{FF2B5EF4-FFF2-40B4-BE49-F238E27FC236}">
+                  <a16:creationId xmlns:a16="http://schemas.microsoft.com/office/drawing/2014/main" id="{B52223F1-1EEC-1B44-A03C-78BFB4CEF92F}"/>
+                </a:ext>
+              </a:extLst>
+            </p:cNvPr>
+            <p:cNvSpPr txBox="1"/>
+            <p:nvPr/>
+          </p:nvSpPr>
+          <p:spPr>
+            <a:xfrm>
+              <a:off x="542079" y="2456636"/>
+              <a:ext cx="4058403" cy="461665"/>
+            </a:xfrm>
+            <a:prstGeom prst="rect">
+              <a:avLst/>
+            </a:prstGeom>
+            <a:noFill/>
+          </p:spPr>
+          <p:txBody>
+            <a:bodyPr wrap="square" rtlCol="0">
+              <a:spAutoFit/>
+            </a:bodyPr>
+            <a:lstStyle/>
+            <a:p>
+              <a:pPr algn="r"/>
+              <a:r>
+                <a:rPr lang="en-US" sz="2400" b="1" dirty="0">
+                  <a:latin typeface="Open Sans Hebrew" pitchFamily="2" charset="-79"/>
+                  <a:cs typeface="Open Sans Hebrew" pitchFamily="2" charset="-79"/>
+                </a:rPr>
+                <a:t>Include </a:t>
+              </a:r>
+              <a:r>
+                <a:rPr lang="en-US" sz="2400" b="1" dirty="0" err="1">
+                  <a:latin typeface="Open Sans Hebrew" pitchFamily="2" charset="-79"/>
+                  <a:cs typeface="Open Sans Hebrew" pitchFamily="2" charset="-79"/>
+                </a:rPr>
+                <a:t>blue.urls</a:t>
+              </a:r>
+              <a:endParaRPr lang="en-US" sz="2400" b="1" dirty="0">
+                <a:latin typeface="Open Sans Hebrew" pitchFamily="2" charset="-79"/>
+                <a:cs typeface="Open Sans Hebrew" pitchFamily="2" charset="-79"/>
+              </a:endParaRPr>
+            </a:p>
+          </p:txBody>
+        </p:sp>
+        <p:sp>
+          <p:nvSpPr>
+            <p:cNvPr id="13" name="Right Arrow 12">
+              <a:extLst>
+                <a:ext uri="{FF2B5EF4-FFF2-40B4-BE49-F238E27FC236}">
+                  <a16:creationId xmlns:a16="http://schemas.microsoft.com/office/drawing/2014/main" id="{8BA10F38-CB60-5A47-B824-9EA7DBBEDFB2}"/>
+                </a:ext>
+              </a:extLst>
+            </p:cNvPr>
+            <p:cNvSpPr/>
+            <p:nvPr/>
+          </p:nvSpPr>
+          <p:spPr>
+            <a:xfrm>
+              <a:off x="4834321" y="2330789"/>
+              <a:ext cx="2200759" cy="774915"/>
+            </a:xfrm>
+            <a:prstGeom prst="rightArrow">
+              <a:avLst/>
+            </a:prstGeom>
+          </p:spPr>
+          <p:style>
+            <a:lnRef idx="2">
+              <a:schemeClr val="accent2">
+                <a:shade val="50000"/>
+              </a:schemeClr>
+            </a:lnRef>
+            <a:fillRef idx="1">
+              <a:schemeClr val="accent2"/>
+            </a:fillRef>
+            <a:effectRef idx="0">
+              <a:schemeClr val="accent2"/>
+            </a:effectRef>
+            <a:fontRef idx="minor">
+              <a:schemeClr val="lt1"/>
+            </a:fontRef>
+          </p:style>
+          <p:txBody>
+            <a:bodyPr rtlCol="0" anchor="ctr"/>
+            <a:lstStyle/>
+            <a:p>
+              <a:pPr algn="ctr"/>
+              <a:endParaRPr lang="en-US"/>
+            </a:p>
+          </p:txBody>
+        </p:sp>
+      </p:grpSp>
+      <p:sp>
+        <p:nvSpPr>
+          <p:cNvPr id="9" name="Title 1">
+            <a:extLst>
+              <a:ext uri="{FF2B5EF4-FFF2-40B4-BE49-F238E27FC236}">
+                <a16:creationId xmlns:a16="http://schemas.microsoft.com/office/drawing/2014/main" id="{809FF9CF-4A00-F243-9FB1-F3075331C9E0}"/>
+              </a:ext>
+            </a:extLst>
+          </p:cNvPr>
+          <p:cNvSpPr>
+            <a:spLocks noGrp="1"/>
+          </p:cNvSpPr>
+          <p:nvPr>
+            <p:ph type="title"/>
+          </p:nvPr>
+        </p:nvSpPr>
+        <p:spPr>
+          <a:xfrm>
+            <a:off x="838200" y="365125"/>
+            <a:ext cx="10515600" cy="1325563"/>
+          </a:xfrm>
+        </p:spPr>
+        <p:txBody>
+          <a:bodyPr/>
+          <a:lstStyle/>
+          <a:p>
+            <a:r>
+              <a:rPr lang="en-US" dirty="0"/>
+              <a:t>Router</a:t>
+            </a:r>
+          </a:p>
+        </p:txBody>
+      </p:sp>
+      <p:grpSp>
+        <p:nvGrpSpPr>
+          <p:cNvPr id="4" name="Group 3">
+            <a:extLst>
+              <a:ext uri="{FF2B5EF4-FFF2-40B4-BE49-F238E27FC236}">
+                <a16:creationId xmlns:a16="http://schemas.microsoft.com/office/drawing/2014/main" id="{699CF30A-B2F8-F543-8476-E6165E011061}"/>
+              </a:ext>
+            </a:extLst>
+          </p:cNvPr>
+          <p:cNvGrpSpPr/>
+          <p:nvPr/>
+        </p:nvGrpSpPr>
+        <p:grpSpPr>
+          <a:xfrm>
+            <a:off x="-41121" y="5425215"/>
+            <a:ext cx="6323958" cy="1105897"/>
+            <a:chOff x="-41121" y="5425215"/>
+            <a:chExt cx="6323958" cy="1105897"/>
+          </a:xfrm>
+        </p:grpSpPr>
+        <p:sp>
+          <p:nvSpPr>
+            <p:cNvPr id="10" name="Right Arrow 9">
+              <a:extLst>
+                <a:ext uri="{FF2B5EF4-FFF2-40B4-BE49-F238E27FC236}">
+                  <a16:creationId xmlns:a16="http://schemas.microsoft.com/office/drawing/2014/main" id="{DD87C493-6E67-4241-8067-C87ACA08C0A0}"/>
+                </a:ext>
+              </a:extLst>
+            </p:cNvPr>
+            <p:cNvSpPr/>
+            <p:nvPr/>
+          </p:nvSpPr>
+          <p:spPr>
+            <a:xfrm>
+              <a:off x="4082078" y="5425215"/>
+              <a:ext cx="2200759" cy="467585"/>
+            </a:xfrm>
+            <a:prstGeom prst="rightArrow">
+              <a:avLst/>
+            </a:prstGeom>
+          </p:spPr>
+          <p:style>
+            <a:lnRef idx="2">
+              <a:schemeClr val="accent2">
+                <a:shade val="50000"/>
+              </a:schemeClr>
+            </a:lnRef>
+            <a:fillRef idx="1">
+              <a:schemeClr val="accent2"/>
+            </a:fillRef>
+            <a:effectRef idx="0">
+              <a:schemeClr val="accent2"/>
+            </a:effectRef>
+            <a:fontRef idx="minor">
+              <a:schemeClr val="lt1"/>
+            </a:fontRef>
+          </p:style>
+          <p:txBody>
+            <a:bodyPr rtlCol="0" anchor="ctr"/>
+            <a:lstStyle/>
+            <a:p>
+              <a:pPr algn="ctr"/>
+              <a:endParaRPr lang="en-US"/>
+            </a:p>
+          </p:txBody>
+        </p:sp>
+        <p:sp>
+          <p:nvSpPr>
+            <p:cNvPr id="11" name="Right Arrow 10">
+              <a:extLst>
+                <a:ext uri="{FF2B5EF4-FFF2-40B4-BE49-F238E27FC236}">
+                  <a16:creationId xmlns:a16="http://schemas.microsoft.com/office/drawing/2014/main" id="{54AFB75E-581C-CC4C-81F5-493F3357106E}"/>
+                </a:ext>
+              </a:extLst>
+            </p:cNvPr>
+            <p:cNvSpPr/>
+            <p:nvPr/>
+          </p:nvSpPr>
+          <p:spPr>
+            <a:xfrm>
+              <a:off x="4082077" y="6063527"/>
+              <a:ext cx="2200759" cy="467585"/>
+            </a:xfrm>
+            <a:prstGeom prst="rightArrow">
+              <a:avLst/>
+            </a:prstGeom>
+          </p:spPr>
+          <p:style>
+            <a:lnRef idx="2">
+              <a:schemeClr val="accent2">
+                <a:shade val="50000"/>
+              </a:schemeClr>
+            </a:lnRef>
+            <a:fillRef idx="1">
+              <a:schemeClr val="accent2"/>
+            </a:fillRef>
+            <a:effectRef idx="0">
+              <a:schemeClr val="accent2"/>
+            </a:effectRef>
+            <a:fontRef idx="minor">
+              <a:schemeClr val="lt1"/>
+            </a:fontRef>
+          </p:style>
+          <p:txBody>
+            <a:bodyPr rtlCol="0" anchor="ctr"/>
+            <a:lstStyle/>
+            <a:p>
+              <a:pPr algn="ctr"/>
+              <a:endParaRPr lang="en-US"/>
+            </a:p>
+          </p:txBody>
+        </p:sp>
+        <p:sp>
+          <p:nvSpPr>
+            <p:cNvPr id="14" name="TextBox 13">
+              <a:extLst>
+                <a:ext uri="{FF2B5EF4-FFF2-40B4-BE49-F238E27FC236}">
+                  <a16:creationId xmlns:a16="http://schemas.microsoft.com/office/drawing/2014/main" id="{5BA7A8B5-3DBF-BA4C-8095-6457408CDD2D}"/>
+                </a:ext>
+              </a:extLst>
+            </p:cNvPr>
+            <p:cNvSpPr txBox="1"/>
+            <p:nvPr/>
+          </p:nvSpPr>
+          <p:spPr>
+            <a:xfrm>
+              <a:off x="-41121" y="5680950"/>
+              <a:ext cx="4058403" cy="461665"/>
+            </a:xfrm>
+            <a:prstGeom prst="rect">
+              <a:avLst/>
+            </a:prstGeom>
+            <a:noFill/>
+          </p:spPr>
+          <p:txBody>
+            <a:bodyPr wrap="square" rtlCol="0">
+              <a:spAutoFit/>
+            </a:bodyPr>
+            <a:lstStyle/>
+            <a:p>
+              <a:pPr algn="r"/>
+              <a:r>
+                <a:rPr lang="en-US" sz="2400" b="1" dirty="0">
+                  <a:latin typeface="Open Sans Hebrew" pitchFamily="2" charset="-79"/>
+                  <a:cs typeface="Open Sans Hebrew" pitchFamily="2" charset="-79"/>
+                </a:rPr>
+                <a:t>The Fun part</a:t>
+              </a:r>
             </a:p>
           </p:txBody>
         </p:sp>
@@ -18546,7 +18798,7 @@
                                           </p:stCondLst>
                                         </p:cTn>
                                         <p:tgtEl>
-                                          <p:spTgt spid="5"/>
+                                          <p:spTgt spid="2"/>
                                         </p:tgtEl>
                                         <p:attrNameLst>
                                           <p:attrName>style.visibility</p:attrName>
@@ -18582,7 +18834,88 @@
                                           </p:stCondLst>
                                         </p:cTn>
                                         <p:tgtEl>
-                                          <p:spTgt spid="14"/>
+                                          <p:spTgt spid="3"/>
+                                        </p:tgtEl>
+                                        <p:attrNameLst>
+                                          <p:attrName>style.visibility</p:attrName>
+                                        </p:attrNameLst>
+                                      </p:cBhvr>
+                                      <p:to>
+                                        <p:strVal val="visible"/>
+                                      </p:to>
+                                    </p:set>
+                                  </p:childTnLst>
+                                </p:cTn>
+                              </p:par>
+                            </p:childTnLst>
+                          </p:cTn>
+                        </p:par>
+                      </p:childTnLst>
+                    </p:cTn>
+                  </p:par>
+                  <p:par>
+                    <p:cTn id="10" fill="hold">
+                      <p:stCondLst>
+                        <p:cond delay="indefinite"/>
+                      </p:stCondLst>
+                      <p:childTnLst>
+                        <p:par>
+                          <p:cTn id="11" fill="hold">
+                            <p:stCondLst>
+                              <p:cond delay="0"/>
+                            </p:stCondLst>
+                            <p:childTnLst>
+                              <p:par>
+                                <p:cTn id="12" presetID="1" presetClass="exit" presetSubtype="0" fill="hold" nodeType="clickEffect">
+                                  <p:stCondLst>
+                                    <p:cond delay="0"/>
+                                  </p:stCondLst>
+                                  <p:childTnLst>
+                                    <p:set>
+                                      <p:cBhvr>
+                                        <p:cTn id="13" dur="1" fill="hold">
+                                          <p:stCondLst>
+                                            <p:cond delay="0"/>
+                                          </p:stCondLst>
+                                        </p:cTn>
+                                        <p:tgtEl>
+                                          <p:spTgt spid="3"/>
+                                        </p:tgtEl>
+                                        <p:attrNameLst>
+                                          <p:attrName>style.visibility</p:attrName>
+                                        </p:attrNameLst>
+                                      </p:cBhvr>
+                                      <p:to>
+                                        <p:strVal val="hidden"/>
+                                      </p:to>
+                                    </p:set>
+                                  </p:childTnLst>
+                                </p:cTn>
+                              </p:par>
+                            </p:childTnLst>
+                          </p:cTn>
+                        </p:par>
+                        <p:par>
+                          <p:cTn id="14" fill="hold">
+                            <p:stCondLst>
+                              <p:cond delay="0"/>
+                            </p:stCondLst>
+                            <p:childTnLst>
+                              <p:par>
+                                <p:cTn id="15" presetID="1" presetClass="entr" presetSubtype="0" fill="hold" nodeType="afterEffect">
+                                  <p:stCondLst>
+                                    <p:cond delay="0"/>
+                                  </p:stCondLst>
+                                  <p:childTnLst>
+                                    <p:set>
+                                      <p:cBhvr>
+                                        <p:cTn id="16" dur="1" fill="hold">
+                                          <p:stCondLst>
+                                            <p:cond delay="0"/>
+                                          </p:stCondLst>
+                                        </p:cTn>
+                                        <p:tgtEl>
+                                          <p:spTgt spid="4"/>
                                         </p:tgtEl>
                                         <p:attrNameLst>
                                           <p:attrName>style.visibility</p:attrName>
@@ -18803,6 +19136,159 @@
           <a:chExt cx="0" cy="0"/>
         </a:xfrm>
       </p:grpSpPr>
+      <p:sp>
+        <p:nvSpPr>
+          <p:cNvPr id="2" name="Title 1">
+            <a:extLst>
+              <a:ext uri="{FF2B5EF4-FFF2-40B4-BE49-F238E27FC236}">
+                <a16:creationId xmlns:a16="http://schemas.microsoft.com/office/drawing/2014/main" id="{7B0AE009-526E-C943-83FB-19F2E00BADC7}"/>
+              </a:ext>
+            </a:extLst>
+          </p:cNvPr>
+          <p:cNvSpPr>
+            <a:spLocks noGrp="1"/>
+          </p:cNvSpPr>
+          <p:nvPr>
+            <p:ph type="title"/>
+          </p:nvPr>
+        </p:nvSpPr>
+        <p:spPr/>
+        <p:txBody>
+          <a:bodyPr/>
+          <a:lstStyle/>
+          <a:p>
+            <a:r>
+              <a:rPr lang="en-US" dirty="0"/>
+              <a:t>Switch</a:t>
+            </a:r>
+          </a:p>
+        </p:txBody>
+      </p:sp>
+      <p:sp>
+        <p:nvSpPr>
+          <p:cNvPr id="7" name="Content Placeholder 2">
+            <a:extLst>
+              <a:ext uri="{FF2B5EF4-FFF2-40B4-BE49-F238E27FC236}">
+                <a16:creationId xmlns:a16="http://schemas.microsoft.com/office/drawing/2014/main" id="{C21FDD58-CC6D-304B-923B-D00E68CF0779}"/>
+              </a:ext>
+            </a:extLst>
+          </p:cNvPr>
+          <p:cNvSpPr>
+            <a:spLocks noGrp="1"/>
+          </p:cNvSpPr>
+          <p:nvPr>
+            <p:ph idx="1"/>
+          </p:nvPr>
+        </p:nvSpPr>
+        <p:spPr>
+          <a:xfrm>
+            <a:off x="838200" y="1825625"/>
+            <a:ext cx="10515600" cy="4351338"/>
+          </a:xfrm>
+        </p:spPr>
+        <p:txBody>
+          <a:bodyPr>
+            <a:normAutofit/>
+          </a:bodyPr>
+          <a:lstStyle/>
+          <a:p>
+            <a:r>
+              <a:rPr lang="en-US" dirty="0"/>
+              <a:t>Inspect Applied Migrations:</a:t>
+            </a:r>
+          </a:p>
+          <a:p>
+            <a:endParaRPr lang="en-US" dirty="0"/>
+          </a:p>
+          <a:p>
+            <a:endParaRPr lang="en-US" dirty="0"/>
+          </a:p>
+          <a:p>
+            <a:r>
+              <a:rPr lang="en-US" dirty="0"/>
+              <a:t>Flip Switch Manually:</a:t>
+            </a:r>
+          </a:p>
+          <a:p>
+            <a:pPr lvl="1"/>
+            <a:r>
+              <a:rPr lang="en-US" dirty="0"/>
+              <a:t>Feature Flipper (Django-Waffle)</a:t>
+            </a:r>
+          </a:p>
+          <a:p>
+            <a:pPr lvl="1"/>
+            <a:r>
+              <a:rPr lang="en-US" dirty="0"/>
+              <a:t>Your own Model</a:t>
+            </a:r>
+          </a:p>
+        </p:txBody>
+      </p:sp>
+      <p:pic>
+        <p:nvPicPr>
+          <p:cNvPr id="6" name="Content Placeholder 3">
+            <a:extLst>
+              <a:ext uri="{FF2B5EF4-FFF2-40B4-BE49-F238E27FC236}">
+                <a16:creationId xmlns:a16="http://schemas.microsoft.com/office/drawing/2014/main" id="{161A4B6D-E6C2-0D4F-B524-9E7BCC87C28F}"/>
+              </a:ext>
+            </a:extLst>
+          </p:cNvPr>
+          <p:cNvPicPr>
+            <a:picLocks noChangeAspect="1"/>
+          </p:cNvPicPr>
+          <p:nvPr/>
+        </p:nvPicPr>
+        <p:blipFill rotWithShape="1">
+          <a:blip r:embed="rId2"/>
+          <a:srcRect l="49424" t="498" r="15559" b="94440"/>
+          <a:stretch/>
+        </p:blipFill>
+        <p:spPr>
+          <a:xfrm>
+            <a:off x="1549831" y="2805193"/>
+            <a:ext cx="7463790" cy="619932"/>
+          </a:xfrm>
+          <a:prstGeom prst="rect">
+            <a:avLst/>
+          </a:prstGeom>
+          <a:ln>
+            <a:solidFill>
+              <a:schemeClr val="accent1"/>
+            </a:solidFill>
+          </a:ln>
+        </p:spPr>
+      </p:pic>
+    </p:spTree>
+    <p:extLst>
+      <p:ext uri="{BB962C8B-B14F-4D97-AF65-F5344CB8AC3E}">
+        <p14:creationId xmlns:p14="http://schemas.microsoft.com/office/powerpoint/2010/main" val="1895147993"/>
+      </p:ext>
+    </p:extLst>
+  </p:cSld>
+  <p:clrMapOvr>
+    <a:masterClrMapping/>
+  </p:clrMapOvr>
+</p:sld>
+</file>
+
+<file path=ppt/slides/slide34.xml><?xml version="1.0" encoding="utf-8"?>
+<p:sld xmlns:a="http://schemas.openxmlformats.org/drawingml/2006/main" xmlns:r="http://schemas.openxmlformats.org/officeDocument/2006/relationships" xmlns:p="http://schemas.openxmlformats.org/presentationml/2006/main">
+  <p:cSld>
+    <p:spTree>
+      <p:nvGrpSpPr>
+        <p:cNvPr id="1" name=""/>
+        <p:cNvGrpSpPr/>
+        <p:nvPr/>
+      </p:nvGrpSpPr>
+      <p:grpSpPr>
+        <a:xfrm>
+          <a:off x="0" y="0"/>
+          <a:ext cx="0" cy="0"/>
+          <a:chOff x="0" y="0"/>
+          <a:chExt cx="0" cy="0"/>
+        </a:xfrm>
+      </p:grpSpPr>
       <p:pic>
         <p:nvPicPr>
           <p:cNvPr id="4" name="Picture 3">
@@ -18882,7 +19368,10 @@
             <a:p>
               <a:pPr algn="r"/>
               <a:r>
-                <a:rPr lang="en-US" sz="2800" b="1" dirty="0"/>
+                <a:rPr lang="en-US" sz="2800" b="1" dirty="0">
+                  <a:latin typeface="Open Sans Hebrew" pitchFamily="2" charset="-79"/>
+                  <a:cs typeface="Open Sans Hebrew" pitchFamily="2" charset="-79"/>
+                </a:rPr>
                 <a:t>Faked</a:t>
               </a:r>
             </a:p>
@@ -18985,12 +19474,11 @@
             <a:p>
               <a:pPr algn="r"/>
               <a:r>
-                <a:rPr lang="en-US" sz="2800" b="1" dirty="0" err="1"/>
-                <a:t>db_table</a:t>
-              </a:r>
-              <a:r>
-                <a:rPr lang="en-US" sz="2800" b="1" dirty="0"/>
-                <a:t> = green_*</a:t>
+                <a:rPr lang="en-US" sz="2800" b="1" dirty="0">
+                  <a:latin typeface="Open Sans Hebrew" pitchFamily="2" charset="-79"/>
+                  <a:cs typeface="Open Sans Hebrew" pitchFamily="2" charset="-79"/>
+                </a:rPr>
+                <a:t>Point to green tables</a:t>
               </a:r>
             </a:p>
           </p:txBody>
@@ -19042,6 +19530,39 @@
           </p:txBody>
         </p:sp>
       </p:grpSp>
+      <p:sp>
+        <p:nvSpPr>
+          <p:cNvPr id="11" name="Title 1">
+            <a:extLst>
+              <a:ext uri="{FF2B5EF4-FFF2-40B4-BE49-F238E27FC236}">
+                <a16:creationId xmlns:a16="http://schemas.microsoft.com/office/drawing/2014/main" id="{D5679CB8-A3D4-374B-B73C-41058231E0EE}"/>
+              </a:ext>
+            </a:extLst>
+          </p:cNvPr>
+          <p:cNvSpPr>
+            <a:spLocks noGrp="1"/>
+          </p:cNvSpPr>
+          <p:nvPr>
+            <p:ph type="title"/>
+          </p:nvPr>
+        </p:nvSpPr>
+        <p:spPr>
+          <a:xfrm>
+            <a:off x="838200" y="365125"/>
+            <a:ext cx="3454042" cy="1325563"/>
+          </a:xfrm>
+        </p:spPr>
+        <p:txBody>
+          <a:bodyPr/>
+          <a:lstStyle/>
+          <a:p>
+            <a:r>
+              <a:rPr lang="en-US" dirty="0"/>
+              <a:t>Add Blue</a:t>
+            </a:r>
+          </a:p>
+        </p:txBody>
+      </p:sp>
     </p:spTree>
     <p:extLst>
       <p:ext uri="{BB962C8B-B14F-4D97-AF65-F5344CB8AC3E}">
@@ -19052,10 +19573,121 @@
   <p:clrMapOvr>
     <a:masterClrMapping/>
   </p:clrMapOvr>
+  <p:timing>
+    <p:tnLst>
+      <p:par>
+        <p:cTn id="1" dur="indefinite" restart="never" nodeType="tmRoot">
+          <p:childTnLst>
+            <p:seq concurrent="1" nextAc="seek">
+              <p:cTn id="2" dur="indefinite" nodeType="mainSeq">
+                <p:childTnLst>
+                  <p:par>
+                    <p:cTn id="3" fill="hold">
+                      <p:stCondLst>
+                        <p:cond delay="indefinite"/>
+                      </p:stCondLst>
+                      <p:childTnLst>
+                        <p:par>
+                          <p:cTn id="4" fill="hold">
+                            <p:stCondLst>
+                              <p:cond delay="0"/>
+                            </p:stCondLst>
+                            <p:childTnLst>
+                              <p:par>
+                                <p:cTn id="5" presetID="1" presetClass="exit" presetSubtype="0" fill="hold" nodeType="clickEffect">
+                                  <p:stCondLst>
+                                    <p:cond delay="0"/>
+                                  </p:stCondLst>
+                                  <p:childTnLst>
+                                    <p:set>
+                                      <p:cBhvr>
+                                        <p:cTn id="6" dur="1" fill="hold">
+                                          <p:stCondLst>
+                                            <p:cond delay="0"/>
+                                          </p:stCondLst>
+                                        </p:cTn>
+                                        <p:tgtEl>
+                                          <p:spTgt spid="8"/>
+                                        </p:tgtEl>
+                                        <p:attrNameLst>
+                                          <p:attrName>style.visibility</p:attrName>
+                                        </p:attrNameLst>
+                                      </p:cBhvr>
+                                      <p:to>
+                                        <p:strVal val="hidden"/>
+                                      </p:to>
+                                    </p:set>
+                                  </p:childTnLst>
+                                </p:cTn>
+                              </p:par>
+                            </p:childTnLst>
+                          </p:cTn>
+                        </p:par>
+                        <p:par>
+                          <p:cTn id="7" fill="hold">
+                            <p:stCondLst>
+                              <p:cond delay="0"/>
+                            </p:stCondLst>
+                            <p:childTnLst>
+                              <p:par>
+                                <p:cTn id="8" presetID="1" presetClass="entr" presetSubtype="0" fill="hold" nodeType="afterEffect">
+                                  <p:stCondLst>
+                                    <p:cond delay="0"/>
+                                  </p:stCondLst>
+                                  <p:childTnLst>
+                                    <p:set>
+                                      <p:cBhvr>
+                                        <p:cTn id="9" dur="1" fill="hold">
+                                          <p:stCondLst>
+                                            <p:cond delay="0"/>
+                                          </p:stCondLst>
+                                        </p:cTn>
+                                        <p:tgtEl>
+                                          <p:spTgt spid="7"/>
+                                        </p:tgtEl>
+                                        <p:attrNameLst>
+                                          <p:attrName>style.visibility</p:attrName>
+                                        </p:attrNameLst>
+                                      </p:cBhvr>
+                                      <p:to>
+                                        <p:strVal val="visible"/>
+                                      </p:to>
+                                    </p:set>
+                                  </p:childTnLst>
+                                </p:cTn>
+                              </p:par>
+                            </p:childTnLst>
+                          </p:cTn>
+                        </p:par>
+                      </p:childTnLst>
+                    </p:cTn>
+                  </p:par>
+                </p:childTnLst>
+              </p:cTn>
+              <p:prevCondLst>
+                <p:cond evt="onPrev" delay="0">
+                  <p:tgtEl>
+                    <p:sldTgt/>
+                  </p:tgtEl>
+                </p:cond>
+              </p:prevCondLst>
+              <p:nextCondLst>
+                <p:cond evt="onNext" delay="0">
+                  <p:tgtEl>
+                    <p:sldTgt/>
+                  </p:tgtEl>
+                </p:cond>
+              </p:nextCondLst>
+            </p:seq>
+          </p:childTnLst>
+        </p:cTn>
+      </p:par>
+    </p:tnLst>
+  </p:timing>
 </p:sld>
 </file>
 
-<file path=ppt/slides/slide34.xml><?xml version="1.0" encoding="utf-8"?>
+<file path=ppt/slides/slide35.xml><?xml version="1.0" encoding="utf-8"?>
 <p:sld xmlns:a="http://schemas.openxmlformats.org/drawingml/2006/main" xmlns:r="http://schemas.openxmlformats.org/officeDocument/2006/relationships" xmlns:p="http://schemas.openxmlformats.org/presentationml/2006/main">
   <p:cSld>
     <p:spTree>
@@ -19115,7 +19747,7 @@
         </p:nvGrpSpPr>
         <p:grpSpPr>
           <a:xfrm>
-            <a:off x="0" y="1467189"/>
+            <a:off x="643467" y="1501056"/>
             <a:ext cx="6493001" cy="774915"/>
             <a:chOff x="-1693121" y="1568789"/>
             <a:chExt cx="6493001" cy="774915"/>
@@ -19136,7 +19768,7 @@
           <p:spPr>
             <a:xfrm>
               <a:off x="-1693121" y="1694636"/>
-              <a:ext cx="4058403" cy="523220"/>
+              <a:ext cx="4058403" cy="461665"/>
             </a:xfrm>
             <a:prstGeom prst="rect">
               <a:avLst/>
@@ -19151,7 +19783,10 @@
             <a:p>
               <a:pPr algn="r"/>
               <a:r>
-                <a:rPr lang="en-US" sz="2800" b="1" dirty="0"/>
+                <a:rPr lang="en-US" sz="2400" b="1" dirty="0">
+                  <a:latin typeface="Open Sans Hebrew" pitchFamily="2" charset="-79"/>
+                  <a:cs typeface="Open Sans Hebrew" pitchFamily="2" charset="-79"/>
+                </a:rPr>
                 <a:t>The Switching Migration</a:t>
               </a:r>
             </a:p>
@@ -19204,6 +19839,39 @@
           </p:txBody>
         </p:sp>
       </p:grpSp>
+      <p:sp>
+        <p:nvSpPr>
+          <p:cNvPr id="8" name="Title 1">
+            <a:extLst>
+              <a:ext uri="{FF2B5EF4-FFF2-40B4-BE49-F238E27FC236}">
+                <a16:creationId xmlns:a16="http://schemas.microsoft.com/office/drawing/2014/main" id="{61D4766C-1700-4243-8156-5FDDF45C4244}"/>
+              </a:ext>
+            </a:extLst>
+          </p:cNvPr>
+          <p:cNvSpPr>
+            <a:spLocks noGrp="1"/>
+          </p:cNvSpPr>
+          <p:nvPr>
+            <p:ph type="title"/>
+          </p:nvPr>
+        </p:nvSpPr>
+        <p:spPr>
+          <a:xfrm>
+            <a:off x="838200" y="365125"/>
+            <a:ext cx="3454042" cy="1325563"/>
+          </a:xfrm>
+        </p:spPr>
+        <p:txBody>
+          <a:bodyPr/>
+          <a:lstStyle/>
+          <a:p>
+            <a:r>
+              <a:rPr lang="en-US" dirty="0"/>
+              <a:t>Switch!</a:t>
+            </a:r>
+          </a:p>
+        </p:txBody>
+      </p:sp>
     </p:spTree>
     <p:extLst>
       <p:ext uri="{BB962C8B-B14F-4D97-AF65-F5344CB8AC3E}">
@@ -19217,7 +19885,7 @@
 </p:sld>
 </file>
 
-<file path=ppt/slides/slide35.xml><?xml version="1.0" encoding="utf-8"?>
+<file path=ppt/slides/slide36.xml><?xml version="1.0" encoding="utf-8"?>
 <p:sld xmlns:a="http://schemas.openxmlformats.org/drawingml/2006/main" xmlns:r="http://schemas.openxmlformats.org/officeDocument/2006/relationships" xmlns:p="http://schemas.openxmlformats.org/presentationml/2006/main">
   <p:cSld>
     <p:spTree>
@@ -19239,6 +19907,1025 @@
           <p:cNvPr id="4" name="Picture 3">
             <a:extLst>
               <a:ext uri="{FF2B5EF4-FFF2-40B4-BE49-F238E27FC236}">
+                <a16:creationId xmlns:a16="http://schemas.microsoft.com/office/drawing/2014/main" id="{7C411F0D-698C-7A46-A618-6FB981CF877B}"/>
+              </a:ext>
+            </a:extLst>
+          </p:cNvPr>
+          <p:cNvPicPr>
+            <a:picLocks noChangeAspect="1"/>
+          </p:cNvPicPr>
+          <p:nvPr/>
+        </p:nvPicPr>
+        <p:blipFill>
+          <a:blip r:embed="rId3">
+            <a:clrChange>
+              <a:clrFrom>
+                <a:srgbClr val="FFFFFE"/>
+              </a:clrFrom>
+              <a:clrTo>
+                <a:srgbClr val="FFFFFE">
+                  <a:alpha val="0"/>
+                </a:srgbClr>
+              </a:clrTo>
+            </a:clrChange>
+            <a:alphaModFix amt="20000"/>
+            <a:extLst>
+              <a:ext uri="{28A0092B-C50C-407E-A947-70E740481C1C}">
+                <a14:useLocalDpi xmlns:a14="http://schemas.microsoft.com/office/drawing/2010/main" val="0"/>
+              </a:ext>
+            </a:extLst>
+          </a:blip>
+          <a:stretch>
+            <a:fillRect/>
+          </a:stretch>
+        </p:blipFill>
+        <p:spPr>
+          <a:xfrm>
+            <a:off x="3020584" y="473868"/>
+            <a:ext cx="5717017" cy="5717017"/>
+          </a:xfrm>
+          <a:prstGeom prst="rect">
+            <a:avLst/>
+          </a:prstGeom>
+        </p:spPr>
+      </p:pic>
+      <p:grpSp>
+        <p:nvGrpSpPr>
+          <p:cNvPr id="5" name="Group 4">
+            <a:extLst>
+              <a:ext uri="{FF2B5EF4-FFF2-40B4-BE49-F238E27FC236}">
+                <a16:creationId xmlns:a16="http://schemas.microsoft.com/office/drawing/2014/main" id="{2DE2BAD1-ECE6-AF4F-A990-ED29CFD085BA}"/>
+              </a:ext>
+            </a:extLst>
+          </p:cNvPr>
+          <p:cNvGrpSpPr/>
+          <p:nvPr/>
+        </p:nvGrpSpPr>
+        <p:grpSpPr>
+          <a:xfrm>
+            <a:off x="1921028" y="2989651"/>
+            <a:ext cx="876698" cy="523308"/>
+            <a:chOff x="7125209" y="3479470"/>
+            <a:chExt cx="1614303" cy="930658"/>
+          </a:xfrm>
+          <a:solidFill>
+            <a:schemeClr val="accent1"/>
+          </a:solidFill>
+        </p:grpSpPr>
+        <p:sp>
+          <p:nvSpPr>
+            <p:cNvPr id="6" name="Right Arrow 5">
+              <a:extLst>
+                <a:ext uri="{FF2B5EF4-FFF2-40B4-BE49-F238E27FC236}">
+                  <a16:creationId xmlns:a16="http://schemas.microsoft.com/office/drawing/2014/main" id="{5A6D8C81-549E-944B-9840-C59049F9FF63}"/>
+                </a:ext>
+              </a:extLst>
+            </p:cNvPr>
+            <p:cNvSpPr/>
+            <p:nvPr/>
+          </p:nvSpPr>
+          <p:spPr>
+            <a:xfrm>
+              <a:off x="7255097" y="3479470"/>
+              <a:ext cx="1484415" cy="296883"/>
+            </a:xfrm>
+            <a:prstGeom prst="rightArrow">
+              <a:avLst>
+                <a:gd name="adj1" fmla="val 42000"/>
+                <a:gd name="adj2" fmla="val 118000"/>
+              </a:avLst>
+            </a:prstGeom>
+            <a:ln/>
+          </p:spPr>
+          <p:style>
+            <a:lnRef idx="3">
+              <a:schemeClr val="lt1"/>
+            </a:lnRef>
+            <a:fillRef idx="1">
+              <a:schemeClr val="accent2"/>
+            </a:fillRef>
+            <a:effectRef idx="1">
+              <a:schemeClr val="accent2"/>
+            </a:effectRef>
+            <a:fontRef idx="minor">
+              <a:schemeClr val="lt1"/>
+            </a:fontRef>
+          </p:style>
+          <p:txBody>
+            <a:bodyPr rtlCol="0" anchor="ctr"/>
+            <a:lstStyle/>
+            <a:p>
+              <a:pPr algn="ctr"/>
+              <a:endParaRPr lang="en-US"/>
+            </a:p>
+          </p:txBody>
+        </p:sp>
+        <p:sp>
+          <p:nvSpPr>
+            <p:cNvPr id="7" name="Right Arrow 6">
+              <a:extLst>
+                <a:ext uri="{FF2B5EF4-FFF2-40B4-BE49-F238E27FC236}">
+                  <a16:creationId xmlns:a16="http://schemas.microsoft.com/office/drawing/2014/main" id="{4E69743E-17CA-7145-BCA4-C014FAAEEE34}"/>
+                </a:ext>
+              </a:extLst>
+            </p:cNvPr>
+            <p:cNvSpPr/>
+            <p:nvPr/>
+          </p:nvSpPr>
+          <p:spPr>
+            <a:xfrm flipH="1">
+              <a:off x="7125209" y="4113245"/>
+              <a:ext cx="1484415" cy="296883"/>
+            </a:xfrm>
+            <a:prstGeom prst="rightArrow">
+              <a:avLst>
+                <a:gd name="adj1" fmla="val 42000"/>
+                <a:gd name="adj2" fmla="val 118000"/>
+              </a:avLst>
+            </a:prstGeom>
+            <a:ln/>
+          </p:spPr>
+          <p:style>
+            <a:lnRef idx="3">
+              <a:schemeClr val="lt1"/>
+            </a:lnRef>
+            <a:fillRef idx="1">
+              <a:schemeClr val="accent2"/>
+            </a:fillRef>
+            <a:effectRef idx="1">
+              <a:schemeClr val="accent2"/>
+            </a:effectRef>
+            <a:fontRef idx="minor">
+              <a:schemeClr val="lt1"/>
+            </a:fontRef>
+          </p:style>
+          <p:txBody>
+            <a:bodyPr rtlCol="0" anchor="ctr"/>
+            <a:lstStyle/>
+            <a:p>
+              <a:pPr algn="ctr"/>
+              <a:endParaRPr lang="en-US"/>
+            </a:p>
+          </p:txBody>
+        </p:sp>
+      </p:grpSp>
+      <p:sp>
+        <p:nvSpPr>
+          <p:cNvPr id="8" name="Smiley Face 7">
+            <a:extLst>
+              <a:ext uri="{FF2B5EF4-FFF2-40B4-BE49-F238E27FC236}">
+                <a16:creationId xmlns:a16="http://schemas.microsoft.com/office/drawing/2014/main" id="{9167F175-077E-1E41-8001-E0218F017CE4}"/>
+              </a:ext>
+            </a:extLst>
+          </p:cNvPr>
+          <p:cNvSpPr/>
+          <p:nvPr/>
+        </p:nvSpPr>
+        <p:spPr>
+          <a:xfrm>
+            <a:off x="603929" y="2685143"/>
+            <a:ext cx="1094242" cy="1132324"/>
+          </a:xfrm>
+          <a:prstGeom prst="smileyFace">
+            <a:avLst/>
+          </a:prstGeom>
+          <a:ln w="57150"/>
+        </p:spPr>
+        <p:style>
+          <a:lnRef idx="2">
+            <a:schemeClr val="accent2">
+              <a:shade val="50000"/>
+            </a:schemeClr>
+          </a:lnRef>
+          <a:fillRef idx="1">
+            <a:schemeClr val="accent2"/>
+          </a:fillRef>
+          <a:effectRef idx="0">
+            <a:schemeClr val="accent2"/>
+          </a:effectRef>
+          <a:fontRef idx="minor">
+            <a:schemeClr val="lt1"/>
+          </a:fontRef>
+        </p:style>
+        <p:txBody>
+          <a:bodyPr rtlCol="0" anchor="ctr"/>
+          <a:lstStyle/>
+          <a:p>
+            <a:pPr algn="ctr"/>
+            <a:endParaRPr lang="en-US" dirty="0"/>
+          </a:p>
+        </p:txBody>
+      </p:sp>
+      <p:pic>
+        <p:nvPicPr>
+          <p:cNvPr id="9" name="DB">
+            <a:extLst>
+              <a:ext uri="{FF2B5EF4-FFF2-40B4-BE49-F238E27FC236}">
+                <a16:creationId xmlns:a16="http://schemas.microsoft.com/office/drawing/2014/main" id="{1A93CF9F-BCC9-E441-8A6D-42AD6C89767C}"/>
+              </a:ext>
+            </a:extLst>
+          </p:cNvPr>
+          <p:cNvPicPr>
+            <a:picLocks noChangeAspect="1"/>
+          </p:cNvPicPr>
+          <p:nvPr/>
+        </p:nvPicPr>
+        <p:blipFill>
+          <a:blip r:embed="rId4">
+            <a:clrChange>
+              <a:clrFrom>
+                <a:srgbClr val="FFFFFF"/>
+              </a:clrFrom>
+              <a:clrTo>
+                <a:srgbClr val="FFFFFF">
+                  <a:alpha val="0"/>
+                </a:srgbClr>
+              </a:clrTo>
+            </a:clrChange>
+            <a:duotone>
+              <a:schemeClr val="bg2">
+                <a:shade val="45000"/>
+                <a:satMod val="135000"/>
+              </a:schemeClr>
+              <a:prstClr val="white"/>
+            </a:duotone>
+          </a:blip>
+          <a:stretch>
+            <a:fillRect/>
+          </a:stretch>
+        </p:blipFill>
+        <p:spPr>
+          <a:xfrm>
+            <a:off x="9834100" y="2569030"/>
+            <a:ext cx="1636102" cy="1607444"/>
+          </a:xfrm>
+          <a:prstGeom prst="rect">
+            <a:avLst/>
+          </a:prstGeom>
+        </p:spPr>
+      </p:pic>
+      <p:sp>
+        <p:nvSpPr>
+          <p:cNvPr id="12" name="Switch asks DB">
+            <a:extLst>
+              <a:ext uri="{FF2B5EF4-FFF2-40B4-BE49-F238E27FC236}">
+                <a16:creationId xmlns:a16="http://schemas.microsoft.com/office/drawing/2014/main" id="{EFACAE3F-DF81-0441-B0B4-CF8CFB611E02}"/>
+              </a:ext>
+            </a:extLst>
+          </p:cNvPr>
+          <p:cNvSpPr/>
+          <p:nvPr/>
+        </p:nvSpPr>
+        <p:spPr>
+          <a:xfrm flipH="1">
+            <a:off x="8942972" y="3238232"/>
+            <a:ext cx="819427" cy="180789"/>
+          </a:xfrm>
+          <a:prstGeom prst="rightArrow">
+            <a:avLst>
+              <a:gd name="adj1" fmla="val 42000"/>
+              <a:gd name="adj2" fmla="val 118000"/>
+            </a:avLst>
+          </a:prstGeom>
+          <a:solidFill>
+            <a:schemeClr val="bg2">
+              <a:lumMod val="75000"/>
+            </a:schemeClr>
+          </a:solidFill>
+          <a:ln>
+            <a:noFill/>
+          </a:ln>
+        </p:spPr>
+        <p:style>
+          <a:lnRef idx="2">
+            <a:schemeClr val="dk1">
+              <a:shade val="50000"/>
+            </a:schemeClr>
+          </a:lnRef>
+          <a:fillRef idx="1">
+            <a:schemeClr val="dk1"/>
+          </a:fillRef>
+          <a:effectRef idx="0">
+            <a:schemeClr val="dk1"/>
+          </a:effectRef>
+          <a:fontRef idx="minor">
+            <a:schemeClr val="lt1"/>
+          </a:fontRef>
+        </p:style>
+        <p:txBody>
+          <a:bodyPr rtlCol="0" anchor="ctr"/>
+          <a:lstStyle/>
+          <a:p>
+            <a:pPr algn="ctr"/>
+            <a:endParaRPr lang="en-US"/>
+          </a:p>
+        </p:txBody>
+      </p:sp>
+      <p:sp>
+        <p:nvSpPr>
+          <p:cNvPr id="16" name="Blue">
+            <a:extLst>
+              <a:ext uri="{FF2B5EF4-FFF2-40B4-BE49-F238E27FC236}">
+                <a16:creationId xmlns:a16="http://schemas.microsoft.com/office/drawing/2014/main" id="{5E8CACAE-5E49-4A48-87F1-267E89FC4B35}"/>
+              </a:ext>
+            </a:extLst>
+          </p:cNvPr>
+          <p:cNvSpPr/>
+          <p:nvPr/>
+        </p:nvSpPr>
+        <p:spPr>
+          <a:xfrm>
+            <a:off x="3020584" y="481358"/>
+            <a:ext cx="5717017" cy="2864664"/>
+          </a:xfrm>
+          <a:prstGeom prst="rect">
+            <a:avLst/>
+          </a:prstGeom>
+          <a:solidFill>
+            <a:schemeClr val="accent5">
+              <a:alpha val="80000"/>
+            </a:schemeClr>
+          </a:solidFill>
+          <a:ln>
+            <a:noFill/>
+          </a:ln>
+        </p:spPr>
+        <p:style>
+          <a:lnRef idx="2">
+            <a:schemeClr val="accent1">
+              <a:shade val="50000"/>
+            </a:schemeClr>
+          </a:lnRef>
+          <a:fillRef idx="1">
+            <a:schemeClr val="accent1"/>
+          </a:fillRef>
+          <a:effectRef idx="0">
+            <a:schemeClr val="accent1"/>
+          </a:effectRef>
+          <a:fontRef idx="minor">
+            <a:schemeClr val="lt1"/>
+          </a:fontRef>
+        </p:style>
+        <p:txBody>
+          <a:bodyPr rtlCol="0" anchor="ctr"/>
+          <a:lstStyle/>
+          <a:p>
+            <a:pPr algn="ctr"/>
+            <a:r>
+              <a:rPr lang="en-US" sz="3600" b="1" dirty="0">
+                <a:latin typeface="Open Sans Hebrew" pitchFamily="2" charset="-79"/>
+                <a:cs typeface="Open Sans Hebrew" pitchFamily="2" charset="-79"/>
+              </a:rPr>
+              <a:t>Blue Behavior</a:t>
+            </a:r>
+          </a:p>
+        </p:txBody>
+      </p:sp>
+      <p:sp>
+        <p:nvSpPr>
+          <p:cNvPr id="17" name="Green">
+            <a:extLst>
+              <a:ext uri="{FF2B5EF4-FFF2-40B4-BE49-F238E27FC236}">
+                <a16:creationId xmlns:a16="http://schemas.microsoft.com/office/drawing/2014/main" id="{E944402D-1690-E94B-8630-29E9DB044122}"/>
+              </a:ext>
+            </a:extLst>
+          </p:cNvPr>
+          <p:cNvSpPr/>
+          <p:nvPr/>
+        </p:nvSpPr>
+        <p:spPr>
+          <a:xfrm>
+            <a:off x="3020583" y="3346022"/>
+            <a:ext cx="5717017" cy="2864664"/>
+          </a:xfrm>
+          <a:prstGeom prst="rect">
+            <a:avLst/>
+          </a:prstGeom>
+          <a:solidFill>
+            <a:schemeClr val="accent6">
+              <a:alpha val="80000"/>
+            </a:schemeClr>
+          </a:solidFill>
+          <a:ln>
+            <a:noFill/>
+          </a:ln>
+        </p:spPr>
+        <p:style>
+          <a:lnRef idx="2">
+            <a:schemeClr val="accent1">
+              <a:shade val="50000"/>
+            </a:schemeClr>
+          </a:lnRef>
+          <a:fillRef idx="1">
+            <a:schemeClr val="accent1"/>
+          </a:fillRef>
+          <a:effectRef idx="0">
+            <a:schemeClr val="accent1"/>
+          </a:effectRef>
+          <a:fontRef idx="minor">
+            <a:schemeClr val="lt1"/>
+          </a:fontRef>
+        </p:style>
+        <p:txBody>
+          <a:bodyPr rtlCol="0" anchor="ctr"/>
+          <a:lstStyle/>
+          <a:p>
+            <a:pPr algn="ctr"/>
+            <a:r>
+              <a:rPr lang="en-US" sz="3600" b="1" dirty="0">
+                <a:latin typeface="Open Sans Hebrew" pitchFamily="2" charset="-79"/>
+                <a:cs typeface="Open Sans Hebrew" pitchFamily="2" charset="-79"/>
+              </a:rPr>
+              <a:t>Green Behavior</a:t>
+            </a:r>
+          </a:p>
+        </p:txBody>
+      </p:sp>
+      <p:sp>
+        <p:nvSpPr>
+          <p:cNvPr id="14" name="Router">
+            <a:extLst>
+              <a:ext uri="{FF2B5EF4-FFF2-40B4-BE49-F238E27FC236}">
+                <a16:creationId xmlns:a16="http://schemas.microsoft.com/office/drawing/2014/main" id="{5747C0CC-80C4-4644-BA23-A6164B2D3784}"/>
+              </a:ext>
+            </a:extLst>
+          </p:cNvPr>
+          <p:cNvSpPr/>
+          <p:nvPr/>
+        </p:nvSpPr>
+        <p:spPr>
+          <a:xfrm>
+            <a:off x="3020582" y="2569030"/>
+            <a:ext cx="1860059" cy="1509486"/>
+          </a:xfrm>
+          <a:prstGeom prst="rect">
+            <a:avLst/>
+          </a:prstGeom>
+          <a:solidFill>
+            <a:srgbClr val="AFABAB">
+              <a:alpha val="80000"/>
+            </a:srgbClr>
+          </a:solidFill>
+          <a:ln>
+            <a:noFill/>
+          </a:ln>
+        </p:spPr>
+        <p:style>
+          <a:lnRef idx="2">
+            <a:schemeClr val="accent1">
+              <a:shade val="50000"/>
+            </a:schemeClr>
+          </a:lnRef>
+          <a:fillRef idx="1">
+            <a:schemeClr val="accent1"/>
+          </a:fillRef>
+          <a:effectRef idx="0">
+            <a:schemeClr val="accent1"/>
+          </a:effectRef>
+          <a:fontRef idx="minor">
+            <a:schemeClr val="lt1"/>
+          </a:fontRef>
+        </p:style>
+        <p:txBody>
+          <a:bodyPr rtlCol="0" anchor="ctr"/>
+          <a:lstStyle/>
+          <a:p>
+            <a:pPr algn="ctr"/>
+            <a:r>
+              <a:rPr lang="en-US" sz="3600" b="1" dirty="0">
+                <a:latin typeface="Open Sans Hebrew" pitchFamily="2" charset="-79"/>
+                <a:cs typeface="Open Sans Hebrew" pitchFamily="2" charset="-79"/>
+              </a:rPr>
+              <a:t>Router</a:t>
+            </a:r>
+          </a:p>
+        </p:txBody>
+      </p:sp>
+      <p:sp>
+        <p:nvSpPr>
+          <p:cNvPr id="29" name="router asks switch">
+            <a:extLst>
+              <a:ext uri="{FF2B5EF4-FFF2-40B4-BE49-F238E27FC236}">
+                <a16:creationId xmlns:a16="http://schemas.microsoft.com/office/drawing/2014/main" id="{F76F90DB-7368-2B4B-9EF9-287CCB0CCBA0}"/>
+              </a:ext>
+            </a:extLst>
+          </p:cNvPr>
+          <p:cNvSpPr/>
+          <p:nvPr/>
+        </p:nvSpPr>
+        <p:spPr>
+          <a:xfrm flipH="1">
+            <a:off x="5086012" y="3076603"/>
+            <a:ext cx="1470931" cy="441524"/>
+          </a:xfrm>
+          <a:prstGeom prst="rightArrow">
+            <a:avLst>
+              <a:gd name="adj1" fmla="val 42000"/>
+              <a:gd name="adj2" fmla="val 118000"/>
+            </a:avLst>
+          </a:prstGeom>
+          <a:solidFill>
+            <a:schemeClr val="bg2">
+              <a:lumMod val="75000"/>
+            </a:schemeClr>
+          </a:solidFill>
+          <a:ln>
+            <a:solidFill>
+              <a:schemeClr val="tx1"/>
+            </a:solidFill>
+          </a:ln>
+        </p:spPr>
+        <p:style>
+          <a:lnRef idx="2">
+            <a:schemeClr val="dk1">
+              <a:shade val="50000"/>
+            </a:schemeClr>
+          </a:lnRef>
+          <a:fillRef idx="1">
+            <a:schemeClr val="dk1"/>
+          </a:fillRef>
+          <a:effectRef idx="0">
+            <a:schemeClr val="dk1"/>
+          </a:effectRef>
+          <a:fontRef idx="minor">
+            <a:schemeClr val="lt1"/>
+          </a:fontRef>
+        </p:style>
+        <p:txBody>
+          <a:bodyPr rtlCol="0" anchor="ctr"/>
+          <a:lstStyle/>
+          <a:p>
+            <a:pPr algn="ctr"/>
+            <a:endParaRPr lang="en-US"/>
+          </a:p>
+        </p:txBody>
+      </p:sp>
+      <p:sp>
+        <p:nvSpPr>
+          <p:cNvPr id="15" name="Switch">
+            <a:extLst>
+              <a:ext uri="{FF2B5EF4-FFF2-40B4-BE49-F238E27FC236}">
+                <a16:creationId xmlns:a16="http://schemas.microsoft.com/office/drawing/2014/main" id="{1AB91287-C3CD-A14D-959C-F2F486316F08}"/>
+              </a:ext>
+            </a:extLst>
+          </p:cNvPr>
+          <p:cNvSpPr/>
+          <p:nvPr/>
+        </p:nvSpPr>
+        <p:spPr>
+          <a:xfrm>
+            <a:off x="6877542" y="2539593"/>
+            <a:ext cx="1860059" cy="1509486"/>
+          </a:xfrm>
+          <a:prstGeom prst="rect">
+            <a:avLst/>
+          </a:prstGeom>
+          <a:solidFill>
+            <a:srgbClr val="AFABAB">
+              <a:alpha val="80000"/>
+            </a:srgbClr>
+          </a:solidFill>
+          <a:ln>
+            <a:noFill/>
+          </a:ln>
+        </p:spPr>
+        <p:style>
+          <a:lnRef idx="2">
+            <a:schemeClr val="accent1">
+              <a:shade val="50000"/>
+            </a:schemeClr>
+          </a:lnRef>
+          <a:fillRef idx="1">
+            <a:schemeClr val="accent1"/>
+          </a:fillRef>
+          <a:effectRef idx="0">
+            <a:schemeClr val="accent1"/>
+          </a:effectRef>
+          <a:fontRef idx="minor">
+            <a:schemeClr val="lt1"/>
+          </a:fontRef>
+        </p:style>
+        <p:txBody>
+          <a:bodyPr rtlCol="0" anchor="ctr"/>
+          <a:lstStyle/>
+          <a:p>
+            <a:pPr algn="ctr"/>
+            <a:r>
+              <a:rPr lang="en-US" sz="3600" b="1" dirty="0">
+                <a:latin typeface="Open Sans Hebrew" pitchFamily="2" charset="-79"/>
+                <a:cs typeface="Open Sans Hebrew" pitchFamily="2" charset="-79"/>
+              </a:rPr>
+              <a:t>Switch</a:t>
+            </a:r>
+          </a:p>
+        </p:txBody>
+      </p:sp>
+      <p:grpSp>
+        <p:nvGrpSpPr>
+          <p:cNvPr id="18" name="Green&lt;-&gt;DB">
+            <a:extLst>
+              <a:ext uri="{FF2B5EF4-FFF2-40B4-BE49-F238E27FC236}">
+                <a16:creationId xmlns:a16="http://schemas.microsoft.com/office/drawing/2014/main" id="{D1D688F4-47AB-CB45-877A-64307B2A6425}"/>
+              </a:ext>
+            </a:extLst>
+          </p:cNvPr>
+          <p:cNvGrpSpPr/>
+          <p:nvPr/>
+        </p:nvGrpSpPr>
+        <p:grpSpPr>
+          <a:xfrm rot="19942953">
+            <a:off x="9108269" y="4512831"/>
+            <a:ext cx="1011201" cy="581911"/>
+            <a:chOff x="7125209" y="3479470"/>
+            <a:chExt cx="1614303" cy="930658"/>
+          </a:xfrm>
+          <a:solidFill>
+            <a:schemeClr val="accent6"/>
+          </a:solidFill>
+        </p:grpSpPr>
+        <p:sp>
+          <p:nvSpPr>
+            <p:cNvPr id="19" name="Right Arrow 18">
+              <a:extLst>
+                <a:ext uri="{FF2B5EF4-FFF2-40B4-BE49-F238E27FC236}">
+                  <a16:creationId xmlns:a16="http://schemas.microsoft.com/office/drawing/2014/main" id="{14CCDB4A-BCAC-454E-9774-79916F138844}"/>
+                </a:ext>
+              </a:extLst>
+            </p:cNvPr>
+            <p:cNvSpPr/>
+            <p:nvPr/>
+          </p:nvSpPr>
+          <p:spPr>
+            <a:xfrm>
+              <a:off x="7255097" y="3479470"/>
+              <a:ext cx="1484415" cy="296883"/>
+            </a:xfrm>
+            <a:prstGeom prst="rightArrow">
+              <a:avLst>
+                <a:gd name="adj1" fmla="val 42000"/>
+                <a:gd name="adj2" fmla="val 118000"/>
+              </a:avLst>
+            </a:prstGeom>
+            <a:grpFill/>
+            <a:ln>
+              <a:noFill/>
+            </a:ln>
+          </p:spPr>
+          <p:style>
+            <a:lnRef idx="2">
+              <a:schemeClr val="dk1">
+                <a:shade val="50000"/>
+              </a:schemeClr>
+            </a:lnRef>
+            <a:fillRef idx="1">
+              <a:schemeClr val="dk1"/>
+            </a:fillRef>
+            <a:effectRef idx="0">
+              <a:schemeClr val="dk1"/>
+            </a:effectRef>
+            <a:fontRef idx="minor">
+              <a:schemeClr val="lt1"/>
+            </a:fontRef>
+          </p:style>
+          <p:txBody>
+            <a:bodyPr rtlCol="0" anchor="ctr"/>
+            <a:lstStyle/>
+            <a:p>
+              <a:pPr algn="ctr"/>
+              <a:endParaRPr lang="en-US"/>
+            </a:p>
+          </p:txBody>
+        </p:sp>
+        <p:sp>
+          <p:nvSpPr>
+            <p:cNvPr id="20" name="Right Arrow 19">
+              <a:extLst>
+                <a:ext uri="{FF2B5EF4-FFF2-40B4-BE49-F238E27FC236}">
+                  <a16:creationId xmlns:a16="http://schemas.microsoft.com/office/drawing/2014/main" id="{80A5FB9B-AD4D-8C46-99DF-74D8AB6A6EF4}"/>
+                </a:ext>
+              </a:extLst>
+            </p:cNvPr>
+            <p:cNvSpPr/>
+            <p:nvPr/>
+          </p:nvSpPr>
+          <p:spPr>
+            <a:xfrm flipH="1">
+              <a:off x="7125209" y="4113245"/>
+              <a:ext cx="1484415" cy="296883"/>
+            </a:xfrm>
+            <a:prstGeom prst="rightArrow">
+              <a:avLst>
+                <a:gd name="adj1" fmla="val 42000"/>
+                <a:gd name="adj2" fmla="val 118000"/>
+              </a:avLst>
+            </a:prstGeom>
+            <a:grpFill/>
+            <a:ln>
+              <a:noFill/>
+            </a:ln>
+          </p:spPr>
+          <p:style>
+            <a:lnRef idx="2">
+              <a:schemeClr val="dk1">
+                <a:shade val="50000"/>
+              </a:schemeClr>
+            </a:lnRef>
+            <a:fillRef idx="1">
+              <a:schemeClr val="dk1"/>
+            </a:fillRef>
+            <a:effectRef idx="0">
+              <a:schemeClr val="dk1"/>
+            </a:effectRef>
+            <a:fontRef idx="minor">
+              <a:schemeClr val="lt1"/>
+            </a:fontRef>
+          </p:style>
+          <p:txBody>
+            <a:bodyPr rtlCol="0" anchor="ctr"/>
+            <a:lstStyle/>
+            <a:p>
+              <a:pPr algn="ctr"/>
+              <a:endParaRPr lang="en-US" dirty="0"/>
+            </a:p>
+          </p:txBody>
+        </p:sp>
+      </p:grpSp>
+      <p:grpSp>
+        <p:nvGrpSpPr>
+          <p:cNvPr id="21" name="Blue&lt;-&gt;DB">
+            <a:extLst>
+              <a:ext uri="{FF2B5EF4-FFF2-40B4-BE49-F238E27FC236}">
+                <a16:creationId xmlns:a16="http://schemas.microsoft.com/office/drawing/2014/main" id="{441E1FB7-003D-A34F-9DF5-3CA44C3E9363}"/>
+              </a:ext>
+            </a:extLst>
+          </p:cNvPr>
+          <p:cNvGrpSpPr/>
+          <p:nvPr/>
+        </p:nvGrpSpPr>
+        <p:grpSpPr>
+          <a:xfrm rot="2204821">
+            <a:off x="8948894" y="1605406"/>
+            <a:ext cx="1011201" cy="593960"/>
+            <a:chOff x="7125209" y="3479470"/>
+            <a:chExt cx="1614303" cy="930658"/>
+          </a:xfrm>
+          <a:solidFill>
+            <a:schemeClr val="accent5"/>
+          </a:solidFill>
+        </p:grpSpPr>
+        <p:sp>
+          <p:nvSpPr>
+            <p:cNvPr id="22" name="Right Arrow 21">
+              <a:extLst>
+                <a:ext uri="{FF2B5EF4-FFF2-40B4-BE49-F238E27FC236}">
+                  <a16:creationId xmlns:a16="http://schemas.microsoft.com/office/drawing/2014/main" id="{5718F3FE-5568-654A-885C-AFDC2CFBFEED}"/>
+                </a:ext>
+              </a:extLst>
+            </p:cNvPr>
+            <p:cNvSpPr/>
+            <p:nvPr/>
+          </p:nvSpPr>
+          <p:spPr>
+            <a:xfrm>
+              <a:off x="7255097" y="3479470"/>
+              <a:ext cx="1484415" cy="296883"/>
+            </a:xfrm>
+            <a:prstGeom prst="rightArrow">
+              <a:avLst>
+                <a:gd name="adj1" fmla="val 42000"/>
+                <a:gd name="adj2" fmla="val 118000"/>
+              </a:avLst>
+            </a:prstGeom>
+            <a:grpFill/>
+            <a:ln>
+              <a:noFill/>
+            </a:ln>
+          </p:spPr>
+          <p:style>
+            <a:lnRef idx="2">
+              <a:schemeClr val="dk1">
+                <a:shade val="50000"/>
+              </a:schemeClr>
+            </a:lnRef>
+            <a:fillRef idx="1">
+              <a:schemeClr val="dk1"/>
+            </a:fillRef>
+            <a:effectRef idx="0">
+              <a:schemeClr val="dk1"/>
+            </a:effectRef>
+            <a:fontRef idx="minor">
+              <a:schemeClr val="lt1"/>
+            </a:fontRef>
+          </p:style>
+          <p:txBody>
+            <a:bodyPr rtlCol="0" anchor="ctr"/>
+            <a:lstStyle/>
+            <a:p>
+              <a:pPr algn="ctr"/>
+              <a:endParaRPr lang="en-US"/>
+            </a:p>
+          </p:txBody>
+        </p:sp>
+        <p:sp>
+          <p:nvSpPr>
+            <p:cNvPr id="23" name="Right Arrow 22">
+              <a:extLst>
+                <a:ext uri="{FF2B5EF4-FFF2-40B4-BE49-F238E27FC236}">
+                  <a16:creationId xmlns:a16="http://schemas.microsoft.com/office/drawing/2014/main" id="{31C8866C-4607-1D40-8A4B-0528F723C06B}"/>
+                </a:ext>
+              </a:extLst>
+            </p:cNvPr>
+            <p:cNvSpPr/>
+            <p:nvPr/>
+          </p:nvSpPr>
+          <p:spPr>
+            <a:xfrm flipH="1">
+              <a:off x="7125209" y="4113245"/>
+              <a:ext cx="1484415" cy="296883"/>
+            </a:xfrm>
+            <a:prstGeom prst="rightArrow">
+              <a:avLst>
+                <a:gd name="adj1" fmla="val 42000"/>
+                <a:gd name="adj2" fmla="val 118000"/>
+              </a:avLst>
+            </a:prstGeom>
+            <a:grpFill/>
+            <a:ln>
+              <a:noFill/>
+            </a:ln>
+          </p:spPr>
+          <p:style>
+            <a:lnRef idx="2">
+              <a:schemeClr val="dk1">
+                <a:shade val="50000"/>
+              </a:schemeClr>
+            </a:lnRef>
+            <a:fillRef idx="1">
+              <a:schemeClr val="dk1"/>
+            </a:fillRef>
+            <a:effectRef idx="0">
+              <a:schemeClr val="dk1"/>
+            </a:effectRef>
+            <a:fontRef idx="minor">
+              <a:schemeClr val="lt1"/>
+            </a:fontRef>
+          </p:style>
+          <p:txBody>
+            <a:bodyPr rtlCol="0" anchor="ctr"/>
+            <a:lstStyle/>
+            <a:p>
+              <a:pPr algn="ctr"/>
+              <a:endParaRPr lang="en-US" dirty="0"/>
+            </a:p>
+          </p:txBody>
+        </p:sp>
+      </p:grpSp>
+    </p:spTree>
+    <p:extLst>
+      <p:ext uri="{BB962C8B-B14F-4D97-AF65-F5344CB8AC3E}">
+        <p14:creationId xmlns:p14="http://schemas.microsoft.com/office/powerpoint/2010/main" val="518815243"/>
+      </p:ext>
+    </p:extLst>
+  </p:cSld>
+  <p:clrMapOvr>
+    <a:masterClrMapping/>
+  </p:clrMapOvr>
+  <p:timing>
+    <p:tnLst>
+      <p:par>
+        <p:cTn id="1" dur="indefinite" restart="never" nodeType="tmRoot">
+          <p:childTnLst>
+            <p:seq concurrent="1" nextAc="seek">
+              <p:cTn id="2" dur="indefinite" nodeType="mainSeq">
+                <p:childTnLst>
+                  <p:par>
+                    <p:cTn id="3" fill="hold">
+                      <p:stCondLst>
+                        <p:cond delay="indefinite"/>
+                      </p:stCondLst>
+                      <p:childTnLst>
+                        <p:par>
+                          <p:cTn id="4" fill="hold">
+                            <p:stCondLst>
+                              <p:cond delay="0"/>
+                            </p:stCondLst>
+                            <p:childTnLst>
+                              <p:par>
+                                <p:cTn id="5" presetID="1" presetClass="exit" presetSubtype="0" fill="hold" nodeType="clickEffect">
+                                  <p:stCondLst>
+                                    <p:cond delay="0"/>
+                                  </p:stCondLst>
+                                  <p:childTnLst>
+                                    <p:set>
+                                      <p:cBhvr>
+                                        <p:cTn id="6" dur="1" fill="hold">
+                                          <p:stCondLst>
+                                            <p:cond delay="0"/>
+                                          </p:stCondLst>
+                                        </p:cTn>
+                                        <p:tgtEl>
+                                          <p:spTgt spid="18"/>
+                                        </p:tgtEl>
+                                        <p:attrNameLst>
+                                          <p:attrName>style.visibility</p:attrName>
+                                        </p:attrNameLst>
+                                      </p:cBhvr>
+                                      <p:to>
+                                        <p:strVal val="hidden"/>
+                                      </p:to>
+                                    </p:set>
+                                  </p:childTnLst>
+                                </p:cTn>
+                              </p:par>
+                            </p:childTnLst>
+                          </p:cTn>
+                        </p:par>
+                        <p:par>
+                          <p:cTn id="7" fill="hold">
+                            <p:stCondLst>
+                              <p:cond delay="0"/>
+                            </p:stCondLst>
+                            <p:childTnLst>
+                              <p:par>
+                                <p:cTn id="8" presetID="1" presetClass="entr" presetSubtype="0" fill="hold" nodeType="afterEffect">
+                                  <p:stCondLst>
+                                    <p:cond delay="0"/>
+                                  </p:stCondLst>
+                                  <p:childTnLst>
+                                    <p:set>
+                                      <p:cBhvr>
+                                        <p:cTn id="9" dur="1" fill="hold">
+                                          <p:stCondLst>
+                                            <p:cond delay="0"/>
+                                          </p:stCondLst>
+                                        </p:cTn>
+                                        <p:tgtEl>
+                                          <p:spTgt spid="21"/>
+                                        </p:tgtEl>
+                                        <p:attrNameLst>
+                                          <p:attrName>style.visibility</p:attrName>
+                                        </p:attrNameLst>
+                                      </p:cBhvr>
+                                      <p:to>
+                                        <p:strVal val="visible"/>
+                                      </p:to>
+                                    </p:set>
+                                  </p:childTnLst>
+                                </p:cTn>
+                              </p:par>
+                            </p:childTnLst>
+                          </p:cTn>
+                        </p:par>
+                      </p:childTnLst>
+                    </p:cTn>
+                  </p:par>
+                </p:childTnLst>
+              </p:cTn>
+              <p:prevCondLst>
+                <p:cond evt="onPrev" delay="0">
+                  <p:tgtEl>
+                    <p:sldTgt/>
+                  </p:tgtEl>
+                </p:cond>
+              </p:prevCondLst>
+              <p:nextCondLst>
+                <p:cond evt="onNext" delay="0">
+                  <p:tgtEl>
+                    <p:sldTgt/>
+                  </p:tgtEl>
+                </p:cond>
+              </p:nextCondLst>
+            </p:seq>
+          </p:childTnLst>
+        </p:cTn>
+      </p:par>
+    </p:tnLst>
+  </p:timing>
+</p:sld>
+</file>
+
+<file path=ppt/slides/slide37.xml><?xml version="1.0" encoding="utf-8"?>
+<p:sld xmlns:a="http://schemas.openxmlformats.org/drawingml/2006/main" xmlns:r="http://schemas.openxmlformats.org/officeDocument/2006/relationships" xmlns:p="http://schemas.openxmlformats.org/presentationml/2006/main">
+  <p:cSld>
+    <p:spTree>
+      <p:nvGrpSpPr>
+        <p:cNvPr id="1" name=""/>
+        <p:cNvGrpSpPr/>
+        <p:nvPr/>
+      </p:nvGrpSpPr>
+      <p:grpSpPr>
+        <a:xfrm>
+          <a:off x="0" y="0"/>
+          <a:ext cx="0" cy="0"/>
+          <a:chOff x="0" y="0"/>
+          <a:chExt cx="0" cy="0"/>
+        </a:xfrm>
+      </p:grpSpPr>
+      <p:pic>
+        <p:nvPicPr>
+          <p:cNvPr id="4" name="Picture 3">
+            <a:extLst>
+              <a:ext uri="{FF2B5EF4-FFF2-40B4-BE49-F238E27FC236}">
                 <a16:creationId xmlns:a16="http://schemas.microsoft.com/office/drawing/2014/main" id="{25BF1DDC-CD02-B344-8DFA-92A72E32213E}"/>
               </a:ext>
             </a:extLst>
@@ -19277,7 +20964,7 @@
         </p:nvGrpSpPr>
         <p:grpSpPr>
           <a:xfrm>
-            <a:off x="203200" y="2679486"/>
+            <a:off x="795867" y="2798020"/>
             <a:ext cx="6493001" cy="774915"/>
             <a:chOff x="-1693121" y="1568789"/>
             <a:chExt cx="6493001" cy="774915"/>
@@ -19298,7 +20985,7 @@
           <p:spPr>
             <a:xfrm>
               <a:off x="-1693121" y="1694636"/>
-              <a:ext cx="4058403" cy="523220"/>
+              <a:ext cx="4058403" cy="461665"/>
             </a:xfrm>
             <a:prstGeom prst="rect">
               <a:avLst/>
@@ -19313,14 +21000,23 @@
             <a:p>
               <a:pPr algn="r"/>
               <a:r>
-                <a:rPr lang="en-US" sz="2800" b="1" dirty="0"/>
+                <a:rPr lang="en-US" sz="2400" b="1" dirty="0">
+                  <a:latin typeface="Open Sans Hebrew" pitchFamily="2" charset="-79"/>
+                  <a:cs typeface="Open Sans Hebrew" pitchFamily="2" charset="-79"/>
+                </a:rPr>
                 <a:t>Include </a:t>
               </a:r>
               <a:r>
-                <a:rPr lang="en-US" sz="2800" b="1" dirty="0" err="1"/>
+                <a:rPr lang="en-US" sz="2400" b="1" dirty="0" err="1">
+                  <a:latin typeface="Open Sans Hebrew" pitchFamily="2" charset="-79"/>
+                  <a:cs typeface="Open Sans Hebrew" pitchFamily="2" charset="-79"/>
+                </a:rPr>
                 <a:t>blue.urls</a:t>
               </a:r>
-              <a:endParaRPr lang="en-US" sz="2800" b="1" dirty="0"/>
+              <a:endParaRPr lang="en-US" sz="2400" b="1" dirty="0">
+                <a:latin typeface="Open Sans Hebrew" pitchFamily="2" charset="-79"/>
+                <a:cs typeface="Open Sans Hebrew" pitchFamily="2" charset="-79"/>
+              </a:endParaRPr>
             </a:p>
           </p:txBody>
         </p:sp>
@@ -19386,7 +21082,7 @@
         <p:spPr>
           <a:xfrm>
             <a:off x="1537418" y="4070460"/>
-            <a:ext cx="4058403" cy="1815882"/>
+            <a:ext cx="4058403" cy="1569660"/>
           </a:xfrm>
           <a:prstGeom prst="rect">
             <a:avLst/>
@@ -19400,8 +21096,11 @@
           <a:lstStyle/>
           <a:p>
             <a:r>
-              <a:rPr lang="en-US" sz="2800" b="1" dirty="0"/>
-              <a:t>Green app:</a:t>
+              <a:rPr lang="en-US" sz="2400" b="1" dirty="0">
+                <a:latin typeface="Open Sans Hebrew" pitchFamily="2" charset="-79"/>
+                <a:cs typeface="Open Sans Hebrew" pitchFamily="2" charset="-79"/>
+              </a:rPr>
+              <a:t>Remove Green app:</a:t>
             </a:r>
           </a:p>
           <a:p>
@@ -19410,7 +21109,10 @@
               <a:buChar char="-"/>
             </a:pPr>
             <a:r>
-              <a:rPr lang="en-US" sz="2800" b="1" dirty="0"/>
+              <a:rPr lang="en-US" sz="2400" b="1" dirty="0">
+                <a:latin typeface="Open Sans Hebrew" pitchFamily="2" charset="-79"/>
+                <a:cs typeface="Open Sans Hebrew" pitchFamily="2" charset="-79"/>
+              </a:rPr>
               <a:t>Fake Migrate to zero</a:t>
             </a:r>
           </a:p>
@@ -19420,7 +21122,10 @@
               <a:buChar char="-"/>
             </a:pPr>
             <a:r>
-              <a:rPr lang="en-US" sz="2800" b="1" dirty="0"/>
+              <a:rPr lang="en-US" sz="2400" b="1" dirty="0">
+                <a:latin typeface="Open Sans Hebrew" pitchFamily="2" charset="-79"/>
+                <a:cs typeface="Open Sans Hebrew" pitchFamily="2" charset="-79"/>
+              </a:rPr>
               <a:t>Unregister</a:t>
             </a:r>
           </a:p>
@@ -19430,8 +21135,44 @@
               <a:buChar char="-"/>
             </a:pPr>
             <a:r>
-              <a:rPr lang="en-US" sz="2800" b="1" dirty="0"/>
+              <a:rPr lang="en-US" sz="2400" b="1" dirty="0">
+                <a:latin typeface="Open Sans Hebrew" pitchFamily="2" charset="-79"/>
+                <a:cs typeface="Open Sans Hebrew" pitchFamily="2" charset="-79"/>
+              </a:rPr>
               <a:t>Delete</a:t>
+            </a:r>
+          </a:p>
+        </p:txBody>
+      </p:sp>
+      <p:sp>
+        <p:nvSpPr>
+          <p:cNvPr id="8" name="Title 1">
+            <a:extLst>
+              <a:ext uri="{FF2B5EF4-FFF2-40B4-BE49-F238E27FC236}">
+                <a16:creationId xmlns:a16="http://schemas.microsoft.com/office/drawing/2014/main" id="{C7CB1394-08A5-9143-82F0-C61AB6D3D05C}"/>
+              </a:ext>
+            </a:extLst>
+          </p:cNvPr>
+          <p:cNvSpPr>
+            <a:spLocks noGrp="1"/>
+          </p:cNvSpPr>
+          <p:nvPr>
+            <p:ph type="title"/>
+          </p:nvPr>
+        </p:nvSpPr>
+        <p:spPr>
+          <a:xfrm>
+            <a:off x="838200" y="365125"/>
+            <a:ext cx="3454042" cy="1325563"/>
+          </a:xfrm>
+        </p:spPr>
+        <p:txBody>
+          <a:bodyPr/>
+          <a:lstStyle/>
+          <a:p>
+            <a:r>
+              <a:rPr lang="en-US" dirty="0"/>
+              <a:t>Clean</a:t>
             </a:r>
           </a:p>
         </p:txBody>
@@ -19446,222 +21187,120 @@
   <p:clrMapOvr>
     <a:masterClrMapping/>
   </p:clrMapOvr>
-</p:sld>
-</file>
-
-<file path=ppt/slides/slide36.xml><?xml version="1.0" encoding="utf-8"?>
-<p:sld xmlns:a="http://schemas.openxmlformats.org/drawingml/2006/main" xmlns:r="http://schemas.openxmlformats.org/officeDocument/2006/relationships" xmlns:p="http://schemas.openxmlformats.org/presentationml/2006/main">
-  <p:cSld>
-    <p:spTree>
-      <p:nvGrpSpPr>
-        <p:cNvPr id="1" name=""/>
-        <p:cNvGrpSpPr/>
-        <p:nvPr/>
-      </p:nvGrpSpPr>
-      <p:grpSpPr>
-        <a:xfrm>
-          <a:off x="0" y="0"/>
-          <a:ext cx="0" cy="0"/>
-          <a:chOff x="0" y="0"/>
-          <a:chExt cx="0" cy="0"/>
-        </a:xfrm>
-      </p:grpSpPr>
-      <p:sp>
-        <p:nvSpPr>
-          <p:cNvPr id="2" name="Title 1">
-            <a:extLst>
-              <a:ext uri="{FF2B5EF4-FFF2-40B4-BE49-F238E27FC236}">
-                <a16:creationId xmlns:a16="http://schemas.microsoft.com/office/drawing/2014/main" id="{7B0AE009-526E-C943-83FB-19F2E00BADC7}"/>
-              </a:ext>
-            </a:extLst>
-          </p:cNvPr>
-          <p:cNvSpPr>
-            <a:spLocks noGrp="1"/>
-          </p:cNvSpPr>
-          <p:nvPr>
-            <p:ph type="title"/>
-          </p:nvPr>
-        </p:nvSpPr>
-        <p:spPr/>
-        <p:txBody>
-          <a:bodyPr/>
-          <a:lstStyle/>
-          <a:p>
-            <a:r>
-              <a:rPr lang="en-US" dirty="0"/>
-              <a:t>What Did We Get?</a:t>
-            </a:r>
-          </a:p>
-        </p:txBody>
-      </p:sp>
-      <p:sp>
-        <p:nvSpPr>
-          <p:cNvPr id="3" name="Content Placeholder 2">
-            <a:extLst>
-              <a:ext uri="{FF2B5EF4-FFF2-40B4-BE49-F238E27FC236}">
-                <a16:creationId xmlns:a16="http://schemas.microsoft.com/office/drawing/2014/main" id="{1D975588-89BB-E641-B0D3-34DAA00D23F6}"/>
-              </a:ext>
-            </a:extLst>
-          </p:cNvPr>
-          <p:cNvSpPr>
-            <a:spLocks noGrp="1"/>
-          </p:cNvSpPr>
-          <p:nvPr>
-            <p:ph idx="1"/>
-          </p:nvPr>
-        </p:nvSpPr>
-        <p:spPr/>
-        <p:txBody>
-          <a:bodyPr>
-            <a:normAutofit/>
-          </a:bodyPr>
-          <a:lstStyle/>
-          <a:p>
-            <a:r>
-              <a:rPr lang="en-US" dirty="0"/>
-              <a:t>No Functionality Loss or Downtime</a:t>
-            </a:r>
-          </a:p>
-          <a:p>
-            <a:r>
-              <a:rPr lang="en-US" dirty="0"/>
-              <a:t>One DB, Consistent Data</a:t>
-            </a:r>
-          </a:p>
-          <a:p>
-            <a:r>
-              <a:rPr lang="en-US" dirty="0"/>
-              <a:t>App&lt;</a:t>
-            </a:r>
-            <a:r>
-              <a:rPr lang="en-US" dirty="0">
-                <a:sym typeface="Wingdings" pitchFamily="2" charset="2"/>
-              </a:rPr>
-              <a:t>-&gt;DB Relationship Stays Simple</a:t>
-            </a:r>
-            <a:endParaRPr lang="en-US" dirty="0"/>
-          </a:p>
-          <a:p>
-            <a:endParaRPr lang="en-US" dirty="0"/>
-          </a:p>
-        </p:txBody>
-      </p:sp>
-    </p:spTree>
-    <p:extLst>
-      <p:ext uri="{BB962C8B-B14F-4D97-AF65-F5344CB8AC3E}">
-        <p14:creationId xmlns:p14="http://schemas.microsoft.com/office/powerpoint/2010/main" val="1615973001"/>
-      </p:ext>
-    </p:extLst>
-  </p:cSld>
-  <p:clrMapOvr>
-    <a:masterClrMapping/>
-  </p:clrMapOvr>
-</p:sld>
-</file>
-
-<file path=ppt/slides/slide37.xml><?xml version="1.0" encoding="utf-8"?>
-<p:sld xmlns:a="http://schemas.openxmlformats.org/drawingml/2006/main" xmlns:r="http://schemas.openxmlformats.org/officeDocument/2006/relationships" xmlns:p="http://schemas.openxmlformats.org/presentationml/2006/main">
-  <p:cSld>
-    <p:spTree>
-      <p:nvGrpSpPr>
-        <p:cNvPr id="1" name=""/>
-        <p:cNvGrpSpPr/>
-        <p:nvPr/>
-      </p:nvGrpSpPr>
-      <p:grpSpPr>
-        <a:xfrm>
-          <a:off x="0" y="0"/>
-          <a:ext cx="0" cy="0"/>
-          <a:chOff x="0" y="0"/>
-          <a:chExt cx="0" cy="0"/>
-        </a:xfrm>
-      </p:grpSpPr>
-      <p:sp>
-        <p:nvSpPr>
-          <p:cNvPr id="2" name="Title 1">
-            <a:extLst>
-              <a:ext uri="{FF2B5EF4-FFF2-40B4-BE49-F238E27FC236}">
-                <a16:creationId xmlns:a16="http://schemas.microsoft.com/office/drawing/2014/main" id="{7B0AE009-526E-C943-83FB-19F2E00BADC7}"/>
-              </a:ext>
-            </a:extLst>
-          </p:cNvPr>
-          <p:cNvSpPr>
-            <a:spLocks noGrp="1"/>
-          </p:cNvSpPr>
-          <p:nvPr>
-            <p:ph type="title"/>
-          </p:nvPr>
-        </p:nvSpPr>
-        <p:spPr/>
-        <p:txBody>
-          <a:bodyPr/>
-          <a:lstStyle/>
-          <a:p>
-            <a:r>
-              <a:rPr lang="en-US" dirty="0"/>
-              <a:t>What Did It Cost?</a:t>
-            </a:r>
-          </a:p>
-        </p:txBody>
-      </p:sp>
-      <p:sp>
-        <p:nvSpPr>
-          <p:cNvPr id="3" name="Content Placeholder 2">
-            <a:extLst>
-              <a:ext uri="{FF2B5EF4-FFF2-40B4-BE49-F238E27FC236}">
-                <a16:creationId xmlns:a16="http://schemas.microsoft.com/office/drawing/2014/main" id="{1D975588-89BB-E641-B0D3-34DAA00D23F6}"/>
-              </a:ext>
-            </a:extLst>
-          </p:cNvPr>
-          <p:cNvSpPr>
-            <a:spLocks noGrp="1"/>
-          </p:cNvSpPr>
-          <p:nvPr>
-            <p:ph idx="1"/>
-          </p:nvPr>
-        </p:nvSpPr>
-        <p:spPr/>
-        <p:txBody>
-          <a:bodyPr>
-            <a:normAutofit/>
-          </a:bodyPr>
-          <a:lstStyle/>
-          <a:p>
-            <a:r>
-              <a:rPr lang="en-US" dirty="0"/>
-              <a:t>Temporary Code Duplication</a:t>
-            </a:r>
-          </a:p>
-          <a:p>
-            <a:r>
-              <a:rPr lang="en-US" dirty="0"/>
-              <a:t>Terrible Separation of Concerns</a:t>
-            </a:r>
-          </a:p>
-          <a:p>
-            <a:r>
-              <a:rPr lang="en-US" dirty="0"/>
-              <a:t>DevOps</a:t>
-            </a:r>
-          </a:p>
-          <a:p>
-            <a:endParaRPr lang="en-US" dirty="0"/>
-          </a:p>
-          <a:p>
-            <a:endParaRPr lang="en-US" dirty="0"/>
-          </a:p>
-        </p:txBody>
-      </p:sp>
-    </p:spTree>
-    <p:extLst>
-      <p:ext uri="{BB962C8B-B14F-4D97-AF65-F5344CB8AC3E}">
-        <p14:creationId xmlns:p14="http://schemas.microsoft.com/office/powerpoint/2010/main" val="3050683768"/>
-      </p:ext>
-    </p:extLst>
-  </p:cSld>
-  <p:clrMapOvr>
-    <a:masterClrMapping/>
-  </p:clrMapOvr>
+  <p:timing>
+    <p:tnLst>
+      <p:par>
+        <p:cTn id="1" dur="indefinite" restart="never" nodeType="tmRoot">
+          <p:childTnLst>
+            <p:seq concurrent="1" nextAc="seek">
+              <p:cTn id="2" dur="indefinite" nodeType="mainSeq">
+                <p:childTnLst>
+                  <p:par>
+                    <p:cTn id="3" fill="hold">
+                      <p:stCondLst>
+                        <p:cond delay="indefinite"/>
+                      </p:stCondLst>
+                      <p:childTnLst>
+                        <p:par>
+                          <p:cTn id="4" fill="hold">
+                            <p:stCondLst>
+                              <p:cond delay="0"/>
+                            </p:stCondLst>
+                            <p:childTnLst>
+                              <p:par>
+                                <p:cTn id="5" presetID="1" presetClass="exit" presetSubtype="0" fill="hold" nodeType="clickEffect">
+                                  <p:stCondLst>
+                                    <p:cond delay="0"/>
+                                  </p:stCondLst>
+                                  <p:childTnLst>
+                                    <p:set>
+                                      <p:cBhvr>
+                                        <p:cTn id="6" dur="1" fill="hold">
+                                          <p:stCondLst>
+                                            <p:cond delay="0"/>
+                                          </p:stCondLst>
+                                        </p:cTn>
+                                        <p:tgtEl>
+                                          <p:spTgt spid="5"/>
+                                        </p:tgtEl>
+                                        <p:attrNameLst>
+                                          <p:attrName>style.visibility</p:attrName>
+                                        </p:attrNameLst>
+                                      </p:cBhvr>
+                                      <p:to>
+                                        <p:strVal val="hidden"/>
+                                      </p:to>
+                                    </p:set>
+                                  </p:childTnLst>
+                                </p:cTn>
+                              </p:par>
+                            </p:childTnLst>
+                          </p:cTn>
+                        </p:par>
+                        <p:par>
+                          <p:cTn id="7" fill="hold">
+                            <p:stCondLst>
+                              <p:cond delay="0"/>
+                            </p:stCondLst>
+                            <p:childTnLst>
+                              <p:par>
+                                <p:cTn id="8" presetID="1" presetClass="entr" presetSubtype="0" fill="hold" grpId="0" nodeType="afterEffect">
+                                  <p:stCondLst>
+                                    <p:cond delay="0"/>
+                                  </p:stCondLst>
+                                  <p:childTnLst>
+                                    <p:set>
+                                      <p:cBhvr>
+                                        <p:cTn id="9" dur="1" fill="hold">
+                                          <p:stCondLst>
+                                            <p:cond delay="0"/>
+                                          </p:stCondLst>
+                                        </p:cTn>
+                                        <p:tgtEl>
+                                          <p:spTgt spid="9"/>
+                                        </p:tgtEl>
+                                        <p:attrNameLst>
+                                          <p:attrName>style.visibility</p:attrName>
+                                        </p:attrNameLst>
+                                      </p:cBhvr>
+                                      <p:to>
+                                        <p:strVal val="visible"/>
+                                      </p:to>
+                                    </p:set>
+                                  </p:childTnLst>
+                                </p:cTn>
+                              </p:par>
+                            </p:childTnLst>
+                          </p:cTn>
+                        </p:par>
+                      </p:childTnLst>
+                    </p:cTn>
+                  </p:par>
+                </p:childTnLst>
+              </p:cTn>
+              <p:prevCondLst>
+                <p:cond evt="onPrev" delay="0">
+                  <p:tgtEl>
+                    <p:sldTgt/>
+                  </p:tgtEl>
+                </p:cond>
+              </p:prevCondLst>
+              <p:nextCondLst>
+                <p:cond evt="onNext" delay="0">
+                  <p:tgtEl>
+                    <p:sldTgt/>
+                  </p:tgtEl>
+                </p:cond>
+              </p:nextCondLst>
+            </p:seq>
+          </p:childTnLst>
+        </p:cTn>
+      </p:par>
+    </p:tnLst>
+    <p:bldLst>
+      <p:bldP spid="9" grpId="0"/>
+    </p:bldLst>
+  </p:timing>
 </p:sld>
 </file>
 
@@ -19687,7 +21326,7 @@
           <p:cNvPr id="2" name="Title 1">
             <a:extLst>
               <a:ext uri="{FF2B5EF4-FFF2-40B4-BE49-F238E27FC236}">
-                <a16:creationId xmlns:a16="http://schemas.microsoft.com/office/drawing/2014/main" id="{085284A2-C006-A443-A623-9EA4D1EB88AE}"/>
+                <a16:creationId xmlns:a16="http://schemas.microsoft.com/office/drawing/2014/main" id="{7B0AE009-526E-C943-83FB-19F2E00BADC7}"/>
               </a:ext>
             </a:extLst>
           </p:cNvPr>
@@ -19703,26 +21342,9 @@
           <a:bodyPr/>
           <a:lstStyle/>
           <a:p>
-            <a:pPr algn="l" defTabSz="914400" rtl="1" eaLnBrk="1" latinLnBrk="0" hangingPunct="1">
-              <a:lnSpc>
-                <a:spcPct val="90000"/>
-              </a:lnSpc>
-              <a:spcBef>
-                <a:spcPct val="0"/>
-              </a:spcBef>
-              <a:buNone/>
-            </a:pPr>
-            <a:r>
-              <a:rPr lang="he-IL" dirty="0" err="1"/>
-              <a:t>C</a:t>
-            </a:r>
-            <a:r>
-              <a:rPr lang="en-US" dirty="0" err="1"/>
-              <a:t>redit</a:t>
-            </a:r>
             <a:r>
               <a:rPr lang="en-US" dirty="0"/>
-              <a:t> &amp; Further Reading</a:t>
+              <a:t>What Did We Get?</a:t>
             </a:r>
           </a:p>
         </p:txBody>
@@ -19732,7 +21354,7 @@
           <p:cNvPr id="3" name="Content Placeholder 2">
             <a:extLst>
               <a:ext uri="{FF2B5EF4-FFF2-40B4-BE49-F238E27FC236}">
-                <a16:creationId xmlns:a16="http://schemas.microsoft.com/office/drawing/2014/main" id="{D68171BC-2A8C-8F44-92B1-3F65ED791C72}"/>
+                <a16:creationId xmlns:a16="http://schemas.microsoft.com/office/drawing/2014/main" id="{1D975588-89BB-E641-B0D3-34DAA00D23F6}"/>
               </a:ext>
             </a:extLst>
           </p:cNvPr>
@@ -19743,119 +21365,42 @@
             <p:ph idx="1"/>
           </p:nvPr>
         </p:nvSpPr>
-        <p:spPr>
-          <a:xfrm>
-            <a:off x="838199" y="1825625"/>
-            <a:ext cx="10879667" cy="4863042"/>
-          </a:xfrm>
-        </p:spPr>
+        <p:spPr/>
         <p:txBody>
           <a:bodyPr>
-            <a:normAutofit fontScale="92500" lnSpcReduction="20000"/>
+            <a:normAutofit/>
           </a:bodyPr>
           <a:lstStyle/>
           <a:p>
             <a:r>
               <a:rPr lang="en-US" dirty="0"/>
-              <a:t>Heavily Researched at </a:t>
+              <a:t>No Functionality Loss</a:t>
+            </a:r>
+          </a:p>
+          <a:p>
+            <a:endParaRPr lang="en-US" dirty="0"/>
+          </a:p>
+          <a:p>
+            <a:r>
+              <a:rPr lang="en-US" dirty="0"/>
+              <a:t>One DB, Consistent Data</a:t>
+            </a:r>
+          </a:p>
+          <a:p>
+            <a:endParaRPr lang="en-US" dirty="0"/>
+          </a:p>
+          <a:p>
+            <a:r>
+              <a:rPr lang="en-US" dirty="0"/>
+              <a:t>App&lt;</a:t>
             </a:r>
             <a:r>
               <a:rPr lang="en-US" dirty="0">
-                <a:hlinkClick r:id="rId2"/>
+                <a:sym typeface="Wingdings" pitchFamily="2" charset="2"/>
               </a:rPr>
-              <a:t>MassChallenge Inc.</a:t>
+              <a:t>-&gt;DB Relationship Stays Simple</a:t>
             </a:r>
             <a:endParaRPr lang="en-US" dirty="0"/>
-          </a:p>
-          <a:p>
-            <a:r>
-              <a:rPr lang="en-US" dirty="0"/>
-              <a:t>Try this at my </a:t>
-            </a:r>
-            <a:r>
-              <a:rPr lang="en-US" dirty="0">
-                <a:hlinkClick r:id="rId3"/>
-              </a:rPr>
-              <a:t>Demo App</a:t>
-            </a:r>
-            <a:endParaRPr lang="en-US" dirty="0"/>
-          </a:p>
-          <a:p>
-            <a:r>
-              <a:rPr lang="en-US" dirty="0"/>
-              <a:t>Inspired by </a:t>
-            </a:r>
-            <a:r>
-              <a:rPr lang="en-US" dirty="0">
-                <a:hlinkClick r:id="rId4"/>
-              </a:rPr>
-              <a:t>Django-hosts</a:t>
-            </a:r>
-            <a:endParaRPr lang="en-US" dirty="0"/>
-          </a:p>
-          <a:p>
-            <a:endParaRPr lang="en-US" dirty="0"/>
-          </a:p>
-          <a:p>
-            <a:r>
-              <a:rPr lang="en-US" dirty="0"/>
-              <a:t>Read more in </a:t>
-            </a:r>
-            <a:r>
-              <a:rPr lang="en-US" dirty="0">
-                <a:hlinkClick r:id="rId5"/>
-              </a:rPr>
-              <a:t>Martin Fowler's Blog</a:t>
-            </a:r>
-            <a:endParaRPr lang="en-US" dirty="0"/>
-          </a:p>
-          <a:p>
-            <a:r>
-              <a:rPr lang="en-US" dirty="0"/>
-              <a:t>And in an </a:t>
-            </a:r>
-            <a:r>
-              <a:rPr lang="en-US" dirty="0">
-                <a:hlinkClick r:id="rId6"/>
-              </a:rPr>
-              <a:t>AWS Whitepaper</a:t>
-            </a:r>
-            <a:endParaRPr lang="en-US" dirty="0"/>
-          </a:p>
-          <a:p>
-            <a:endParaRPr lang="en-US" dirty="0"/>
-          </a:p>
-          <a:p>
-            <a:r>
-              <a:rPr lang="en-US" dirty="0"/>
-              <a:t>Some Icons By </a:t>
-            </a:r>
-            <a:r>
-              <a:rPr lang="en-US" dirty="0" err="1"/>
-              <a:t>Ahm</a:t>
-            </a:r>
-            <a:r>
-              <a:rPr lang="en-US" dirty="0"/>
-              <a:t> </a:t>
-            </a:r>
-            <a:r>
-              <a:rPr lang="en-US" dirty="0" err="1"/>
-              <a:t>masum</a:t>
-            </a:r>
-            <a:r>
-              <a:rPr lang="en-US" dirty="0"/>
-              <a:t> (Own work) </a:t>
-            </a:r>
-            <a:r>
-              <a:rPr lang="en-US" dirty="0">
-                <a:hlinkClick r:id="rId7"/>
-              </a:rPr>
-              <a:t>CC BY-SA 4.0</a:t>
-            </a:r>
-            <a:r>
-              <a:rPr lang="en-US" dirty="0"/>
-              <a:t>, via Wikimedia Commons</a:t>
-            </a:r>
           </a:p>
           <a:p>
             <a:endParaRPr lang="en-US" dirty="0"/>
@@ -19865,7 +21410,7 @@
     </p:spTree>
     <p:extLst>
       <p:ext uri="{BB962C8B-B14F-4D97-AF65-F5344CB8AC3E}">
-        <p14:creationId xmlns:p14="http://schemas.microsoft.com/office/powerpoint/2010/main" val="3364895026"/>
+        <p14:creationId xmlns:p14="http://schemas.microsoft.com/office/powerpoint/2010/main" val="1615973001"/>
       </p:ext>
     </p:extLst>
   </p:cSld>
@@ -19897,7 +21442,7 @@
           <p:cNvPr id="2" name="Title 1">
             <a:extLst>
               <a:ext uri="{FF2B5EF4-FFF2-40B4-BE49-F238E27FC236}">
-                <a16:creationId xmlns:a16="http://schemas.microsoft.com/office/drawing/2014/main" id="{C196C949-19D5-CD44-BB4D-8A1C472E9906}"/>
+                <a16:creationId xmlns:a16="http://schemas.microsoft.com/office/drawing/2014/main" id="{7B0AE009-526E-C943-83FB-19F2E00BADC7}"/>
               </a:ext>
             </a:extLst>
           </p:cNvPr>
@@ -19908,30 +21453,76 @@
             <p:ph type="title"/>
           </p:nvPr>
         </p:nvSpPr>
-        <p:spPr>
-          <a:xfrm>
-            <a:off x="1" y="2049839"/>
-            <a:ext cx="12191999" cy="2378075"/>
-          </a:xfrm>
-        </p:spPr>
+        <p:spPr/>
+        <p:txBody>
+          <a:bodyPr/>
+          <a:lstStyle/>
+          <a:p>
+            <a:r>
+              <a:rPr lang="en-US" dirty="0"/>
+              <a:t>What Did It Cost?</a:t>
+            </a:r>
+          </a:p>
+        </p:txBody>
+      </p:sp>
+      <p:sp>
+        <p:nvSpPr>
+          <p:cNvPr id="3" name="Content Placeholder 2">
+            <a:extLst>
+              <a:ext uri="{FF2B5EF4-FFF2-40B4-BE49-F238E27FC236}">
+                <a16:creationId xmlns:a16="http://schemas.microsoft.com/office/drawing/2014/main" id="{1D975588-89BB-E641-B0D3-34DAA00D23F6}"/>
+              </a:ext>
+            </a:extLst>
+          </p:cNvPr>
+          <p:cNvSpPr>
+            <a:spLocks noGrp="1"/>
+          </p:cNvSpPr>
+          <p:nvPr>
+            <p:ph idx="1"/>
+          </p:nvPr>
+        </p:nvSpPr>
+        <p:spPr/>
         <p:txBody>
           <a:bodyPr>
             <a:normAutofit/>
           </a:bodyPr>
           <a:lstStyle/>
           <a:p>
-            <a:pPr algn="ctr"/>
             <a:r>
-              <a:rPr lang="en-US" sz="8000" b="1" dirty="0"/>
-              <a:t>Questions?</a:t>
+              <a:rPr lang="en-US" dirty="0"/>
+              <a:t>(Temporary) Code Duplication</a:t>
             </a:r>
+          </a:p>
+          <a:p>
+            <a:endParaRPr lang="en-US" dirty="0"/>
+          </a:p>
+          <a:p>
+            <a:r>
+              <a:rPr lang="en-US" dirty="0"/>
+              <a:t>Terrible Separation of Concerns</a:t>
+            </a:r>
+          </a:p>
+          <a:p>
+            <a:endParaRPr lang="en-US" dirty="0"/>
+          </a:p>
+          <a:p>
+            <a:r>
+              <a:rPr lang="en-US" dirty="0"/>
+              <a:t>“DevOps"</a:t>
+            </a:r>
+          </a:p>
+          <a:p>
+            <a:endParaRPr lang="en-US" dirty="0"/>
+          </a:p>
+          <a:p>
+            <a:endParaRPr lang="en-US" dirty="0"/>
           </a:p>
         </p:txBody>
       </p:sp>
     </p:spTree>
     <p:extLst>
       <p:ext uri="{BB962C8B-B14F-4D97-AF65-F5344CB8AC3E}">
-        <p14:creationId xmlns:p14="http://schemas.microsoft.com/office/powerpoint/2010/main" val="2758288420"/>
+        <p14:creationId xmlns:p14="http://schemas.microsoft.com/office/powerpoint/2010/main" val="3050683768"/>
       </p:ext>
     </p:extLst>
   </p:cSld>
@@ -20533,6 +22124,282 @@
           <p:cNvPr id="2" name="Title 1">
             <a:extLst>
               <a:ext uri="{FF2B5EF4-FFF2-40B4-BE49-F238E27FC236}">
+                <a16:creationId xmlns:a16="http://schemas.microsoft.com/office/drawing/2014/main" id="{085284A2-C006-A443-A623-9EA4D1EB88AE}"/>
+              </a:ext>
+            </a:extLst>
+          </p:cNvPr>
+          <p:cNvSpPr>
+            <a:spLocks noGrp="1"/>
+          </p:cNvSpPr>
+          <p:nvPr>
+            <p:ph type="title"/>
+          </p:nvPr>
+        </p:nvSpPr>
+        <p:spPr/>
+        <p:txBody>
+          <a:bodyPr/>
+          <a:lstStyle/>
+          <a:p>
+            <a:pPr algn="l" defTabSz="914400" rtl="1" eaLnBrk="1" latinLnBrk="0" hangingPunct="1">
+              <a:lnSpc>
+                <a:spcPct val="90000"/>
+              </a:lnSpc>
+              <a:spcBef>
+                <a:spcPct val="0"/>
+              </a:spcBef>
+              <a:buNone/>
+            </a:pPr>
+            <a:r>
+              <a:rPr lang="he-IL" dirty="0" err="1"/>
+              <a:t>C</a:t>
+            </a:r>
+            <a:r>
+              <a:rPr lang="en-US" dirty="0" err="1"/>
+              <a:t>redit</a:t>
+            </a:r>
+            <a:r>
+              <a:rPr lang="en-US" dirty="0"/>
+              <a:t> &amp; Further Reading</a:t>
+            </a:r>
+          </a:p>
+        </p:txBody>
+      </p:sp>
+      <p:sp>
+        <p:nvSpPr>
+          <p:cNvPr id="3" name="Content Placeholder 2">
+            <a:extLst>
+              <a:ext uri="{FF2B5EF4-FFF2-40B4-BE49-F238E27FC236}">
+                <a16:creationId xmlns:a16="http://schemas.microsoft.com/office/drawing/2014/main" id="{D68171BC-2A8C-8F44-92B1-3F65ED791C72}"/>
+              </a:ext>
+            </a:extLst>
+          </p:cNvPr>
+          <p:cNvSpPr>
+            <a:spLocks noGrp="1"/>
+          </p:cNvSpPr>
+          <p:nvPr>
+            <p:ph idx="1"/>
+          </p:nvPr>
+        </p:nvSpPr>
+        <p:spPr>
+          <a:xfrm>
+            <a:off x="838199" y="1825625"/>
+            <a:ext cx="10879667" cy="4863042"/>
+          </a:xfrm>
+        </p:spPr>
+        <p:txBody>
+          <a:bodyPr>
+            <a:normAutofit fontScale="92500" lnSpcReduction="20000"/>
+          </a:bodyPr>
+          <a:lstStyle/>
+          <a:p>
+            <a:r>
+              <a:rPr lang="en-US" dirty="0"/>
+              <a:t>Heavily Researched at </a:t>
+            </a:r>
+            <a:r>
+              <a:rPr lang="en-US" dirty="0">
+                <a:hlinkClick r:id="rId2"/>
+              </a:rPr>
+              <a:t>MassChallenge Inc.</a:t>
+            </a:r>
+            <a:endParaRPr lang="en-US" dirty="0"/>
+          </a:p>
+          <a:p>
+            <a:r>
+              <a:rPr lang="en-US" dirty="0"/>
+              <a:t>Try it out, with my </a:t>
+            </a:r>
+            <a:r>
+              <a:rPr lang="en-US" dirty="0">
+                <a:hlinkClick r:id="rId3"/>
+              </a:rPr>
+              <a:t>Demo App</a:t>
+            </a:r>
+            <a:endParaRPr lang="en-US" dirty="0"/>
+          </a:p>
+          <a:p>
+            <a:r>
+              <a:rPr lang="en-US" dirty="0"/>
+              <a:t>Inspired by </a:t>
+            </a:r>
+            <a:r>
+              <a:rPr lang="en-US" dirty="0">
+                <a:hlinkClick r:id="rId4"/>
+              </a:rPr>
+              <a:t>Django-hosts</a:t>
+            </a:r>
+            <a:endParaRPr lang="en-US" dirty="0"/>
+          </a:p>
+          <a:p>
+            <a:endParaRPr lang="en-US" dirty="0"/>
+          </a:p>
+          <a:p>
+            <a:r>
+              <a:rPr lang="en-US" dirty="0"/>
+              <a:t>Read more at </a:t>
+            </a:r>
+            <a:r>
+              <a:rPr lang="en-US" dirty="0">
+                <a:hlinkClick r:id="rId5"/>
+              </a:rPr>
+              <a:t>Martin Fowler's Blog</a:t>
+            </a:r>
+            <a:endParaRPr lang="en-US" dirty="0"/>
+          </a:p>
+          <a:p>
+            <a:r>
+              <a:rPr lang="en-US" dirty="0"/>
+              <a:t>And in this </a:t>
+            </a:r>
+            <a:r>
+              <a:rPr lang="en-US" dirty="0">
+                <a:hlinkClick r:id="rId6"/>
+              </a:rPr>
+              <a:t>AWS Whitepaper</a:t>
+            </a:r>
+            <a:endParaRPr lang="en-US" dirty="0"/>
+          </a:p>
+          <a:p>
+            <a:endParaRPr lang="en-US" dirty="0"/>
+          </a:p>
+          <a:p>
+            <a:r>
+              <a:rPr lang="en-US" dirty="0"/>
+              <a:t>Some Icons By </a:t>
+            </a:r>
+            <a:r>
+              <a:rPr lang="en-US" dirty="0" err="1"/>
+              <a:t>Ahm</a:t>
+            </a:r>
+            <a:r>
+              <a:rPr lang="en-US" dirty="0"/>
+              <a:t> </a:t>
+            </a:r>
+            <a:r>
+              <a:rPr lang="en-US" dirty="0" err="1"/>
+              <a:t>masum</a:t>
+            </a:r>
+            <a:r>
+              <a:rPr lang="en-US" dirty="0"/>
+              <a:t> (Own work) </a:t>
+            </a:r>
+            <a:r>
+              <a:rPr lang="en-US" dirty="0">
+                <a:hlinkClick r:id="rId7"/>
+              </a:rPr>
+              <a:t>CC BY-SA 4.0</a:t>
+            </a:r>
+            <a:r>
+              <a:rPr lang="en-US" dirty="0"/>
+              <a:t>, via Wikimedia Commons</a:t>
+            </a:r>
+          </a:p>
+          <a:p>
+            <a:endParaRPr lang="en-US" dirty="0"/>
+          </a:p>
+        </p:txBody>
+      </p:sp>
+    </p:spTree>
+    <p:extLst>
+      <p:ext uri="{BB962C8B-B14F-4D97-AF65-F5344CB8AC3E}">
+        <p14:creationId xmlns:p14="http://schemas.microsoft.com/office/powerpoint/2010/main" val="3364895026"/>
+      </p:ext>
+    </p:extLst>
+  </p:cSld>
+  <p:clrMapOvr>
+    <a:masterClrMapping/>
+  </p:clrMapOvr>
+</p:sld>
+</file>
+
+<file path=ppt/slides/slide41.xml><?xml version="1.0" encoding="utf-8"?>
+<p:sld xmlns:a="http://schemas.openxmlformats.org/drawingml/2006/main" xmlns:r="http://schemas.openxmlformats.org/officeDocument/2006/relationships" xmlns:p="http://schemas.openxmlformats.org/presentationml/2006/main">
+  <p:cSld>
+    <p:spTree>
+      <p:nvGrpSpPr>
+        <p:cNvPr id="1" name=""/>
+        <p:cNvGrpSpPr/>
+        <p:nvPr/>
+      </p:nvGrpSpPr>
+      <p:grpSpPr>
+        <a:xfrm>
+          <a:off x="0" y="0"/>
+          <a:ext cx="0" cy="0"/>
+          <a:chOff x="0" y="0"/>
+          <a:chExt cx="0" cy="0"/>
+        </a:xfrm>
+      </p:grpSpPr>
+      <p:sp>
+        <p:nvSpPr>
+          <p:cNvPr id="2" name="Title 1">
+            <a:extLst>
+              <a:ext uri="{FF2B5EF4-FFF2-40B4-BE49-F238E27FC236}">
+                <a16:creationId xmlns:a16="http://schemas.microsoft.com/office/drawing/2014/main" id="{C196C949-19D5-CD44-BB4D-8A1C472E9906}"/>
+              </a:ext>
+            </a:extLst>
+          </p:cNvPr>
+          <p:cNvSpPr>
+            <a:spLocks noGrp="1"/>
+          </p:cNvSpPr>
+          <p:nvPr>
+            <p:ph type="title"/>
+          </p:nvPr>
+        </p:nvSpPr>
+        <p:spPr>
+          <a:xfrm>
+            <a:off x="1" y="2049839"/>
+            <a:ext cx="12191999" cy="2378075"/>
+          </a:xfrm>
+        </p:spPr>
+        <p:txBody>
+          <a:bodyPr>
+            <a:normAutofit/>
+          </a:bodyPr>
+          <a:lstStyle/>
+          <a:p>
+            <a:pPr algn="ctr"/>
+            <a:r>
+              <a:rPr lang="en-US" sz="8000" b="1" dirty="0"/>
+              <a:t>Questions?</a:t>
+            </a:r>
+          </a:p>
+        </p:txBody>
+      </p:sp>
+    </p:spTree>
+    <p:extLst>
+      <p:ext uri="{BB962C8B-B14F-4D97-AF65-F5344CB8AC3E}">
+        <p14:creationId xmlns:p14="http://schemas.microsoft.com/office/powerpoint/2010/main" val="2758288420"/>
+      </p:ext>
+    </p:extLst>
+  </p:cSld>
+  <p:clrMapOvr>
+    <a:masterClrMapping/>
+  </p:clrMapOvr>
+</p:sld>
+</file>
+
+<file path=ppt/slides/slide42.xml><?xml version="1.0" encoding="utf-8"?>
+<p:sld xmlns:a="http://schemas.openxmlformats.org/drawingml/2006/main" xmlns:r="http://schemas.openxmlformats.org/officeDocument/2006/relationships" xmlns:p="http://schemas.openxmlformats.org/presentationml/2006/main">
+  <p:cSld>
+    <p:spTree>
+      <p:nvGrpSpPr>
+        <p:cNvPr id="1" name=""/>
+        <p:cNvGrpSpPr/>
+        <p:nvPr/>
+      </p:nvGrpSpPr>
+      <p:grpSpPr>
+        <a:xfrm>
+          <a:off x="0" y="0"/>
+          <a:ext cx="0" cy="0"/>
+          <a:chOff x="0" y="0"/>
+          <a:chExt cx="0" cy="0"/>
+        </a:xfrm>
+      </p:grpSpPr>
+      <p:sp>
+        <p:nvSpPr>
+          <p:cNvPr id="2" name="Title 1">
+            <a:extLst>
+              <a:ext uri="{FF2B5EF4-FFF2-40B4-BE49-F238E27FC236}">
                 <a16:creationId xmlns:a16="http://schemas.microsoft.com/office/drawing/2014/main" id="{C196C949-19D5-CD44-BB4D-8A1C472E9906}"/>
               </a:ext>
             </a:extLst>
@@ -20577,7 +22444,7 @@
 </p:sld>
 </file>
 
-<file path=ppt/slides/slide41.xml><?xml version="1.0" encoding="utf-8"?>
+<file path=ppt/slides/slide43.xml><?xml version="1.0" encoding="utf-8"?>
 <p:sld xmlns:a="http://schemas.openxmlformats.org/drawingml/2006/main" xmlns:r="http://schemas.openxmlformats.org/officeDocument/2006/relationships" xmlns:p="http://schemas.openxmlformats.org/presentationml/2006/main" show="0">
   <p:cSld>
     <p:spTree>
@@ -20640,7 +22507,9 @@
         </p:nvSpPr>
         <p:spPr/>
         <p:txBody>
-          <a:bodyPr/>
+          <a:bodyPr>
+            <a:normAutofit fontScale="92500"/>
+          </a:bodyPr>
           <a:lstStyle/>
           <a:p>
             <a:r>
@@ -20705,7 +22574,7 @@
 </p:sld>
 </file>
 
-<file path=ppt/slides/slide42.xml><?xml version="1.0" encoding="utf-8"?>
+<file path=ppt/slides/slide44.xml><?xml version="1.0" encoding="utf-8"?>
 <p:sld xmlns:a="http://schemas.openxmlformats.org/drawingml/2006/main" xmlns:r="http://schemas.openxmlformats.org/officeDocument/2006/relationships" xmlns:p="http://schemas.openxmlformats.org/presentationml/2006/main" show="0">
   <p:cSld>
     <p:spTree>
@@ -20829,7 +22698,7 @@
 </p:sld>
 </file>
 
-<file path=ppt/slides/slide43.xml><?xml version="1.0" encoding="utf-8"?>
+<file path=ppt/slides/slide45.xml><?xml version="1.0" encoding="utf-8"?>
 <p:sld xmlns:a="http://schemas.openxmlformats.org/drawingml/2006/main" xmlns:r="http://schemas.openxmlformats.org/officeDocument/2006/relationships" xmlns:p="http://schemas.openxmlformats.org/presentationml/2006/main" show="0">
   <p:cSld>
     <p:spTree>
@@ -21381,7 +23250,7 @@
 </p:sld>
 </file>
 
-<file path=ppt/slides/slide44.xml><?xml version="1.0" encoding="utf-8"?>
+<file path=ppt/slides/slide46.xml><?xml version="1.0" encoding="utf-8"?>
 <p:sld xmlns:a="http://schemas.openxmlformats.org/drawingml/2006/main" xmlns:r="http://schemas.openxmlformats.org/officeDocument/2006/relationships" xmlns:p="http://schemas.openxmlformats.org/presentationml/2006/main" show="0">
   <p:cSld>
     <p:spTree>
@@ -22199,7 +24068,7 @@
 </p:sld>
 </file>
 
-<file path=ppt/slides/slide45.xml><?xml version="1.0" encoding="utf-8"?>
+<file path=ppt/slides/slide47.xml><?xml version="1.0" encoding="utf-8"?>
 <p:sld xmlns:a="http://schemas.openxmlformats.org/drawingml/2006/main" xmlns:r="http://schemas.openxmlformats.org/officeDocument/2006/relationships" xmlns:p="http://schemas.openxmlformats.org/presentationml/2006/main" show="0">
   <p:cSld>
     <p:spTree>
@@ -23350,7 +25219,7 @@
 </p:sld>
 </file>
 
-<file path=ppt/slides/slide46.xml><?xml version="1.0" encoding="utf-8"?>
+<file path=ppt/slides/slide48.xml><?xml version="1.0" encoding="utf-8"?>
 <p:sld xmlns:a="http://schemas.openxmlformats.org/drawingml/2006/main" xmlns:r="http://schemas.openxmlformats.org/officeDocument/2006/relationships" xmlns:p="http://schemas.openxmlformats.org/presentationml/2006/main" show="0">
   <p:cSld>
     <p:spTree>
@@ -24168,182 +26037,6 @@
 </p:sld>
 </file>
 
-<file path=ppt/slides/slide47.xml><?xml version="1.0" encoding="utf-8"?>
-<p:sld xmlns:a="http://schemas.openxmlformats.org/drawingml/2006/main" xmlns:r="http://schemas.openxmlformats.org/officeDocument/2006/relationships" xmlns:p="http://schemas.openxmlformats.org/presentationml/2006/main" show="0">
-  <p:cSld>
-    <p:spTree>
-      <p:nvGrpSpPr>
-        <p:cNvPr id="1" name=""/>
-        <p:cNvGrpSpPr/>
-        <p:nvPr/>
-      </p:nvGrpSpPr>
-      <p:grpSpPr>
-        <a:xfrm>
-          <a:off x="0" y="0"/>
-          <a:ext cx="0" cy="0"/>
-          <a:chOff x="0" y="0"/>
-          <a:chExt cx="0" cy="0"/>
-        </a:xfrm>
-      </p:grpSpPr>
-      <p:sp>
-        <p:nvSpPr>
-          <p:cNvPr id="2" name="Title 1">
-            <a:extLst>
-              <a:ext uri="{FF2B5EF4-FFF2-40B4-BE49-F238E27FC236}">
-                <a16:creationId xmlns:a16="http://schemas.microsoft.com/office/drawing/2014/main" id="{8A1AC356-DE75-DF4E-98A9-1994F099F7E5}"/>
-              </a:ext>
-            </a:extLst>
-          </p:cNvPr>
-          <p:cNvSpPr>
-            <a:spLocks noGrp="1"/>
-          </p:cNvSpPr>
-          <p:nvPr>
-            <p:ph type="title"/>
-          </p:nvPr>
-        </p:nvSpPr>
-        <p:spPr/>
-        <p:txBody>
-          <a:bodyPr/>
-          <a:lstStyle/>
-          <a:p>
-            <a:r>
-              <a:rPr lang="en-US" dirty="0"/>
-              <a:t>Routing + Behavior</a:t>
-            </a:r>
-          </a:p>
-        </p:txBody>
-      </p:sp>
-      <p:pic>
-        <p:nvPicPr>
-          <p:cNvPr id="5" name="Picture 4">
-            <a:extLst>
-              <a:ext uri="{FF2B5EF4-FFF2-40B4-BE49-F238E27FC236}">
-                <a16:creationId xmlns:a16="http://schemas.microsoft.com/office/drawing/2014/main" id="{A9916334-2CC3-C145-9C14-E058D7BF85E3}"/>
-              </a:ext>
-            </a:extLst>
-          </p:cNvPr>
-          <p:cNvPicPr>
-            <a:picLocks noChangeAspect="1"/>
-          </p:cNvPicPr>
-          <p:nvPr/>
-        </p:nvPicPr>
-        <p:blipFill>
-          <a:blip r:embed="rId2"/>
-          <a:stretch>
-            <a:fillRect/>
-          </a:stretch>
-        </p:blipFill>
-        <p:spPr>
-          <a:xfrm>
-            <a:off x="838200" y="1517649"/>
-            <a:ext cx="10958206" cy="4331607"/>
-          </a:xfrm>
-          <a:prstGeom prst="rect">
-            <a:avLst/>
-          </a:prstGeom>
-        </p:spPr>
-      </p:pic>
-    </p:spTree>
-    <p:extLst>
-      <p:ext uri="{BB962C8B-B14F-4D97-AF65-F5344CB8AC3E}">
-        <p14:creationId xmlns:p14="http://schemas.microsoft.com/office/powerpoint/2010/main" val="40870681"/>
-      </p:ext>
-    </p:extLst>
-  </p:cSld>
-  <p:clrMapOvr>
-    <a:masterClrMapping/>
-  </p:clrMapOvr>
-</p:sld>
-</file>
-
-<file path=ppt/slides/slide48.xml><?xml version="1.0" encoding="utf-8"?>
-<p:sld xmlns:a="http://schemas.openxmlformats.org/drawingml/2006/main" xmlns:r="http://schemas.openxmlformats.org/officeDocument/2006/relationships" xmlns:p="http://schemas.openxmlformats.org/presentationml/2006/main" show="0">
-  <p:cSld>
-    <p:spTree>
-      <p:nvGrpSpPr>
-        <p:cNvPr id="1" name=""/>
-        <p:cNvGrpSpPr/>
-        <p:nvPr/>
-      </p:nvGrpSpPr>
-      <p:grpSpPr>
-        <a:xfrm>
-          <a:off x="0" y="0"/>
-          <a:ext cx="0" cy="0"/>
-          <a:chOff x="0" y="0"/>
-          <a:chExt cx="0" cy="0"/>
-        </a:xfrm>
-      </p:grpSpPr>
-      <p:sp>
-        <p:nvSpPr>
-          <p:cNvPr id="2" name="Title 1">
-            <a:extLst>
-              <a:ext uri="{FF2B5EF4-FFF2-40B4-BE49-F238E27FC236}">
-                <a16:creationId xmlns:a16="http://schemas.microsoft.com/office/drawing/2014/main" id="{01A8CE6E-2EE6-574E-936C-92EE29BB16D7}"/>
-              </a:ext>
-            </a:extLst>
-          </p:cNvPr>
-          <p:cNvSpPr>
-            <a:spLocks noGrp="1"/>
-          </p:cNvSpPr>
-          <p:nvPr>
-            <p:ph type="title"/>
-          </p:nvPr>
-        </p:nvSpPr>
-        <p:spPr/>
-        <p:txBody>
-          <a:bodyPr/>
-          <a:lstStyle/>
-          <a:p>
-            <a:r>
-              <a:rPr lang="en-US" dirty="0"/>
-              <a:t>Routing + Behavior</a:t>
-            </a:r>
-          </a:p>
-        </p:txBody>
-      </p:sp>
-      <p:pic>
-        <p:nvPicPr>
-          <p:cNvPr id="4" name="Picture 3">
-            <a:extLst>
-              <a:ext uri="{FF2B5EF4-FFF2-40B4-BE49-F238E27FC236}">
-                <a16:creationId xmlns:a16="http://schemas.microsoft.com/office/drawing/2014/main" id="{B708E40E-05F3-7A49-B20F-F27C1B429C08}"/>
-              </a:ext>
-            </a:extLst>
-          </p:cNvPr>
-          <p:cNvPicPr>
-            <a:picLocks noChangeAspect="1"/>
-          </p:cNvPicPr>
-          <p:nvPr/>
-        </p:nvPicPr>
-        <p:blipFill>
-          <a:blip r:embed="rId2"/>
-          <a:stretch>
-            <a:fillRect/>
-          </a:stretch>
-        </p:blipFill>
-        <p:spPr>
-          <a:xfrm>
-            <a:off x="838200" y="2036535"/>
-            <a:ext cx="10722754" cy="2666093"/>
-          </a:xfrm>
-          <a:prstGeom prst="rect">
-            <a:avLst/>
-          </a:prstGeom>
-        </p:spPr>
-      </p:pic>
-    </p:spTree>
-    <p:extLst>
-      <p:ext uri="{BB962C8B-B14F-4D97-AF65-F5344CB8AC3E}">
-        <p14:creationId xmlns:p14="http://schemas.microsoft.com/office/powerpoint/2010/main" val="1017878124"/>
-      </p:ext>
-    </p:extLst>
-  </p:cSld>
-  <p:clrMapOvr>
-    <a:masterClrMapping/>
-  </p:clrMapOvr>
-</p:sld>
-</file>
-
 <file path=ppt/slides/slide49.xml><?xml version="1.0" encoding="utf-8"?>
 <p:sld xmlns:a="http://schemas.openxmlformats.org/drawingml/2006/main" xmlns:r="http://schemas.openxmlformats.org/officeDocument/2006/relationships" xmlns:p="http://schemas.openxmlformats.org/presentationml/2006/main" show="0">
   <p:cSld>
@@ -24366,7 +26059,7 @@
           <p:cNvPr id="2" name="Title 1">
             <a:extLst>
               <a:ext uri="{FF2B5EF4-FFF2-40B4-BE49-F238E27FC236}">
-                <a16:creationId xmlns:a16="http://schemas.microsoft.com/office/drawing/2014/main" id="{C1C8AD85-E247-1948-8A09-77C4E5C3FF16}"/>
+                <a16:creationId xmlns:a16="http://schemas.microsoft.com/office/drawing/2014/main" id="{8A1AC356-DE75-DF4E-98A9-1994F099F7E5}"/>
               </a:ext>
             </a:extLst>
           </p:cNvPr>
@@ -24389,121 +26082,40 @@
           </a:p>
         </p:txBody>
       </p:sp>
-      <p:sp>
-        <p:nvSpPr>
-          <p:cNvPr id="3" name="Content Placeholder 2">
+      <p:pic>
+        <p:nvPicPr>
+          <p:cNvPr id="5" name="Picture 4">
             <a:extLst>
               <a:ext uri="{FF2B5EF4-FFF2-40B4-BE49-F238E27FC236}">
-                <a16:creationId xmlns:a16="http://schemas.microsoft.com/office/drawing/2014/main" id="{BBE4DBD6-CDA4-9C43-983C-C0ADBBD12FBF}"/>
+                <a16:creationId xmlns:a16="http://schemas.microsoft.com/office/drawing/2014/main" id="{A9916334-2CC3-C145-9C14-E058D7BF85E3}"/>
               </a:ext>
             </a:extLst>
           </p:cNvPr>
-          <p:cNvSpPr>
-            <a:spLocks noGrp="1"/>
-          </p:cNvSpPr>
-          <p:nvPr>
-            <p:ph idx="1"/>
-          </p:nvPr>
-        </p:nvSpPr>
+          <p:cNvPicPr>
+            <a:picLocks noChangeAspect="1"/>
+          </p:cNvPicPr>
+          <p:nvPr/>
+        </p:nvPicPr>
+        <p:blipFill>
+          <a:blip r:embed="rId2"/>
+          <a:stretch>
+            <a:fillRect/>
+          </a:stretch>
+        </p:blipFill>
         <p:spPr>
           <a:xfrm>
-            <a:off x="838200" y="1825624"/>
-            <a:ext cx="10515600" cy="4662261"/>
-          </a:xfrm>
+            <a:off x="838200" y="1517649"/>
+            <a:ext cx="10958206" cy="4331607"/>
+          </a:xfrm>
+          <a:prstGeom prst="rect">
+            <a:avLst/>
+          </a:prstGeom>
         </p:spPr>
-        <p:txBody>
-          <a:bodyPr>
-            <a:normAutofit/>
-          </a:bodyPr>
-          <a:lstStyle/>
-          <a:p>
-            <a:r>
-              <a:rPr lang="en-US" dirty="0"/>
-              <a:t>Apply code changes to </a:t>
-            </a:r>
-            <a:r>
-              <a:rPr lang="en-US" b="1" dirty="0"/>
-              <a:t>core</a:t>
-            </a:r>
-            <a:r>
-              <a:rPr lang="en-US" dirty="0"/>
-              <a:t>, </a:t>
-            </a:r>
-          </a:p>
-          <a:p>
-            <a:pPr lvl="1"/>
-            <a:r>
-              <a:rPr lang="en-US" dirty="0"/>
-              <a:t>while </a:t>
-            </a:r>
-            <a:r>
-              <a:rPr lang="en-US" b="1" dirty="0" err="1"/>
-              <a:t>core_old</a:t>
-            </a:r>
-            <a:r>
-              <a:rPr lang="en-US" dirty="0"/>
-              <a:t> serves current version</a:t>
-            </a:r>
-          </a:p>
-          <a:p>
-            <a:r>
-              <a:rPr lang="en-US" dirty="0"/>
-              <a:t>Create the </a:t>
-            </a:r>
-            <a:r>
-              <a:rPr lang="en-US" b="1" dirty="0"/>
-              <a:t>switching migration</a:t>
-            </a:r>
-            <a:r>
-              <a:rPr lang="en-US" dirty="0"/>
-              <a:t> in </a:t>
-            </a:r>
-            <a:r>
-              <a:rPr lang="en-US" b="1" dirty="0"/>
-              <a:t>core</a:t>
-            </a:r>
-            <a:endParaRPr lang="en-US" dirty="0"/>
-          </a:p>
-          <a:p>
-            <a:r>
-              <a:rPr lang="en-US" dirty="0"/>
-              <a:t>Apply </a:t>
-            </a:r>
-            <a:r>
-              <a:rPr lang="en-US" b="1" dirty="0"/>
-              <a:t>migration</a:t>
-            </a:r>
-          </a:p>
-          <a:p>
-            <a:pPr lvl="1"/>
-            <a:r>
-              <a:rPr lang="en-US" dirty="0"/>
-              <a:t>Requires restart server</a:t>
-            </a:r>
-          </a:p>
-          <a:p>
-            <a:r>
-              <a:rPr lang="en-US" dirty="0"/>
-              <a:t>Delete </a:t>
-            </a:r>
-            <a:r>
-              <a:rPr lang="en-US" b="1" dirty="0" err="1"/>
-              <a:t>core_old</a:t>
-            </a:r>
-            <a:endParaRPr lang="en-US" b="1" dirty="0"/>
-          </a:p>
-          <a:p>
-            <a:r>
-              <a:rPr lang="en-US" dirty="0"/>
-              <a:t>Profit</a:t>
-            </a:r>
-          </a:p>
-        </p:txBody>
-      </p:sp>
+      </p:pic>
     </p:spTree>
     <p:extLst>
       <p:ext uri="{BB962C8B-B14F-4D97-AF65-F5344CB8AC3E}">
-        <p14:creationId xmlns:p14="http://schemas.microsoft.com/office/powerpoint/2010/main" val="2097399329"/>
+        <p14:creationId xmlns:p14="http://schemas.microsoft.com/office/powerpoint/2010/main" val="40870681"/>
       </p:ext>
     </p:extLst>
   </p:cSld>
@@ -25455,6 +27067,263 @@
           <p:cNvPr id="2" name="Title 1">
             <a:extLst>
               <a:ext uri="{FF2B5EF4-FFF2-40B4-BE49-F238E27FC236}">
+                <a16:creationId xmlns:a16="http://schemas.microsoft.com/office/drawing/2014/main" id="{01A8CE6E-2EE6-574E-936C-92EE29BB16D7}"/>
+              </a:ext>
+            </a:extLst>
+          </p:cNvPr>
+          <p:cNvSpPr>
+            <a:spLocks noGrp="1"/>
+          </p:cNvSpPr>
+          <p:nvPr>
+            <p:ph type="title"/>
+          </p:nvPr>
+        </p:nvSpPr>
+        <p:spPr/>
+        <p:txBody>
+          <a:bodyPr/>
+          <a:lstStyle/>
+          <a:p>
+            <a:r>
+              <a:rPr lang="en-US" dirty="0"/>
+              <a:t>Routing + Behavior</a:t>
+            </a:r>
+          </a:p>
+        </p:txBody>
+      </p:sp>
+      <p:pic>
+        <p:nvPicPr>
+          <p:cNvPr id="4" name="Picture 3">
+            <a:extLst>
+              <a:ext uri="{FF2B5EF4-FFF2-40B4-BE49-F238E27FC236}">
+                <a16:creationId xmlns:a16="http://schemas.microsoft.com/office/drawing/2014/main" id="{B708E40E-05F3-7A49-B20F-F27C1B429C08}"/>
+              </a:ext>
+            </a:extLst>
+          </p:cNvPr>
+          <p:cNvPicPr>
+            <a:picLocks noChangeAspect="1"/>
+          </p:cNvPicPr>
+          <p:nvPr/>
+        </p:nvPicPr>
+        <p:blipFill>
+          <a:blip r:embed="rId2"/>
+          <a:stretch>
+            <a:fillRect/>
+          </a:stretch>
+        </p:blipFill>
+        <p:spPr>
+          <a:xfrm>
+            <a:off x="838200" y="2036535"/>
+            <a:ext cx="10722754" cy="2666093"/>
+          </a:xfrm>
+          <a:prstGeom prst="rect">
+            <a:avLst/>
+          </a:prstGeom>
+        </p:spPr>
+      </p:pic>
+    </p:spTree>
+    <p:extLst>
+      <p:ext uri="{BB962C8B-B14F-4D97-AF65-F5344CB8AC3E}">
+        <p14:creationId xmlns:p14="http://schemas.microsoft.com/office/powerpoint/2010/main" val="1017878124"/>
+      </p:ext>
+    </p:extLst>
+  </p:cSld>
+  <p:clrMapOvr>
+    <a:masterClrMapping/>
+  </p:clrMapOvr>
+</p:sld>
+</file>
+
+<file path=ppt/slides/slide51.xml><?xml version="1.0" encoding="utf-8"?>
+<p:sld xmlns:a="http://schemas.openxmlformats.org/drawingml/2006/main" xmlns:r="http://schemas.openxmlformats.org/officeDocument/2006/relationships" xmlns:p="http://schemas.openxmlformats.org/presentationml/2006/main" show="0">
+  <p:cSld>
+    <p:spTree>
+      <p:nvGrpSpPr>
+        <p:cNvPr id="1" name=""/>
+        <p:cNvGrpSpPr/>
+        <p:nvPr/>
+      </p:nvGrpSpPr>
+      <p:grpSpPr>
+        <a:xfrm>
+          <a:off x="0" y="0"/>
+          <a:ext cx="0" cy="0"/>
+          <a:chOff x="0" y="0"/>
+          <a:chExt cx="0" cy="0"/>
+        </a:xfrm>
+      </p:grpSpPr>
+      <p:sp>
+        <p:nvSpPr>
+          <p:cNvPr id="2" name="Title 1">
+            <a:extLst>
+              <a:ext uri="{FF2B5EF4-FFF2-40B4-BE49-F238E27FC236}">
+                <a16:creationId xmlns:a16="http://schemas.microsoft.com/office/drawing/2014/main" id="{C1C8AD85-E247-1948-8A09-77C4E5C3FF16}"/>
+              </a:ext>
+            </a:extLst>
+          </p:cNvPr>
+          <p:cNvSpPr>
+            <a:spLocks noGrp="1"/>
+          </p:cNvSpPr>
+          <p:nvPr>
+            <p:ph type="title"/>
+          </p:nvPr>
+        </p:nvSpPr>
+        <p:spPr/>
+        <p:txBody>
+          <a:bodyPr/>
+          <a:lstStyle/>
+          <a:p>
+            <a:r>
+              <a:rPr lang="en-US" dirty="0"/>
+              <a:t>Routing + Behavior</a:t>
+            </a:r>
+          </a:p>
+        </p:txBody>
+      </p:sp>
+      <p:sp>
+        <p:nvSpPr>
+          <p:cNvPr id="3" name="Content Placeholder 2">
+            <a:extLst>
+              <a:ext uri="{FF2B5EF4-FFF2-40B4-BE49-F238E27FC236}">
+                <a16:creationId xmlns:a16="http://schemas.microsoft.com/office/drawing/2014/main" id="{BBE4DBD6-CDA4-9C43-983C-C0ADBBD12FBF}"/>
+              </a:ext>
+            </a:extLst>
+          </p:cNvPr>
+          <p:cNvSpPr>
+            <a:spLocks noGrp="1"/>
+          </p:cNvSpPr>
+          <p:nvPr>
+            <p:ph idx="1"/>
+          </p:nvPr>
+        </p:nvSpPr>
+        <p:spPr>
+          <a:xfrm>
+            <a:off x="838200" y="1825624"/>
+            <a:ext cx="10515600" cy="4662261"/>
+          </a:xfrm>
+        </p:spPr>
+        <p:txBody>
+          <a:bodyPr>
+            <a:normAutofit/>
+          </a:bodyPr>
+          <a:lstStyle/>
+          <a:p>
+            <a:r>
+              <a:rPr lang="en-US" dirty="0"/>
+              <a:t>Apply code changes to </a:t>
+            </a:r>
+            <a:r>
+              <a:rPr lang="en-US" b="1" dirty="0"/>
+              <a:t>core</a:t>
+            </a:r>
+            <a:r>
+              <a:rPr lang="en-US" dirty="0"/>
+              <a:t>, </a:t>
+            </a:r>
+          </a:p>
+          <a:p>
+            <a:pPr lvl="1"/>
+            <a:r>
+              <a:rPr lang="en-US" dirty="0"/>
+              <a:t>while </a:t>
+            </a:r>
+            <a:r>
+              <a:rPr lang="en-US" b="1" dirty="0" err="1"/>
+              <a:t>core_old</a:t>
+            </a:r>
+            <a:r>
+              <a:rPr lang="en-US" dirty="0"/>
+              <a:t> serves current version</a:t>
+            </a:r>
+          </a:p>
+          <a:p>
+            <a:r>
+              <a:rPr lang="en-US" dirty="0"/>
+              <a:t>Create the </a:t>
+            </a:r>
+            <a:r>
+              <a:rPr lang="en-US" b="1" dirty="0"/>
+              <a:t>switching migration</a:t>
+            </a:r>
+            <a:r>
+              <a:rPr lang="en-US" dirty="0"/>
+              <a:t> in </a:t>
+            </a:r>
+            <a:r>
+              <a:rPr lang="en-US" b="1" dirty="0"/>
+              <a:t>core</a:t>
+            </a:r>
+            <a:endParaRPr lang="en-US" dirty="0"/>
+          </a:p>
+          <a:p>
+            <a:r>
+              <a:rPr lang="en-US" dirty="0"/>
+              <a:t>Apply </a:t>
+            </a:r>
+            <a:r>
+              <a:rPr lang="en-US" b="1" dirty="0"/>
+              <a:t>migration</a:t>
+            </a:r>
+          </a:p>
+          <a:p>
+            <a:pPr lvl="1"/>
+            <a:r>
+              <a:rPr lang="en-US" dirty="0"/>
+              <a:t>Requires restart server</a:t>
+            </a:r>
+          </a:p>
+          <a:p>
+            <a:r>
+              <a:rPr lang="en-US" dirty="0"/>
+              <a:t>Delete </a:t>
+            </a:r>
+            <a:r>
+              <a:rPr lang="en-US" b="1" dirty="0" err="1"/>
+              <a:t>core_old</a:t>
+            </a:r>
+            <a:endParaRPr lang="en-US" b="1" dirty="0"/>
+          </a:p>
+          <a:p>
+            <a:r>
+              <a:rPr lang="en-US" dirty="0"/>
+              <a:t>Profit</a:t>
+            </a:r>
+          </a:p>
+        </p:txBody>
+      </p:sp>
+    </p:spTree>
+    <p:extLst>
+      <p:ext uri="{BB962C8B-B14F-4D97-AF65-F5344CB8AC3E}">
+        <p14:creationId xmlns:p14="http://schemas.microsoft.com/office/powerpoint/2010/main" val="2097399329"/>
+      </p:ext>
+    </p:extLst>
+  </p:cSld>
+  <p:clrMapOvr>
+    <a:masterClrMapping/>
+  </p:clrMapOvr>
+</p:sld>
+</file>
+
+<file path=ppt/slides/slide52.xml><?xml version="1.0" encoding="utf-8"?>
+<p:sld xmlns:a="http://schemas.openxmlformats.org/drawingml/2006/main" xmlns:r="http://schemas.openxmlformats.org/officeDocument/2006/relationships" xmlns:p="http://schemas.openxmlformats.org/presentationml/2006/main" show="0">
+  <p:cSld>
+    <p:spTree>
+      <p:nvGrpSpPr>
+        <p:cNvPr id="1" name=""/>
+        <p:cNvGrpSpPr/>
+        <p:nvPr/>
+      </p:nvGrpSpPr>
+      <p:grpSpPr>
+        <a:xfrm>
+          <a:off x="0" y="0"/>
+          <a:ext cx="0" cy="0"/>
+          <a:chOff x="0" y="0"/>
+          <a:chExt cx="0" cy="0"/>
+        </a:xfrm>
+      </p:grpSpPr>
+      <p:sp>
+        <p:nvSpPr>
+          <p:cNvPr id="2" name="Title 1">
+            <a:extLst>
+              <a:ext uri="{FF2B5EF4-FFF2-40B4-BE49-F238E27FC236}">
                 <a16:creationId xmlns:a16="http://schemas.microsoft.com/office/drawing/2014/main" id="{7917330C-36ED-C249-BCD9-8538ACF1ABFF}"/>
               </a:ext>
             </a:extLst>
@@ -25516,7 +27385,7 @@
 </p:sld>
 </file>
 
-<file path=ppt/slides/slide51.xml><?xml version="1.0" encoding="utf-8"?>
+<file path=ppt/slides/slide53.xml><?xml version="1.0" encoding="utf-8"?>
 <p:sld xmlns:a="http://schemas.openxmlformats.org/drawingml/2006/main" xmlns:r="http://schemas.openxmlformats.org/officeDocument/2006/relationships" xmlns:p="http://schemas.openxmlformats.org/presentationml/2006/main" show="0">
   <p:cSld>
     <p:spTree>
@@ -26524,7 +28393,7 @@
         <p:spPr>
           <a:xfrm>
             <a:off x="0" y="4236226"/>
-            <a:ext cx="12191999" cy="830997"/>
+            <a:ext cx="12191999" cy="707886"/>
           </a:xfrm>
           <a:prstGeom prst="rect">
             <a:avLst/>
@@ -26538,7 +28407,10 @@
           <a:p>
             <a:pPr algn="ctr"/>
             <a:r>
-              <a:rPr lang="en-US" sz="4800" dirty="0"/>
+              <a:rPr lang="en-US" sz="4000" dirty="0">
+                <a:latin typeface="Open Sans Hebrew" pitchFamily="2" charset="-79"/>
+                <a:cs typeface="Open Sans Hebrew" pitchFamily="2" charset="-79"/>
+              </a:rPr>
               <a:t>Blue/Green Deployment</a:t>
             </a:r>
           </a:p>

--- a/PyWebIL - App Based Blue Green Migrations With Django.pptx
+++ b/PyWebIL - App Based Blue Green Migrations With Django.pptx
@@ -5,7 +5,7 @@
     <p:sldMasterId id="2147483648" r:id="rId1"/>
   </p:sldMasterIdLst>
   <p:notesMasterIdLst>
-    <p:notesMasterId r:id="rId55"/>
+    <p:notesMasterId r:id="rId56"/>
   </p:notesMasterIdLst>
   <p:sldIdLst>
     <p:sldId id="256" r:id="rId2"/>
@@ -47,20 +47,21 @@
     <p:sldId id="335" r:id="rId38"/>
     <p:sldId id="308" r:id="rId39"/>
     <p:sldId id="340" r:id="rId40"/>
-    <p:sldId id="270" r:id="rId41"/>
-    <p:sldId id="326" r:id="rId42"/>
-    <p:sldId id="327" r:id="rId43"/>
-    <p:sldId id="321" r:id="rId44"/>
-    <p:sldId id="300" r:id="rId45"/>
-    <p:sldId id="322" r:id="rId46"/>
-    <p:sldId id="323" r:id="rId47"/>
-    <p:sldId id="324" r:id="rId48"/>
-    <p:sldId id="325" r:id="rId49"/>
-    <p:sldId id="336" r:id="rId50"/>
-    <p:sldId id="337" r:id="rId51"/>
-    <p:sldId id="338" r:id="rId52"/>
-    <p:sldId id="339" r:id="rId53"/>
-    <p:sldId id="258" r:id="rId54"/>
+    <p:sldId id="326" r:id="rId41"/>
+    <p:sldId id="270" r:id="rId42"/>
+    <p:sldId id="347" r:id="rId43"/>
+    <p:sldId id="327" r:id="rId44"/>
+    <p:sldId id="321" r:id="rId45"/>
+    <p:sldId id="300" r:id="rId46"/>
+    <p:sldId id="322" r:id="rId47"/>
+    <p:sldId id="323" r:id="rId48"/>
+    <p:sldId id="324" r:id="rId49"/>
+    <p:sldId id="325" r:id="rId50"/>
+    <p:sldId id="336" r:id="rId51"/>
+    <p:sldId id="337" r:id="rId52"/>
+    <p:sldId id="338" r:id="rId53"/>
+    <p:sldId id="339" r:id="rId54"/>
+    <p:sldId id="258" r:id="rId55"/>
   </p:sldIdLst>
   <p:sldSz cx="12192000" cy="6858000"/>
   <p:notesSz cx="6858000" cy="9144000"/>
@@ -203,8 +204,9 @@
             <p14:sldId id="335"/>
             <p14:sldId id="308"/>
             <p14:sldId id="340"/>
+            <p14:sldId id="326"/>
             <p14:sldId id="270"/>
-            <p14:sldId id="326"/>
+            <p14:sldId id="347"/>
             <p14:sldId id="327"/>
             <p14:sldId id="321"/>
           </p14:sldIdLst>
@@ -861,7 +863,7 @@
           <a:p>
             <a:fld id="{0D77ECBE-96AF-DB40-A8BA-AEB6B0FEA58D}" type="slidenum">
               <a:rPr lang="en-US" smtClean="0"/>
-              <a:t>42</a:t>
+              <a:t>43</a:t>
             </a:fld>
             <a:endParaRPr lang="en-US"/>
           </a:p>
@@ -1773,7 +1775,7 @@
           <a:p>
             <a:fld id="{0D77ECBE-96AF-DB40-A8BA-AEB6B0FEA58D}" type="slidenum">
               <a:rPr lang="en-US" smtClean="0"/>
-              <a:t>53</a:t>
+              <a:t>54</a:t>
             </a:fld>
             <a:endParaRPr lang="en-US"/>
           </a:p>
@@ -21499,7 +21501,7 @@
           <a:p>
             <a:r>
               <a:rPr lang="en-US" dirty="0"/>
-              <a:t>Terrible Separation of Concerns</a:t>
+              <a:t>Smells Bad</a:t>
             </a:r>
           </a:p>
           <a:p>
@@ -22124,6 +22126,72 @@
           <p:cNvPr id="2" name="Title 1">
             <a:extLst>
               <a:ext uri="{FF2B5EF4-FFF2-40B4-BE49-F238E27FC236}">
+                <a16:creationId xmlns:a16="http://schemas.microsoft.com/office/drawing/2014/main" id="{C196C949-19D5-CD44-BB4D-8A1C472E9906}"/>
+              </a:ext>
+            </a:extLst>
+          </p:cNvPr>
+          <p:cNvSpPr>
+            <a:spLocks noGrp="1"/>
+          </p:cNvSpPr>
+          <p:nvPr>
+            <p:ph type="title"/>
+          </p:nvPr>
+        </p:nvSpPr>
+        <p:spPr>
+          <a:xfrm>
+            <a:off x="1" y="2049839"/>
+            <a:ext cx="12191999" cy="2378075"/>
+          </a:xfrm>
+        </p:spPr>
+        <p:txBody>
+          <a:bodyPr>
+            <a:normAutofit/>
+          </a:bodyPr>
+          <a:lstStyle/>
+          <a:p>
+            <a:pPr algn="ctr"/>
+            <a:r>
+              <a:rPr lang="en-US" sz="6600" dirty="0"/>
+              <a:t>No Silver Bullet</a:t>
+            </a:r>
+          </a:p>
+        </p:txBody>
+      </p:sp>
+    </p:spTree>
+    <p:extLst>
+      <p:ext uri="{BB962C8B-B14F-4D97-AF65-F5344CB8AC3E}">
+        <p14:creationId xmlns:p14="http://schemas.microsoft.com/office/powerpoint/2010/main" val="2758288420"/>
+      </p:ext>
+    </p:extLst>
+  </p:cSld>
+  <p:clrMapOvr>
+    <a:masterClrMapping/>
+  </p:clrMapOvr>
+</p:sld>
+</file>
+
+<file path=ppt/slides/slide41.xml><?xml version="1.0" encoding="utf-8"?>
+<p:sld xmlns:a="http://schemas.openxmlformats.org/drawingml/2006/main" xmlns:r="http://schemas.openxmlformats.org/officeDocument/2006/relationships" xmlns:p="http://schemas.openxmlformats.org/presentationml/2006/main">
+  <p:cSld>
+    <p:spTree>
+      <p:nvGrpSpPr>
+        <p:cNvPr id="1" name=""/>
+        <p:cNvGrpSpPr/>
+        <p:nvPr/>
+      </p:nvGrpSpPr>
+      <p:grpSpPr>
+        <a:xfrm>
+          <a:off x="0" y="0"/>
+          <a:ext cx="0" cy="0"/>
+          <a:chOff x="0" y="0"/>
+          <a:chExt cx="0" cy="0"/>
+        </a:xfrm>
+      </p:grpSpPr>
+      <p:sp>
+        <p:nvSpPr>
+          <p:cNvPr id="2" name="Title 1">
+            <a:extLst>
+              <a:ext uri="{FF2B5EF4-FFF2-40B4-BE49-F238E27FC236}">
                 <a16:creationId xmlns:a16="http://schemas.microsoft.com/office/drawing/2014/main" id="{085284A2-C006-A443-A623-9EA4D1EB88AE}"/>
               </a:ext>
             </a:extLst>
@@ -22312,72 +22380,6 @@
 </p:sld>
 </file>
 
-<file path=ppt/slides/slide41.xml><?xml version="1.0" encoding="utf-8"?>
-<p:sld xmlns:a="http://schemas.openxmlformats.org/drawingml/2006/main" xmlns:r="http://schemas.openxmlformats.org/officeDocument/2006/relationships" xmlns:p="http://schemas.openxmlformats.org/presentationml/2006/main">
-  <p:cSld>
-    <p:spTree>
-      <p:nvGrpSpPr>
-        <p:cNvPr id="1" name=""/>
-        <p:cNvGrpSpPr/>
-        <p:nvPr/>
-      </p:nvGrpSpPr>
-      <p:grpSpPr>
-        <a:xfrm>
-          <a:off x="0" y="0"/>
-          <a:ext cx="0" cy="0"/>
-          <a:chOff x="0" y="0"/>
-          <a:chExt cx="0" cy="0"/>
-        </a:xfrm>
-      </p:grpSpPr>
-      <p:sp>
-        <p:nvSpPr>
-          <p:cNvPr id="2" name="Title 1">
-            <a:extLst>
-              <a:ext uri="{FF2B5EF4-FFF2-40B4-BE49-F238E27FC236}">
-                <a16:creationId xmlns:a16="http://schemas.microsoft.com/office/drawing/2014/main" id="{C196C949-19D5-CD44-BB4D-8A1C472E9906}"/>
-              </a:ext>
-            </a:extLst>
-          </p:cNvPr>
-          <p:cNvSpPr>
-            <a:spLocks noGrp="1"/>
-          </p:cNvSpPr>
-          <p:nvPr>
-            <p:ph type="title"/>
-          </p:nvPr>
-        </p:nvSpPr>
-        <p:spPr>
-          <a:xfrm>
-            <a:off x="1" y="2049839"/>
-            <a:ext cx="12191999" cy="2378075"/>
-          </a:xfrm>
-        </p:spPr>
-        <p:txBody>
-          <a:bodyPr>
-            <a:normAutofit/>
-          </a:bodyPr>
-          <a:lstStyle/>
-          <a:p>
-            <a:pPr algn="ctr"/>
-            <a:r>
-              <a:rPr lang="en-US" sz="8000" b="1" dirty="0"/>
-              <a:t>Questions?</a:t>
-            </a:r>
-          </a:p>
-        </p:txBody>
-      </p:sp>
-    </p:spTree>
-    <p:extLst>
-      <p:ext uri="{BB962C8B-B14F-4D97-AF65-F5344CB8AC3E}">
-        <p14:creationId xmlns:p14="http://schemas.microsoft.com/office/powerpoint/2010/main" val="2758288420"/>
-      </p:ext>
-    </p:extLst>
-  </p:cSld>
-  <p:clrMapOvr>
-    <a:masterClrMapping/>
-  </p:clrMapOvr>
-</p:sld>
-</file>
-
 <file path=ppt/slides/slide42.xml><?xml version="1.0" encoding="utf-8"?>
 <p:sld xmlns:a="http://schemas.openxmlformats.org/drawingml/2006/main" xmlns:r="http://schemas.openxmlformats.org/officeDocument/2006/relationships" xmlns:p="http://schemas.openxmlformats.org/presentationml/2006/main">
   <p:cSld>
@@ -22426,7 +22428,7 @@
             <a:pPr algn="ctr"/>
             <a:r>
               <a:rPr lang="en-US" sz="8000" b="1" dirty="0"/>
-              <a:t>Thanks</a:t>
+              <a:t>Questions?</a:t>
             </a:r>
           </a:p>
         </p:txBody>
@@ -22434,7 +22436,7 @@
     </p:spTree>
     <p:extLst>
       <p:ext uri="{BB962C8B-B14F-4D97-AF65-F5344CB8AC3E}">
-        <p14:creationId xmlns:p14="http://schemas.microsoft.com/office/powerpoint/2010/main" val="2637049703"/>
+        <p14:creationId xmlns:p14="http://schemas.microsoft.com/office/powerpoint/2010/main" val="2515919564"/>
       </p:ext>
     </p:extLst>
   </p:cSld>
@@ -22445,7 +22447,7 @@
 </file>
 
 <file path=ppt/slides/slide43.xml><?xml version="1.0" encoding="utf-8"?>
-<p:sld xmlns:a="http://schemas.openxmlformats.org/drawingml/2006/main" xmlns:r="http://schemas.openxmlformats.org/officeDocument/2006/relationships" xmlns:p="http://schemas.openxmlformats.org/presentationml/2006/main" show="0">
+<p:sld xmlns:a="http://schemas.openxmlformats.org/drawingml/2006/main" xmlns:r="http://schemas.openxmlformats.org/officeDocument/2006/relationships" xmlns:p="http://schemas.openxmlformats.org/presentationml/2006/main">
   <p:cSld>
     <p:spTree>
       <p:nvGrpSpPr>
@@ -22466,7 +22468,7 @@
           <p:cNvPr id="2" name="Title 1">
             <a:extLst>
               <a:ext uri="{FF2B5EF4-FFF2-40B4-BE49-F238E27FC236}">
-                <a16:creationId xmlns:a16="http://schemas.microsoft.com/office/drawing/2014/main" id="{B635F71B-6B19-434B-99F3-4E9DD053875B}"/>
+                <a16:creationId xmlns:a16="http://schemas.microsoft.com/office/drawing/2014/main" id="{C196C949-19D5-CD44-BB4D-8A1C472E9906}"/>
               </a:ext>
             </a:extLst>
           </p:cNvPr>
@@ -22477,94 +22479,30 @@
             <p:ph type="title"/>
           </p:nvPr>
         </p:nvSpPr>
-        <p:spPr/>
-        <p:txBody>
-          <a:bodyPr/>
-          <a:lstStyle/>
-          <a:p>
-            <a:r>
-              <a:rPr lang="en-US" dirty="0"/>
-              <a:t>Ensuring Data Consistency</a:t>
-            </a:r>
-          </a:p>
-        </p:txBody>
-      </p:sp>
-      <p:sp>
-        <p:nvSpPr>
-          <p:cNvPr id="3" name="Content Placeholder 2">
-            <a:extLst>
-              <a:ext uri="{FF2B5EF4-FFF2-40B4-BE49-F238E27FC236}">
-                <a16:creationId xmlns:a16="http://schemas.microsoft.com/office/drawing/2014/main" id="{CB2FEEF4-5D2F-754B-9385-02EE195A1B6C}"/>
-              </a:ext>
-            </a:extLst>
-          </p:cNvPr>
-          <p:cNvSpPr>
-            <a:spLocks noGrp="1"/>
-          </p:cNvSpPr>
-          <p:nvPr>
-            <p:ph idx="1"/>
-          </p:nvPr>
-        </p:nvSpPr>
-        <p:spPr/>
+        <p:spPr>
+          <a:xfrm>
+            <a:off x="1" y="2049839"/>
+            <a:ext cx="12191999" cy="2378075"/>
+          </a:xfrm>
+        </p:spPr>
         <p:txBody>
           <a:bodyPr>
-            <a:normAutofit fontScale="92500"/>
+            <a:normAutofit/>
           </a:bodyPr>
           <a:lstStyle/>
           <a:p>
+            <a:pPr algn="ctr"/>
             <a:r>
-              <a:rPr lang="en-US" dirty="0"/>
-              <a:t>Read-only mode</a:t>
+              <a:rPr lang="en-US" sz="8000" b="1" dirty="0"/>
+              <a:t>Thanks</a:t>
             </a:r>
-          </a:p>
-          <a:p>
-            <a:r>
-              <a:rPr lang="en-US" dirty="0"/>
-              <a:t>Immutable (Gray) request queue, applied twice</a:t>
-            </a:r>
-          </a:p>
-          <a:p>
-            <a:r>
-              <a:rPr lang="en-US" dirty="0"/>
-              <a:t>One (Gray) Database</a:t>
-            </a:r>
-          </a:p>
-          <a:p>
-            <a:pPr lvl="1"/>
-            <a:r>
-              <a:rPr lang="en-US" dirty="0"/>
-              <a:t>Database Refactoring, supports both versions</a:t>
-            </a:r>
-          </a:p>
-          <a:p>
-            <a:pPr lvl="1"/>
-            <a:r>
-              <a:rPr lang="en-US" dirty="0"/>
-              <a:t>Support one version, change </a:t>
-            </a:r>
-            <a:r>
-              <a:rPr lang="en-US" i="1" dirty="0"/>
-              <a:t>carefully</a:t>
-            </a:r>
-            <a:endParaRPr lang="en-US" dirty="0"/>
-          </a:p>
-          <a:p>
-            <a:pPr lvl="1"/>
-            <a:r>
-              <a:rPr lang="en-US" dirty="0"/>
-              <a:t>Support one version, w. app-based blue/green</a:t>
-            </a:r>
-          </a:p>
-          <a:p>
-            <a:pPr lvl="1"/>
-            <a:endParaRPr lang="en-US" dirty="0"/>
           </a:p>
         </p:txBody>
       </p:sp>
     </p:spTree>
     <p:extLst>
       <p:ext uri="{BB962C8B-B14F-4D97-AF65-F5344CB8AC3E}">
-        <p14:creationId xmlns:p14="http://schemas.microsoft.com/office/powerpoint/2010/main" val="2572783209"/>
+        <p14:creationId xmlns:p14="http://schemas.microsoft.com/office/powerpoint/2010/main" val="2637049703"/>
       </p:ext>
     </p:extLst>
   </p:cSld>
@@ -22596,6 +22534,136 @@
           <p:cNvPr id="2" name="Title 1">
             <a:extLst>
               <a:ext uri="{FF2B5EF4-FFF2-40B4-BE49-F238E27FC236}">
+                <a16:creationId xmlns:a16="http://schemas.microsoft.com/office/drawing/2014/main" id="{B635F71B-6B19-434B-99F3-4E9DD053875B}"/>
+              </a:ext>
+            </a:extLst>
+          </p:cNvPr>
+          <p:cNvSpPr>
+            <a:spLocks noGrp="1"/>
+          </p:cNvSpPr>
+          <p:nvPr>
+            <p:ph type="title"/>
+          </p:nvPr>
+        </p:nvSpPr>
+        <p:spPr/>
+        <p:txBody>
+          <a:bodyPr/>
+          <a:lstStyle/>
+          <a:p>
+            <a:r>
+              <a:rPr lang="en-US" dirty="0"/>
+              <a:t>Ensuring Data Consistency</a:t>
+            </a:r>
+          </a:p>
+        </p:txBody>
+      </p:sp>
+      <p:sp>
+        <p:nvSpPr>
+          <p:cNvPr id="3" name="Content Placeholder 2">
+            <a:extLst>
+              <a:ext uri="{FF2B5EF4-FFF2-40B4-BE49-F238E27FC236}">
+                <a16:creationId xmlns:a16="http://schemas.microsoft.com/office/drawing/2014/main" id="{CB2FEEF4-5D2F-754B-9385-02EE195A1B6C}"/>
+              </a:ext>
+            </a:extLst>
+          </p:cNvPr>
+          <p:cNvSpPr>
+            <a:spLocks noGrp="1"/>
+          </p:cNvSpPr>
+          <p:nvPr>
+            <p:ph idx="1"/>
+          </p:nvPr>
+        </p:nvSpPr>
+        <p:spPr/>
+        <p:txBody>
+          <a:bodyPr>
+            <a:normAutofit fontScale="92500"/>
+          </a:bodyPr>
+          <a:lstStyle/>
+          <a:p>
+            <a:r>
+              <a:rPr lang="en-US" dirty="0"/>
+              <a:t>Read-only mode</a:t>
+            </a:r>
+          </a:p>
+          <a:p>
+            <a:r>
+              <a:rPr lang="en-US" dirty="0"/>
+              <a:t>Immutable (Gray) request queue, applied twice</a:t>
+            </a:r>
+          </a:p>
+          <a:p>
+            <a:r>
+              <a:rPr lang="en-US" dirty="0"/>
+              <a:t>One (Gray) Database</a:t>
+            </a:r>
+          </a:p>
+          <a:p>
+            <a:pPr lvl="1"/>
+            <a:r>
+              <a:rPr lang="en-US" dirty="0"/>
+              <a:t>Database Refactoring, supports both versions</a:t>
+            </a:r>
+          </a:p>
+          <a:p>
+            <a:pPr lvl="1"/>
+            <a:r>
+              <a:rPr lang="en-US" dirty="0"/>
+              <a:t>Support one version, change </a:t>
+            </a:r>
+            <a:r>
+              <a:rPr lang="en-US" i="1" dirty="0"/>
+              <a:t>carefully</a:t>
+            </a:r>
+            <a:endParaRPr lang="en-US" dirty="0"/>
+          </a:p>
+          <a:p>
+            <a:pPr lvl="1"/>
+            <a:r>
+              <a:rPr lang="en-US" dirty="0"/>
+              <a:t>Support one version, w. app-based blue/green</a:t>
+            </a:r>
+          </a:p>
+          <a:p>
+            <a:pPr lvl="1"/>
+            <a:endParaRPr lang="en-US" dirty="0"/>
+          </a:p>
+        </p:txBody>
+      </p:sp>
+    </p:spTree>
+    <p:extLst>
+      <p:ext uri="{BB962C8B-B14F-4D97-AF65-F5344CB8AC3E}">
+        <p14:creationId xmlns:p14="http://schemas.microsoft.com/office/powerpoint/2010/main" val="2572783209"/>
+      </p:ext>
+    </p:extLst>
+  </p:cSld>
+  <p:clrMapOvr>
+    <a:masterClrMapping/>
+  </p:clrMapOvr>
+</p:sld>
+</file>
+
+<file path=ppt/slides/slide45.xml><?xml version="1.0" encoding="utf-8"?>
+<p:sld xmlns:a="http://schemas.openxmlformats.org/drawingml/2006/main" xmlns:r="http://schemas.openxmlformats.org/officeDocument/2006/relationships" xmlns:p="http://schemas.openxmlformats.org/presentationml/2006/main" show="0">
+  <p:cSld>
+    <p:spTree>
+      <p:nvGrpSpPr>
+        <p:cNvPr id="1" name=""/>
+        <p:cNvGrpSpPr/>
+        <p:nvPr/>
+      </p:nvGrpSpPr>
+      <p:grpSpPr>
+        <a:xfrm>
+          <a:off x="0" y="0"/>
+          <a:ext cx="0" cy="0"/>
+          <a:chOff x="0" y="0"/>
+          <a:chExt cx="0" cy="0"/>
+        </a:xfrm>
+      </p:grpSpPr>
+      <p:sp>
+        <p:nvSpPr>
+          <p:cNvPr id="2" name="Title 1">
+            <a:extLst>
+              <a:ext uri="{FF2B5EF4-FFF2-40B4-BE49-F238E27FC236}">
                 <a16:creationId xmlns:a16="http://schemas.microsoft.com/office/drawing/2014/main" id="{7B0AE009-526E-C943-83FB-19F2E00BADC7}"/>
               </a:ext>
             </a:extLst>
@@ -22698,7 +22766,7 @@
 </p:sld>
 </file>
 
-<file path=ppt/slides/slide45.xml><?xml version="1.0" encoding="utf-8"?>
+<file path=ppt/slides/slide46.xml><?xml version="1.0" encoding="utf-8"?>
 <p:sld xmlns:a="http://schemas.openxmlformats.org/drawingml/2006/main" xmlns:r="http://schemas.openxmlformats.org/officeDocument/2006/relationships" xmlns:p="http://schemas.openxmlformats.org/presentationml/2006/main" show="0">
   <p:cSld>
     <p:spTree>
@@ -23250,7 +23318,7 @@
 </p:sld>
 </file>
 
-<file path=ppt/slides/slide46.xml><?xml version="1.0" encoding="utf-8"?>
+<file path=ppt/slides/slide47.xml><?xml version="1.0" encoding="utf-8"?>
 <p:sld xmlns:a="http://schemas.openxmlformats.org/drawingml/2006/main" xmlns:r="http://schemas.openxmlformats.org/officeDocument/2006/relationships" xmlns:p="http://schemas.openxmlformats.org/presentationml/2006/main" show="0">
   <p:cSld>
     <p:spTree>
@@ -24068,7 +24136,7 @@
 </p:sld>
 </file>
 
-<file path=ppt/slides/slide47.xml><?xml version="1.0" encoding="utf-8"?>
+<file path=ppt/slides/slide48.xml><?xml version="1.0" encoding="utf-8"?>
 <p:sld xmlns:a="http://schemas.openxmlformats.org/drawingml/2006/main" xmlns:r="http://schemas.openxmlformats.org/officeDocument/2006/relationships" xmlns:p="http://schemas.openxmlformats.org/presentationml/2006/main" show="0">
   <p:cSld>
     <p:spTree>
@@ -25219,7 +25287,7 @@
 </p:sld>
 </file>
 
-<file path=ppt/slides/slide48.xml><?xml version="1.0" encoding="utf-8"?>
+<file path=ppt/slides/slide49.xml><?xml version="1.0" encoding="utf-8"?>
 <p:sld xmlns:a="http://schemas.openxmlformats.org/drawingml/2006/main" xmlns:r="http://schemas.openxmlformats.org/officeDocument/2006/relationships" xmlns:p="http://schemas.openxmlformats.org/presentationml/2006/main" show="0">
   <p:cSld>
     <p:spTree>
@@ -26028,94 +26096,6 @@
     <p:extLst>
       <p:ext uri="{BB962C8B-B14F-4D97-AF65-F5344CB8AC3E}">
         <p14:creationId xmlns:p14="http://schemas.microsoft.com/office/powerpoint/2010/main" val="3740308466"/>
-      </p:ext>
-    </p:extLst>
-  </p:cSld>
-  <p:clrMapOvr>
-    <a:masterClrMapping/>
-  </p:clrMapOvr>
-</p:sld>
-</file>
-
-<file path=ppt/slides/slide49.xml><?xml version="1.0" encoding="utf-8"?>
-<p:sld xmlns:a="http://schemas.openxmlformats.org/drawingml/2006/main" xmlns:r="http://schemas.openxmlformats.org/officeDocument/2006/relationships" xmlns:p="http://schemas.openxmlformats.org/presentationml/2006/main" show="0">
-  <p:cSld>
-    <p:spTree>
-      <p:nvGrpSpPr>
-        <p:cNvPr id="1" name=""/>
-        <p:cNvGrpSpPr/>
-        <p:nvPr/>
-      </p:nvGrpSpPr>
-      <p:grpSpPr>
-        <a:xfrm>
-          <a:off x="0" y="0"/>
-          <a:ext cx="0" cy="0"/>
-          <a:chOff x="0" y="0"/>
-          <a:chExt cx="0" cy="0"/>
-        </a:xfrm>
-      </p:grpSpPr>
-      <p:sp>
-        <p:nvSpPr>
-          <p:cNvPr id="2" name="Title 1">
-            <a:extLst>
-              <a:ext uri="{FF2B5EF4-FFF2-40B4-BE49-F238E27FC236}">
-                <a16:creationId xmlns:a16="http://schemas.microsoft.com/office/drawing/2014/main" id="{8A1AC356-DE75-DF4E-98A9-1994F099F7E5}"/>
-              </a:ext>
-            </a:extLst>
-          </p:cNvPr>
-          <p:cNvSpPr>
-            <a:spLocks noGrp="1"/>
-          </p:cNvSpPr>
-          <p:nvPr>
-            <p:ph type="title"/>
-          </p:nvPr>
-        </p:nvSpPr>
-        <p:spPr/>
-        <p:txBody>
-          <a:bodyPr/>
-          <a:lstStyle/>
-          <a:p>
-            <a:r>
-              <a:rPr lang="en-US" dirty="0"/>
-              <a:t>Routing + Behavior</a:t>
-            </a:r>
-          </a:p>
-        </p:txBody>
-      </p:sp>
-      <p:pic>
-        <p:nvPicPr>
-          <p:cNvPr id="5" name="Picture 4">
-            <a:extLst>
-              <a:ext uri="{FF2B5EF4-FFF2-40B4-BE49-F238E27FC236}">
-                <a16:creationId xmlns:a16="http://schemas.microsoft.com/office/drawing/2014/main" id="{A9916334-2CC3-C145-9C14-E058D7BF85E3}"/>
-              </a:ext>
-            </a:extLst>
-          </p:cNvPr>
-          <p:cNvPicPr>
-            <a:picLocks noChangeAspect="1"/>
-          </p:cNvPicPr>
-          <p:nvPr/>
-        </p:nvPicPr>
-        <p:blipFill>
-          <a:blip r:embed="rId2"/>
-          <a:stretch>
-            <a:fillRect/>
-          </a:stretch>
-        </p:blipFill>
-        <p:spPr>
-          <a:xfrm>
-            <a:off x="838200" y="1517649"/>
-            <a:ext cx="10958206" cy="4331607"/>
-          </a:xfrm>
-          <a:prstGeom prst="rect">
-            <a:avLst/>
-          </a:prstGeom>
-        </p:spPr>
-      </p:pic>
-    </p:spTree>
-    <p:extLst>
-      <p:ext uri="{BB962C8B-B14F-4D97-AF65-F5344CB8AC3E}">
-        <p14:creationId xmlns:p14="http://schemas.microsoft.com/office/powerpoint/2010/main" val="40870681"/>
       </p:ext>
     </p:extLst>
   </p:cSld>
@@ -27067,7 +27047,7 @@
           <p:cNvPr id="2" name="Title 1">
             <a:extLst>
               <a:ext uri="{FF2B5EF4-FFF2-40B4-BE49-F238E27FC236}">
-                <a16:creationId xmlns:a16="http://schemas.microsoft.com/office/drawing/2014/main" id="{01A8CE6E-2EE6-574E-936C-92EE29BB16D7}"/>
+                <a16:creationId xmlns:a16="http://schemas.microsoft.com/office/drawing/2014/main" id="{8A1AC356-DE75-DF4E-98A9-1994F099F7E5}"/>
               </a:ext>
             </a:extLst>
           </p:cNvPr>
@@ -27092,10 +27072,10 @@
       </p:sp>
       <p:pic>
         <p:nvPicPr>
-          <p:cNvPr id="4" name="Picture 3">
+          <p:cNvPr id="5" name="Picture 4">
             <a:extLst>
               <a:ext uri="{FF2B5EF4-FFF2-40B4-BE49-F238E27FC236}">
-                <a16:creationId xmlns:a16="http://schemas.microsoft.com/office/drawing/2014/main" id="{B708E40E-05F3-7A49-B20F-F27C1B429C08}"/>
+                <a16:creationId xmlns:a16="http://schemas.microsoft.com/office/drawing/2014/main" id="{A9916334-2CC3-C145-9C14-E058D7BF85E3}"/>
               </a:ext>
             </a:extLst>
           </p:cNvPr>
@@ -27112,8 +27092,8 @@
         </p:blipFill>
         <p:spPr>
           <a:xfrm>
-            <a:off x="838200" y="2036535"/>
-            <a:ext cx="10722754" cy="2666093"/>
+            <a:off x="838200" y="1517649"/>
+            <a:ext cx="10958206" cy="4331607"/>
           </a:xfrm>
           <a:prstGeom prst="rect">
             <a:avLst/>
@@ -27123,7 +27103,7 @@
     </p:spTree>
     <p:extLst>
       <p:ext uri="{BB962C8B-B14F-4D97-AF65-F5344CB8AC3E}">
-        <p14:creationId xmlns:p14="http://schemas.microsoft.com/office/powerpoint/2010/main" val="1017878124"/>
+        <p14:creationId xmlns:p14="http://schemas.microsoft.com/office/powerpoint/2010/main" val="40870681"/>
       </p:ext>
     </p:extLst>
   </p:cSld>
@@ -27155,7 +27135,7 @@
           <p:cNvPr id="2" name="Title 1">
             <a:extLst>
               <a:ext uri="{FF2B5EF4-FFF2-40B4-BE49-F238E27FC236}">
-                <a16:creationId xmlns:a16="http://schemas.microsoft.com/office/drawing/2014/main" id="{C1C8AD85-E247-1948-8A09-77C4E5C3FF16}"/>
+                <a16:creationId xmlns:a16="http://schemas.microsoft.com/office/drawing/2014/main" id="{01A8CE6E-2EE6-574E-936C-92EE29BB16D7}"/>
               </a:ext>
             </a:extLst>
           </p:cNvPr>
@@ -27178,121 +27158,40 @@
           </a:p>
         </p:txBody>
       </p:sp>
-      <p:sp>
-        <p:nvSpPr>
-          <p:cNvPr id="3" name="Content Placeholder 2">
+      <p:pic>
+        <p:nvPicPr>
+          <p:cNvPr id="4" name="Picture 3">
             <a:extLst>
               <a:ext uri="{FF2B5EF4-FFF2-40B4-BE49-F238E27FC236}">
-                <a16:creationId xmlns:a16="http://schemas.microsoft.com/office/drawing/2014/main" id="{BBE4DBD6-CDA4-9C43-983C-C0ADBBD12FBF}"/>
+                <a16:creationId xmlns:a16="http://schemas.microsoft.com/office/drawing/2014/main" id="{B708E40E-05F3-7A49-B20F-F27C1B429C08}"/>
               </a:ext>
             </a:extLst>
           </p:cNvPr>
-          <p:cNvSpPr>
-            <a:spLocks noGrp="1"/>
-          </p:cNvSpPr>
-          <p:nvPr>
-            <p:ph idx="1"/>
-          </p:nvPr>
-        </p:nvSpPr>
+          <p:cNvPicPr>
+            <a:picLocks noChangeAspect="1"/>
+          </p:cNvPicPr>
+          <p:nvPr/>
+        </p:nvPicPr>
+        <p:blipFill>
+          <a:blip r:embed="rId2"/>
+          <a:stretch>
+            <a:fillRect/>
+          </a:stretch>
+        </p:blipFill>
         <p:spPr>
           <a:xfrm>
-            <a:off x="838200" y="1825624"/>
-            <a:ext cx="10515600" cy="4662261"/>
-          </a:xfrm>
+            <a:off x="838200" y="2036535"/>
+            <a:ext cx="10722754" cy="2666093"/>
+          </a:xfrm>
+          <a:prstGeom prst="rect">
+            <a:avLst/>
+          </a:prstGeom>
         </p:spPr>
-        <p:txBody>
-          <a:bodyPr>
-            <a:normAutofit/>
-          </a:bodyPr>
-          <a:lstStyle/>
-          <a:p>
-            <a:r>
-              <a:rPr lang="en-US" dirty="0"/>
-              <a:t>Apply code changes to </a:t>
-            </a:r>
-            <a:r>
-              <a:rPr lang="en-US" b="1" dirty="0"/>
-              <a:t>core</a:t>
-            </a:r>
-            <a:r>
-              <a:rPr lang="en-US" dirty="0"/>
-              <a:t>, </a:t>
-            </a:r>
-          </a:p>
-          <a:p>
-            <a:pPr lvl="1"/>
-            <a:r>
-              <a:rPr lang="en-US" dirty="0"/>
-              <a:t>while </a:t>
-            </a:r>
-            <a:r>
-              <a:rPr lang="en-US" b="1" dirty="0" err="1"/>
-              <a:t>core_old</a:t>
-            </a:r>
-            <a:r>
-              <a:rPr lang="en-US" dirty="0"/>
-              <a:t> serves current version</a:t>
-            </a:r>
-          </a:p>
-          <a:p>
-            <a:r>
-              <a:rPr lang="en-US" dirty="0"/>
-              <a:t>Create the </a:t>
-            </a:r>
-            <a:r>
-              <a:rPr lang="en-US" b="1" dirty="0"/>
-              <a:t>switching migration</a:t>
-            </a:r>
-            <a:r>
-              <a:rPr lang="en-US" dirty="0"/>
-              <a:t> in </a:t>
-            </a:r>
-            <a:r>
-              <a:rPr lang="en-US" b="1" dirty="0"/>
-              <a:t>core</a:t>
-            </a:r>
-            <a:endParaRPr lang="en-US" dirty="0"/>
-          </a:p>
-          <a:p>
-            <a:r>
-              <a:rPr lang="en-US" dirty="0"/>
-              <a:t>Apply </a:t>
-            </a:r>
-            <a:r>
-              <a:rPr lang="en-US" b="1" dirty="0"/>
-              <a:t>migration</a:t>
-            </a:r>
-          </a:p>
-          <a:p>
-            <a:pPr lvl="1"/>
-            <a:r>
-              <a:rPr lang="en-US" dirty="0"/>
-              <a:t>Requires restart server</a:t>
-            </a:r>
-          </a:p>
-          <a:p>
-            <a:r>
-              <a:rPr lang="en-US" dirty="0"/>
-              <a:t>Delete </a:t>
-            </a:r>
-            <a:r>
-              <a:rPr lang="en-US" b="1" dirty="0" err="1"/>
-              <a:t>core_old</a:t>
-            </a:r>
-            <a:endParaRPr lang="en-US" b="1" dirty="0"/>
-          </a:p>
-          <a:p>
-            <a:r>
-              <a:rPr lang="en-US" dirty="0"/>
-              <a:t>Profit</a:t>
-            </a:r>
-          </a:p>
-        </p:txBody>
-      </p:sp>
+      </p:pic>
     </p:spTree>
     <p:extLst>
       <p:ext uri="{BB962C8B-B14F-4D97-AF65-F5344CB8AC3E}">
-        <p14:creationId xmlns:p14="http://schemas.microsoft.com/office/powerpoint/2010/main" val="2097399329"/>
+        <p14:creationId xmlns:p14="http://schemas.microsoft.com/office/powerpoint/2010/main" val="1017878124"/>
       </p:ext>
     </p:extLst>
   </p:cSld>
@@ -27324,6 +27223,175 @@
           <p:cNvPr id="2" name="Title 1">
             <a:extLst>
               <a:ext uri="{FF2B5EF4-FFF2-40B4-BE49-F238E27FC236}">
+                <a16:creationId xmlns:a16="http://schemas.microsoft.com/office/drawing/2014/main" id="{C1C8AD85-E247-1948-8A09-77C4E5C3FF16}"/>
+              </a:ext>
+            </a:extLst>
+          </p:cNvPr>
+          <p:cNvSpPr>
+            <a:spLocks noGrp="1"/>
+          </p:cNvSpPr>
+          <p:nvPr>
+            <p:ph type="title"/>
+          </p:nvPr>
+        </p:nvSpPr>
+        <p:spPr/>
+        <p:txBody>
+          <a:bodyPr/>
+          <a:lstStyle/>
+          <a:p>
+            <a:r>
+              <a:rPr lang="en-US" dirty="0"/>
+              <a:t>Routing + Behavior</a:t>
+            </a:r>
+          </a:p>
+        </p:txBody>
+      </p:sp>
+      <p:sp>
+        <p:nvSpPr>
+          <p:cNvPr id="3" name="Content Placeholder 2">
+            <a:extLst>
+              <a:ext uri="{FF2B5EF4-FFF2-40B4-BE49-F238E27FC236}">
+                <a16:creationId xmlns:a16="http://schemas.microsoft.com/office/drawing/2014/main" id="{BBE4DBD6-CDA4-9C43-983C-C0ADBBD12FBF}"/>
+              </a:ext>
+            </a:extLst>
+          </p:cNvPr>
+          <p:cNvSpPr>
+            <a:spLocks noGrp="1"/>
+          </p:cNvSpPr>
+          <p:nvPr>
+            <p:ph idx="1"/>
+          </p:nvPr>
+        </p:nvSpPr>
+        <p:spPr>
+          <a:xfrm>
+            <a:off x="838200" y="1825624"/>
+            <a:ext cx="10515600" cy="4662261"/>
+          </a:xfrm>
+        </p:spPr>
+        <p:txBody>
+          <a:bodyPr>
+            <a:normAutofit/>
+          </a:bodyPr>
+          <a:lstStyle/>
+          <a:p>
+            <a:r>
+              <a:rPr lang="en-US" dirty="0"/>
+              <a:t>Apply code changes to </a:t>
+            </a:r>
+            <a:r>
+              <a:rPr lang="en-US" b="1" dirty="0"/>
+              <a:t>core</a:t>
+            </a:r>
+            <a:r>
+              <a:rPr lang="en-US" dirty="0"/>
+              <a:t>, </a:t>
+            </a:r>
+          </a:p>
+          <a:p>
+            <a:pPr lvl="1"/>
+            <a:r>
+              <a:rPr lang="en-US" dirty="0"/>
+              <a:t>while </a:t>
+            </a:r>
+            <a:r>
+              <a:rPr lang="en-US" b="1" dirty="0" err="1"/>
+              <a:t>core_old</a:t>
+            </a:r>
+            <a:r>
+              <a:rPr lang="en-US" dirty="0"/>
+              <a:t> serves current version</a:t>
+            </a:r>
+          </a:p>
+          <a:p>
+            <a:r>
+              <a:rPr lang="en-US" dirty="0"/>
+              <a:t>Create the </a:t>
+            </a:r>
+            <a:r>
+              <a:rPr lang="en-US" b="1" dirty="0"/>
+              <a:t>switching migration</a:t>
+            </a:r>
+            <a:r>
+              <a:rPr lang="en-US" dirty="0"/>
+              <a:t> in </a:t>
+            </a:r>
+            <a:r>
+              <a:rPr lang="en-US" b="1" dirty="0"/>
+              <a:t>core</a:t>
+            </a:r>
+            <a:endParaRPr lang="en-US" dirty="0"/>
+          </a:p>
+          <a:p>
+            <a:r>
+              <a:rPr lang="en-US" dirty="0"/>
+              <a:t>Apply </a:t>
+            </a:r>
+            <a:r>
+              <a:rPr lang="en-US" b="1" dirty="0"/>
+              <a:t>migration</a:t>
+            </a:r>
+          </a:p>
+          <a:p>
+            <a:pPr lvl="1"/>
+            <a:r>
+              <a:rPr lang="en-US" dirty="0"/>
+              <a:t>Requires restart server</a:t>
+            </a:r>
+          </a:p>
+          <a:p>
+            <a:r>
+              <a:rPr lang="en-US" dirty="0"/>
+              <a:t>Delete </a:t>
+            </a:r>
+            <a:r>
+              <a:rPr lang="en-US" b="1" dirty="0" err="1"/>
+              <a:t>core_old</a:t>
+            </a:r>
+            <a:endParaRPr lang="en-US" b="1" dirty="0"/>
+          </a:p>
+          <a:p>
+            <a:r>
+              <a:rPr lang="en-US" dirty="0"/>
+              <a:t>Profit</a:t>
+            </a:r>
+          </a:p>
+        </p:txBody>
+      </p:sp>
+    </p:spTree>
+    <p:extLst>
+      <p:ext uri="{BB962C8B-B14F-4D97-AF65-F5344CB8AC3E}">
+        <p14:creationId xmlns:p14="http://schemas.microsoft.com/office/powerpoint/2010/main" val="2097399329"/>
+      </p:ext>
+    </p:extLst>
+  </p:cSld>
+  <p:clrMapOvr>
+    <a:masterClrMapping/>
+  </p:clrMapOvr>
+</p:sld>
+</file>
+
+<file path=ppt/slides/slide53.xml><?xml version="1.0" encoding="utf-8"?>
+<p:sld xmlns:a="http://schemas.openxmlformats.org/drawingml/2006/main" xmlns:r="http://schemas.openxmlformats.org/officeDocument/2006/relationships" xmlns:p="http://schemas.openxmlformats.org/presentationml/2006/main" show="0">
+  <p:cSld>
+    <p:spTree>
+      <p:nvGrpSpPr>
+        <p:cNvPr id="1" name=""/>
+        <p:cNvGrpSpPr/>
+        <p:nvPr/>
+      </p:nvGrpSpPr>
+      <p:grpSpPr>
+        <a:xfrm>
+          <a:off x="0" y="0"/>
+          <a:ext cx="0" cy="0"/>
+          <a:chOff x="0" y="0"/>
+          <a:chExt cx="0" cy="0"/>
+        </a:xfrm>
+      </p:grpSpPr>
+      <p:sp>
+        <p:nvSpPr>
+          <p:cNvPr id="2" name="Title 1">
+            <a:extLst>
+              <a:ext uri="{FF2B5EF4-FFF2-40B4-BE49-F238E27FC236}">
                 <a16:creationId xmlns:a16="http://schemas.microsoft.com/office/drawing/2014/main" id="{7917330C-36ED-C249-BCD9-8538ACF1ABFF}"/>
               </a:ext>
             </a:extLst>
@@ -27385,7 +27453,7 @@
 </p:sld>
 </file>
 
-<file path=ppt/slides/slide53.xml><?xml version="1.0" encoding="utf-8"?>
+<file path=ppt/slides/slide54.xml><?xml version="1.0" encoding="utf-8"?>
 <p:sld xmlns:a="http://schemas.openxmlformats.org/drawingml/2006/main" xmlns:r="http://schemas.openxmlformats.org/officeDocument/2006/relationships" xmlns:p="http://schemas.openxmlformats.org/presentationml/2006/main" show="0">
   <p:cSld>
     <p:spTree>
